--- a/5.1 Анализ данных. Многомерье. Начало.pptx
+++ b/5.1 Анализ данных. Многомерье. Начало.pptx
@@ -5,7 +5,7 @@
     <p:sldMasterId id="2147483648" r:id="rId1"/>
   </p:sldMasterIdLst>
   <p:notesMasterIdLst>
-    <p:notesMasterId r:id="rId34"/>
+    <p:notesMasterId r:id="rId22"/>
   </p:notesMasterIdLst>
   <p:sldIdLst>
     <p:sldId id="256" r:id="rId2"/>
@@ -19,27 +19,15 @@
     <p:sldId id="299" r:id="rId10"/>
     <p:sldId id="301" r:id="rId11"/>
     <p:sldId id="302" r:id="rId12"/>
-    <p:sldId id="303" r:id="rId13"/>
-    <p:sldId id="304" r:id="rId14"/>
-    <p:sldId id="305" r:id="rId15"/>
+    <p:sldId id="329" r:id="rId13"/>
+    <p:sldId id="330" r:id="rId14"/>
+    <p:sldId id="303" r:id="rId15"/>
     <p:sldId id="306" r:id="rId16"/>
     <p:sldId id="307" r:id="rId17"/>
-    <p:sldId id="308" r:id="rId18"/>
+    <p:sldId id="332" r:id="rId18"/>
     <p:sldId id="309" r:id="rId19"/>
-    <p:sldId id="310" r:id="rId20"/>
-    <p:sldId id="311" r:id="rId21"/>
-    <p:sldId id="312" r:id="rId22"/>
-    <p:sldId id="313" r:id="rId23"/>
-    <p:sldId id="314" r:id="rId24"/>
-    <p:sldId id="315" r:id="rId25"/>
-    <p:sldId id="316" r:id="rId26"/>
-    <p:sldId id="317" r:id="rId27"/>
-    <p:sldId id="318" r:id="rId28"/>
-    <p:sldId id="319" r:id="rId29"/>
-    <p:sldId id="320" r:id="rId30"/>
-    <p:sldId id="321" r:id="rId31"/>
-    <p:sldId id="322" r:id="rId32"/>
-    <p:sldId id="278" r:id="rId33"/>
+    <p:sldId id="331" r:id="rId20"/>
+    <p:sldId id="278" r:id="rId21"/>
   </p:sldIdLst>
   <p:sldSz cx="12192000" cy="6858000"/>
   <p:notesSz cx="6858000" cy="9144000"/>
@@ -158,26 +146,14 @@
             <p14:sldId id="299"/>
             <p14:sldId id="301"/>
             <p14:sldId id="302"/>
+            <p14:sldId id="329"/>
+            <p14:sldId id="330"/>
             <p14:sldId id="303"/>
-            <p14:sldId id="304"/>
-            <p14:sldId id="305"/>
             <p14:sldId id="306"/>
             <p14:sldId id="307"/>
-            <p14:sldId id="308"/>
+            <p14:sldId id="332"/>
             <p14:sldId id="309"/>
-            <p14:sldId id="310"/>
-            <p14:sldId id="311"/>
-            <p14:sldId id="312"/>
-            <p14:sldId id="313"/>
-            <p14:sldId id="314"/>
-            <p14:sldId id="315"/>
-            <p14:sldId id="316"/>
-            <p14:sldId id="317"/>
-            <p14:sldId id="318"/>
-            <p14:sldId id="319"/>
-            <p14:sldId id="320"/>
-            <p14:sldId id="321"/>
-            <p14:sldId id="322"/>
+            <p14:sldId id="331"/>
             <p14:sldId id="278"/>
           </p14:sldIdLst>
         </p14:section>
@@ -188,6 +164,10 @@
     </p:ext>
   </p:extLst>
 </p:presentation>
+</file>
+
+<file path=ppt/revisionInfo.xml><?xml version="1.0" encoding="utf-8"?>
+<p1510:revInfo xmlns:a="http://schemas.openxmlformats.org/drawingml/2006/main" xmlns:r="http://schemas.openxmlformats.org/officeDocument/2006/relationships" xmlns:p1510="http://schemas.microsoft.com/office/powerpoint/2015/10/main"/>
 </file>
 
 <file path=ppt/notesMasters/notesMaster1.xml><?xml version="1.0" encoding="utf-8"?>
@@ -272,7 +252,7 @@
           <a:p>
             <a:fld id="{245D6BBE-FF37-4515-B796-D30B23A0C718}" type="datetimeFigureOut">
               <a:rPr lang="ru-RU" smtClean="0"/>
-              <a:t>03.12.2017</a:t>
+              <a:t>04.12.2017</a:t>
             </a:fld>
             <a:endParaRPr lang="ru-RU"/>
           </a:p>
@@ -627,594 +607,6 @@
 </p:notes>
 </file>
 
-<file path=ppt/notesSlides/notesSlide10.xml><?xml version="1.0" encoding="utf-8"?>
-<p:notes xmlns:a="http://schemas.openxmlformats.org/drawingml/2006/main" xmlns:r="http://schemas.openxmlformats.org/officeDocument/2006/relationships" xmlns:p="http://schemas.openxmlformats.org/presentationml/2006/main">
-  <p:cSld>
-    <p:spTree>
-      <p:nvGrpSpPr>
-        <p:cNvPr id="1" name=""/>
-        <p:cNvGrpSpPr/>
-        <p:nvPr/>
-      </p:nvGrpSpPr>
-      <p:grpSpPr>
-        <a:xfrm>
-          <a:off x="0" y="0"/>
-          <a:ext cx="0" cy="0"/>
-          <a:chOff x="0" y="0"/>
-          <a:chExt cx="0" cy="0"/>
-        </a:xfrm>
-      </p:grpSpPr>
-      <p:sp>
-        <p:nvSpPr>
-          <p:cNvPr id="2" name="Образ слайда 1"/>
-          <p:cNvSpPr>
-            <a:spLocks noGrp="1" noRot="1" noChangeAspect="1"/>
-          </p:cNvSpPr>
-          <p:nvPr>
-            <p:ph type="sldImg"/>
-          </p:nvPr>
-        </p:nvSpPr>
-        <p:spPr/>
-      </p:sp>
-      <p:sp>
-        <p:nvSpPr>
-          <p:cNvPr id="3" name="Заметки 2"/>
-          <p:cNvSpPr>
-            <a:spLocks noGrp="1"/>
-          </p:cNvSpPr>
-          <p:nvPr>
-            <p:ph type="body" idx="1"/>
-          </p:nvPr>
-        </p:nvSpPr>
-        <p:spPr/>
-        <p:txBody>
-          <a:bodyPr/>
-          <a:lstStyle/>
-          <a:p>
-            <a:endParaRPr lang="ru-RU" dirty="0"/>
-          </a:p>
-        </p:txBody>
-      </p:sp>
-      <p:sp>
-        <p:nvSpPr>
-          <p:cNvPr id="4" name="Номер слайда 3"/>
-          <p:cNvSpPr>
-            <a:spLocks noGrp="1"/>
-          </p:cNvSpPr>
-          <p:nvPr>
-            <p:ph type="sldNum" sz="quarter" idx="10"/>
-          </p:nvPr>
-        </p:nvSpPr>
-        <p:spPr/>
-        <p:txBody>
-          <a:bodyPr/>
-          <a:lstStyle/>
-          <a:p>
-            <a:fld id="{25D4EFC1-4929-48D7-B542-D1AA95AF8328}" type="slidenum">
-              <a:rPr lang="ru-RU" smtClean="0"/>
-              <a:t>25</a:t>
-            </a:fld>
-            <a:endParaRPr lang="ru-RU"/>
-          </a:p>
-        </p:txBody>
-      </p:sp>
-    </p:spTree>
-    <p:extLst>
-      <p:ext uri="{BB962C8B-B14F-4D97-AF65-F5344CB8AC3E}">
-        <p14:creationId xmlns:p14="http://schemas.microsoft.com/office/powerpoint/2010/main" val="3282253685"/>
-      </p:ext>
-    </p:extLst>
-  </p:cSld>
-  <p:clrMapOvr>
-    <a:masterClrMapping/>
-  </p:clrMapOvr>
-</p:notes>
-</file>
-
-<file path=ppt/notesSlides/notesSlide11.xml><?xml version="1.0" encoding="utf-8"?>
-<p:notes xmlns:a="http://schemas.openxmlformats.org/drawingml/2006/main" xmlns:r="http://schemas.openxmlformats.org/officeDocument/2006/relationships" xmlns:p="http://schemas.openxmlformats.org/presentationml/2006/main">
-  <p:cSld>
-    <p:spTree>
-      <p:nvGrpSpPr>
-        <p:cNvPr id="1" name=""/>
-        <p:cNvGrpSpPr/>
-        <p:nvPr/>
-      </p:nvGrpSpPr>
-      <p:grpSpPr>
-        <a:xfrm>
-          <a:off x="0" y="0"/>
-          <a:ext cx="0" cy="0"/>
-          <a:chOff x="0" y="0"/>
-          <a:chExt cx="0" cy="0"/>
-        </a:xfrm>
-      </p:grpSpPr>
-      <p:sp>
-        <p:nvSpPr>
-          <p:cNvPr id="2" name="Образ слайда 1"/>
-          <p:cNvSpPr>
-            <a:spLocks noGrp="1" noRot="1" noChangeAspect="1"/>
-          </p:cNvSpPr>
-          <p:nvPr>
-            <p:ph type="sldImg"/>
-          </p:nvPr>
-        </p:nvSpPr>
-        <p:spPr/>
-      </p:sp>
-      <p:sp>
-        <p:nvSpPr>
-          <p:cNvPr id="3" name="Заметки 2"/>
-          <p:cNvSpPr>
-            <a:spLocks noGrp="1"/>
-          </p:cNvSpPr>
-          <p:nvPr>
-            <p:ph type="body" idx="1"/>
-          </p:nvPr>
-        </p:nvSpPr>
-        <p:spPr/>
-        <p:txBody>
-          <a:bodyPr/>
-          <a:lstStyle/>
-          <a:p>
-            <a:endParaRPr lang="ru-RU" dirty="0"/>
-          </a:p>
-        </p:txBody>
-      </p:sp>
-      <p:sp>
-        <p:nvSpPr>
-          <p:cNvPr id="4" name="Номер слайда 3"/>
-          <p:cNvSpPr>
-            <a:spLocks noGrp="1"/>
-          </p:cNvSpPr>
-          <p:nvPr>
-            <p:ph type="sldNum" sz="quarter" idx="10"/>
-          </p:nvPr>
-        </p:nvSpPr>
-        <p:spPr/>
-        <p:txBody>
-          <a:bodyPr/>
-          <a:lstStyle/>
-          <a:p>
-            <a:fld id="{25D4EFC1-4929-48D7-B542-D1AA95AF8328}" type="slidenum">
-              <a:rPr lang="ru-RU" smtClean="0"/>
-              <a:t>26</a:t>
-            </a:fld>
-            <a:endParaRPr lang="ru-RU"/>
-          </a:p>
-        </p:txBody>
-      </p:sp>
-    </p:spTree>
-    <p:extLst>
-      <p:ext uri="{BB962C8B-B14F-4D97-AF65-F5344CB8AC3E}">
-        <p14:creationId xmlns:p14="http://schemas.microsoft.com/office/powerpoint/2010/main" val="3842754573"/>
-      </p:ext>
-    </p:extLst>
-  </p:cSld>
-  <p:clrMapOvr>
-    <a:masterClrMapping/>
-  </p:clrMapOvr>
-</p:notes>
-</file>
-
-<file path=ppt/notesSlides/notesSlide12.xml><?xml version="1.0" encoding="utf-8"?>
-<p:notes xmlns:a="http://schemas.openxmlformats.org/drawingml/2006/main" xmlns:r="http://schemas.openxmlformats.org/officeDocument/2006/relationships" xmlns:p="http://schemas.openxmlformats.org/presentationml/2006/main">
-  <p:cSld>
-    <p:spTree>
-      <p:nvGrpSpPr>
-        <p:cNvPr id="1" name=""/>
-        <p:cNvGrpSpPr/>
-        <p:nvPr/>
-      </p:nvGrpSpPr>
-      <p:grpSpPr>
-        <a:xfrm>
-          <a:off x="0" y="0"/>
-          <a:ext cx="0" cy="0"/>
-          <a:chOff x="0" y="0"/>
-          <a:chExt cx="0" cy="0"/>
-        </a:xfrm>
-      </p:grpSpPr>
-      <p:sp>
-        <p:nvSpPr>
-          <p:cNvPr id="2" name="Образ слайда 1"/>
-          <p:cNvSpPr>
-            <a:spLocks noGrp="1" noRot="1" noChangeAspect="1"/>
-          </p:cNvSpPr>
-          <p:nvPr>
-            <p:ph type="sldImg"/>
-          </p:nvPr>
-        </p:nvSpPr>
-        <p:spPr/>
-      </p:sp>
-      <p:sp>
-        <p:nvSpPr>
-          <p:cNvPr id="3" name="Заметки 2"/>
-          <p:cNvSpPr>
-            <a:spLocks noGrp="1"/>
-          </p:cNvSpPr>
-          <p:nvPr>
-            <p:ph type="body" idx="1"/>
-          </p:nvPr>
-        </p:nvSpPr>
-        <p:spPr/>
-        <p:txBody>
-          <a:bodyPr/>
-          <a:lstStyle/>
-          <a:p>
-            <a:endParaRPr lang="ru-RU" dirty="0"/>
-          </a:p>
-        </p:txBody>
-      </p:sp>
-      <p:sp>
-        <p:nvSpPr>
-          <p:cNvPr id="4" name="Номер слайда 3"/>
-          <p:cNvSpPr>
-            <a:spLocks noGrp="1"/>
-          </p:cNvSpPr>
-          <p:nvPr>
-            <p:ph type="sldNum" sz="quarter" idx="10"/>
-          </p:nvPr>
-        </p:nvSpPr>
-        <p:spPr/>
-        <p:txBody>
-          <a:bodyPr/>
-          <a:lstStyle/>
-          <a:p>
-            <a:fld id="{25D4EFC1-4929-48D7-B542-D1AA95AF8328}" type="slidenum">
-              <a:rPr lang="ru-RU" smtClean="0"/>
-              <a:t>27</a:t>
-            </a:fld>
-            <a:endParaRPr lang="ru-RU"/>
-          </a:p>
-        </p:txBody>
-      </p:sp>
-    </p:spTree>
-    <p:extLst>
-      <p:ext uri="{BB962C8B-B14F-4D97-AF65-F5344CB8AC3E}">
-        <p14:creationId xmlns:p14="http://schemas.microsoft.com/office/powerpoint/2010/main" val="4170319066"/>
-      </p:ext>
-    </p:extLst>
-  </p:cSld>
-  <p:clrMapOvr>
-    <a:masterClrMapping/>
-  </p:clrMapOvr>
-</p:notes>
-</file>
-
-<file path=ppt/notesSlides/notesSlide13.xml><?xml version="1.0" encoding="utf-8"?>
-<p:notes xmlns:a="http://schemas.openxmlformats.org/drawingml/2006/main" xmlns:r="http://schemas.openxmlformats.org/officeDocument/2006/relationships" xmlns:p="http://schemas.openxmlformats.org/presentationml/2006/main">
-  <p:cSld>
-    <p:spTree>
-      <p:nvGrpSpPr>
-        <p:cNvPr id="1" name=""/>
-        <p:cNvGrpSpPr/>
-        <p:nvPr/>
-      </p:nvGrpSpPr>
-      <p:grpSpPr>
-        <a:xfrm>
-          <a:off x="0" y="0"/>
-          <a:ext cx="0" cy="0"/>
-          <a:chOff x="0" y="0"/>
-          <a:chExt cx="0" cy="0"/>
-        </a:xfrm>
-      </p:grpSpPr>
-      <p:sp>
-        <p:nvSpPr>
-          <p:cNvPr id="2" name="Образ слайда 1"/>
-          <p:cNvSpPr>
-            <a:spLocks noGrp="1" noRot="1" noChangeAspect="1"/>
-          </p:cNvSpPr>
-          <p:nvPr>
-            <p:ph type="sldImg"/>
-          </p:nvPr>
-        </p:nvSpPr>
-        <p:spPr/>
-      </p:sp>
-      <p:sp>
-        <p:nvSpPr>
-          <p:cNvPr id="3" name="Заметки 2"/>
-          <p:cNvSpPr>
-            <a:spLocks noGrp="1"/>
-          </p:cNvSpPr>
-          <p:nvPr>
-            <p:ph type="body" idx="1"/>
-          </p:nvPr>
-        </p:nvSpPr>
-        <p:spPr/>
-        <p:txBody>
-          <a:bodyPr/>
-          <a:lstStyle/>
-          <a:p>
-            <a:endParaRPr lang="ru-RU" dirty="0"/>
-          </a:p>
-        </p:txBody>
-      </p:sp>
-      <p:sp>
-        <p:nvSpPr>
-          <p:cNvPr id="4" name="Номер слайда 3"/>
-          <p:cNvSpPr>
-            <a:spLocks noGrp="1"/>
-          </p:cNvSpPr>
-          <p:nvPr>
-            <p:ph type="sldNum" sz="quarter" idx="10"/>
-          </p:nvPr>
-        </p:nvSpPr>
-        <p:spPr/>
-        <p:txBody>
-          <a:bodyPr/>
-          <a:lstStyle/>
-          <a:p>
-            <a:fld id="{25D4EFC1-4929-48D7-B542-D1AA95AF8328}" type="slidenum">
-              <a:rPr lang="ru-RU" smtClean="0"/>
-              <a:t>28</a:t>
-            </a:fld>
-            <a:endParaRPr lang="ru-RU"/>
-          </a:p>
-        </p:txBody>
-      </p:sp>
-    </p:spTree>
-    <p:extLst>
-      <p:ext uri="{BB962C8B-B14F-4D97-AF65-F5344CB8AC3E}">
-        <p14:creationId xmlns:p14="http://schemas.microsoft.com/office/powerpoint/2010/main" val="3067208650"/>
-      </p:ext>
-    </p:extLst>
-  </p:cSld>
-  <p:clrMapOvr>
-    <a:masterClrMapping/>
-  </p:clrMapOvr>
-</p:notes>
-</file>
-
-<file path=ppt/notesSlides/notesSlide14.xml><?xml version="1.0" encoding="utf-8"?>
-<p:notes xmlns:a="http://schemas.openxmlformats.org/drawingml/2006/main" xmlns:r="http://schemas.openxmlformats.org/officeDocument/2006/relationships" xmlns:p="http://schemas.openxmlformats.org/presentationml/2006/main">
-  <p:cSld>
-    <p:spTree>
-      <p:nvGrpSpPr>
-        <p:cNvPr id="1" name=""/>
-        <p:cNvGrpSpPr/>
-        <p:nvPr/>
-      </p:nvGrpSpPr>
-      <p:grpSpPr>
-        <a:xfrm>
-          <a:off x="0" y="0"/>
-          <a:ext cx="0" cy="0"/>
-          <a:chOff x="0" y="0"/>
-          <a:chExt cx="0" cy="0"/>
-        </a:xfrm>
-      </p:grpSpPr>
-      <p:sp>
-        <p:nvSpPr>
-          <p:cNvPr id="2" name="Образ слайда 1"/>
-          <p:cNvSpPr>
-            <a:spLocks noGrp="1" noRot="1" noChangeAspect="1"/>
-          </p:cNvSpPr>
-          <p:nvPr>
-            <p:ph type="sldImg"/>
-          </p:nvPr>
-        </p:nvSpPr>
-        <p:spPr/>
-      </p:sp>
-      <p:sp>
-        <p:nvSpPr>
-          <p:cNvPr id="3" name="Заметки 2"/>
-          <p:cNvSpPr>
-            <a:spLocks noGrp="1"/>
-          </p:cNvSpPr>
-          <p:nvPr>
-            <p:ph type="body" idx="1"/>
-          </p:nvPr>
-        </p:nvSpPr>
-        <p:spPr/>
-        <p:txBody>
-          <a:bodyPr/>
-          <a:lstStyle/>
-          <a:p>
-            <a:endParaRPr lang="ru-RU" dirty="0"/>
-          </a:p>
-        </p:txBody>
-      </p:sp>
-      <p:sp>
-        <p:nvSpPr>
-          <p:cNvPr id="4" name="Номер слайда 3"/>
-          <p:cNvSpPr>
-            <a:spLocks noGrp="1"/>
-          </p:cNvSpPr>
-          <p:nvPr>
-            <p:ph type="sldNum" sz="quarter" idx="10"/>
-          </p:nvPr>
-        </p:nvSpPr>
-        <p:spPr/>
-        <p:txBody>
-          <a:bodyPr/>
-          <a:lstStyle/>
-          <a:p>
-            <a:fld id="{25D4EFC1-4929-48D7-B542-D1AA95AF8328}" type="slidenum">
-              <a:rPr lang="ru-RU" smtClean="0"/>
-              <a:t>29</a:t>
-            </a:fld>
-            <a:endParaRPr lang="ru-RU"/>
-          </a:p>
-        </p:txBody>
-      </p:sp>
-    </p:spTree>
-    <p:extLst>
-      <p:ext uri="{BB962C8B-B14F-4D97-AF65-F5344CB8AC3E}">
-        <p14:creationId xmlns:p14="http://schemas.microsoft.com/office/powerpoint/2010/main" val="1404178539"/>
-      </p:ext>
-    </p:extLst>
-  </p:cSld>
-  <p:clrMapOvr>
-    <a:masterClrMapping/>
-  </p:clrMapOvr>
-</p:notes>
-</file>
-
-<file path=ppt/notesSlides/notesSlide15.xml><?xml version="1.0" encoding="utf-8"?>
-<p:notes xmlns:a="http://schemas.openxmlformats.org/drawingml/2006/main" xmlns:r="http://schemas.openxmlformats.org/officeDocument/2006/relationships" xmlns:p="http://schemas.openxmlformats.org/presentationml/2006/main">
-  <p:cSld>
-    <p:spTree>
-      <p:nvGrpSpPr>
-        <p:cNvPr id="1" name=""/>
-        <p:cNvGrpSpPr/>
-        <p:nvPr/>
-      </p:nvGrpSpPr>
-      <p:grpSpPr>
-        <a:xfrm>
-          <a:off x="0" y="0"/>
-          <a:ext cx="0" cy="0"/>
-          <a:chOff x="0" y="0"/>
-          <a:chExt cx="0" cy="0"/>
-        </a:xfrm>
-      </p:grpSpPr>
-      <p:sp>
-        <p:nvSpPr>
-          <p:cNvPr id="2" name="Образ слайда 1"/>
-          <p:cNvSpPr>
-            <a:spLocks noGrp="1" noRot="1" noChangeAspect="1"/>
-          </p:cNvSpPr>
-          <p:nvPr>
-            <p:ph type="sldImg"/>
-          </p:nvPr>
-        </p:nvSpPr>
-        <p:spPr/>
-      </p:sp>
-      <p:sp>
-        <p:nvSpPr>
-          <p:cNvPr id="3" name="Заметки 2"/>
-          <p:cNvSpPr>
-            <a:spLocks noGrp="1"/>
-          </p:cNvSpPr>
-          <p:nvPr>
-            <p:ph type="body" idx="1"/>
-          </p:nvPr>
-        </p:nvSpPr>
-        <p:spPr/>
-        <p:txBody>
-          <a:bodyPr/>
-          <a:lstStyle/>
-          <a:p>
-            <a:endParaRPr lang="ru-RU" dirty="0"/>
-          </a:p>
-        </p:txBody>
-      </p:sp>
-      <p:sp>
-        <p:nvSpPr>
-          <p:cNvPr id="4" name="Номер слайда 3"/>
-          <p:cNvSpPr>
-            <a:spLocks noGrp="1"/>
-          </p:cNvSpPr>
-          <p:nvPr>
-            <p:ph type="sldNum" sz="quarter" idx="10"/>
-          </p:nvPr>
-        </p:nvSpPr>
-        <p:spPr/>
-        <p:txBody>
-          <a:bodyPr/>
-          <a:lstStyle/>
-          <a:p>
-            <a:fld id="{25D4EFC1-4929-48D7-B542-D1AA95AF8328}" type="slidenum">
-              <a:rPr lang="ru-RU" smtClean="0"/>
-              <a:t>30</a:t>
-            </a:fld>
-            <a:endParaRPr lang="ru-RU"/>
-          </a:p>
-        </p:txBody>
-      </p:sp>
-    </p:spTree>
-    <p:extLst>
-      <p:ext uri="{BB962C8B-B14F-4D97-AF65-F5344CB8AC3E}">
-        <p14:creationId xmlns:p14="http://schemas.microsoft.com/office/powerpoint/2010/main" val="2322829811"/>
-      </p:ext>
-    </p:extLst>
-  </p:cSld>
-  <p:clrMapOvr>
-    <a:masterClrMapping/>
-  </p:clrMapOvr>
-</p:notes>
-</file>
-
-<file path=ppt/notesSlides/notesSlide16.xml><?xml version="1.0" encoding="utf-8"?>
-<p:notes xmlns:a="http://schemas.openxmlformats.org/drawingml/2006/main" xmlns:r="http://schemas.openxmlformats.org/officeDocument/2006/relationships" xmlns:p="http://schemas.openxmlformats.org/presentationml/2006/main">
-  <p:cSld>
-    <p:spTree>
-      <p:nvGrpSpPr>
-        <p:cNvPr id="1" name=""/>
-        <p:cNvGrpSpPr/>
-        <p:nvPr/>
-      </p:nvGrpSpPr>
-      <p:grpSpPr>
-        <a:xfrm>
-          <a:off x="0" y="0"/>
-          <a:ext cx="0" cy="0"/>
-          <a:chOff x="0" y="0"/>
-          <a:chExt cx="0" cy="0"/>
-        </a:xfrm>
-      </p:grpSpPr>
-      <p:sp>
-        <p:nvSpPr>
-          <p:cNvPr id="2" name="Образ слайда 1"/>
-          <p:cNvSpPr>
-            <a:spLocks noGrp="1" noRot="1" noChangeAspect="1"/>
-          </p:cNvSpPr>
-          <p:nvPr>
-            <p:ph type="sldImg"/>
-          </p:nvPr>
-        </p:nvSpPr>
-        <p:spPr/>
-      </p:sp>
-      <p:sp>
-        <p:nvSpPr>
-          <p:cNvPr id="3" name="Заметки 2"/>
-          <p:cNvSpPr>
-            <a:spLocks noGrp="1"/>
-          </p:cNvSpPr>
-          <p:nvPr>
-            <p:ph type="body" idx="1"/>
-          </p:nvPr>
-        </p:nvSpPr>
-        <p:spPr/>
-        <p:txBody>
-          <a:bodyPr/>
-          <a:lstStyle/>
-          <a:p>
-            <a:endParaRPr lang="ru-RU" dirty="0"/>
-          </a:p>
-        </p:txBody>
-      </p:sp>
-      <p:sp>
-        <p:nvSpPr>
-          <p:cNvPr id="4" name="Номер слайда 3"/>
-          <p:cNvSpPr>
-            <a:spLocks noGrp="1"/>
-          </p:cNvSpPr>
-          <p:nvPr>
-            <p:ph type="sldNum" sz="quarter" idx="10"/>
-          </p:nvPr>
-        </p:nvSpPr>
-        <p:spPr/>
-        <p:txBody>
-          <a:bodyPr/>
-          <a:lstStyle/>
-          <a:p>
-            <a:fld id="{25D4EFC1-4929-48D7-B542-D1AA95AF8328}" type="slidenum">
-              <a:rPr lang="ru-RU" smtClean="0"/>
-              <a:t>31</a:t>
-            </a:fld>
-            <a:endParaRPr lang="ru-RU"/>
-          </a:p>
-        </p:txBody>
-      </p:sp>
-    </p:spTree>
-    <p:extLst>
-      <p:ext uri="{BB962C8B-B14F-4D97-AF65-F5344CB8AC3E}">
-        <p14:creationId xmlns:p14="http://schemas.microsoft.com/office/powerpoint/2010/main" val="4180490746"/>
-      </p:ext>
-    </p:extLst>
-  </p:cSld>
-  <p:clrMapOvr>
-    <a:masterClrMapping/>
-  </p:clrMapOvr>
-</p:notes>
-</file>
-
 <file path=ppt/notesSlides/notesSlide2.xml><?xml version="1.0" encoding="utf-8"?>
 <p:notes xmlns:a="http://schemas.openxmlformats.org/drawingml/2006/main" xmlns:r="http://schemas.openxmlformats.org/officeDocument/2006/relationships" xmlns:p="http://schemas.openxmlformats.org/presentationml/2006/main">
   <p:cSld>
@@ -1347,7 +739,10 @@
           <a:bodyPr/>
           <a:lstStyle/>
           <a:p>
-            <a:endParaRPr lang="ru-RU" dirty="0"/>
+            <a:r>
+              <a:rPr lang="ru-RU" dirty="0"/>
+              <a:t>Количество и СКО</a:t>
+            </a:r>
           </a:p>
         </p:txBody>
       </p:sp>
@@ -1368,7 +763,7 @@
           <a:p>
             <a:fld id="{25D4EFC1-4929-48D7-B542-D1AA95AF8328}" type="slidenum">
               <a:rPr lang="ru-RU" smtClean="0"/>
-              <a:t>18</a:t>
+              <a:t>12</a:t>
             </a:fld>
             <a:endParaRPr lang="ru-RU"/>
           </a:p>
@@ -1377,7 +772,7 @@
     </p:spTree>
     <p:extLst>
       <p:ext uri="{BB962C8B-B14F-4D97-AF65-F5344CB8AC3E}">
-        <p14:creationId xmlns:p14="http://schemas.microsoft.com/office/powerpoint/2010/main" val="2656677105"/>
+        <p14:creationId xmlns:p14="http://schemas.microsoft.com/office/powerpoint/2010/main" val="4157087417"/>
       </p:ext>
     </p:extLst>
   </p:cSld>
@@ -1452,7 +847,7 @@
           <a:p>
             <a:fld id="{25D4EFC1-4929-48D7-B542-D1AA95AF8328}" type="slidenum">
               <a:rPr lang="ru-RU" smtClean="0"/>
-              <a:t>19</a:t>
+              <a:t>18</a:t>
             </a:fld>
             <a:endParaRPr lang="ru-RU"/>
           </a:p>
@@ -1461,7 +856,7 @@
     </p:spTree>
     <p:extLst>
       <p:ext uri="{BB962C8B-B14F-4D97-AF65-F5344CB8AC3E}">
-        <p14:creationId xmlns:p14="http://schemas.microsoft.com/office/powerpoint/2010/main" val="836208775"/>
+        <p14:creationId xmlns:p14="http://schemas.microsoft.com/office/powerpoint/2010/main" val="2656677105"/>
       </p:ext>
     </p:extLst>
   </p:cSld>
@@ -1536,7 +931,7 @@
           <a:p>
             <a:fld id="{25D4EFC1-4929-48D7-B542-D1AA95AF8328}" type="slidenum">
               <a:rPr lang="ru-RU" smtClean="0"/>
-              <a:t>20</a:t>
+              <a:t>19</a:t>
             </a:fld>
             <a:endParaRPr lang="ru-RU"/>
           </a:p>
@@ -1545,343 +940,7 @@
     </p:spTree>
     <p:extLst>
       <p:ext uri="{BB962C8B-B14F-4D97-AF65-F5344CB8AC3E}">
-        <p14:creationId xmlns:p14="http://schemas.microsoft.com/office/powerpoint/2010/main" val="2044542037"/>
-      </p:ext>
-    </p:extLst>
-  </p:cSld>
-  <p:clrMapOvr>
-    <a:masterClrMapping/>
-  </p:clrMapOvr>
-</p:notes>
-</file>
-
-<file path=ppt/notesSlides/notesSlide6.xml><?xml version="1.0" encoding="utf-8"?>
-<p:notes xmlns:a="http://schemas.openxmlformats.org/drawingml/2006/main" xmlns:r="http://schemas.openxmlformats.org/officeDocument/2006/relationships" xmlns:p="http://schemas.openxmlformats.org/presentationml/2006/main">
-  <p:cSld>
-    <p:spTree>
-      <p:nvGrpSpPr>
-        <p:cNvPr id="1" name=""/>
-        <p:cNvGrpSpPr/>
-        <p:nvPr/>
-      </p:nvGrpSpPr>
-      <p:grpSpPr>
-        <a:xfrm>
-          <a:off x="0" y="0"/>
-          <a:ext cx="0" cy="0"/>
-          <a:chOff x="0" y="0"/>
-          <a:chExt cx="0" cy="0"/>
-        </a:xfrm>
-      </p:grpSpPr>
-      <p:sp>
-        <p:nvSpPr>
-          <p:cNvPr id="2" name="Образ слайда 1"/>
-          <p:cNvSpPr>
-            <a:spLocks noGrp="1" noRot="1" noChangeAspect="1"/>
-          </p:cNvSpPr>
-          <p:nvPr>
-            <p:ph type="sldImg"/>
-          </p:nvPr>
-        </p:nvSpPr>
-        <p:spPr/>
-      </p:sp>
-      <p:sp>
-        <p:nvSpPr>
-          <p:cNvPr id="3" name="Заметки 2"/>
-          <p:cNvSpPr>
-            <a:spLocks noGrp="1"/>
-          </p:cNvSpPr>
-          <p:nvPr>
-            <p:ph type="body" idx="1"/>
-          </p:nvPr>
-        </p:nvSpPr>
-        <p:spPr/>
-        <p:txBody>
-          <a:bodyPr/>
-          <a:lstStyle/>
-          <a:p>
-            <a:endParaRPr lang="ru-RU" dirty="0"/>
-          </a:p>
-        </p:txBody>
-      </p:sp>
-      <p:sp>
-        <p:nvSpPr>
-          <p:cNvPr id="4" name="Номер слайда 3"/>
-          <p:cNvSpPr>
-            <a:spLocks noGrp="1"/>
-          </p:cNvSpPr>
-          <p:nvPr>
-            <p:ph type="sldNum" sz="quarter" idx="10"/>
-          </p:nvPr>
-        </p:nvSpPr>
-        <p:spPr/>
-        <p:txBody>
-          <a:bodyPr/>
-          <a:lstStyle/>
-          <a:p>
-            <a:fld id="{25D4EFC1-4929-48D7-B542-D1AA95AF8328}" type="slidenum">
-              <a:rPr lang="ru-RU" smtClean="0"/>
-              <a:t>21</a:t>
-            </a:fld>
-            <a:endParaRPr lang="ru-RU"/>
-          </a:p>
-        </p:txBody>
-      </p:sp>
-    </p:spTree>
-    <p:extLst>
-      <p:ext uri="{BB962C8B-B14F-4D97-AF65-F5344CB8AC3E}">
-        <p14:creationId xmlns:p14="http://schemas.microsoft.com/office/powerpoint/2010/main" val="2000848008"/>
-      </p:ext>
-    </p:extLst>
-  </p:cSld>
-  <p:clrMapOvr>
-    <a:masterClrMapping/>
-  </p:clrMapOvr>
-</p:notes>
-</file>
-
-<file path=ppt/notesSlides/notesSlide7.xml><?xml version="1.0" encoding="utf-8"?>
-<p:notes xmlns:a="http://schemas.openxmlformats.org/drawingml/2006/main" xmlns:r="http://schemas.openxmlformats.org/officeDocument/2006/relationships" xmlns:p="http://schemas.openxmlformats.org/presentationml/2006/main">
-  <p:cSld>
-    <p:spTree>
-      <p:nvGrpSpPr>
-        <p:cNvPr id="1" name=""/>
-        <p:cNvGrpSpPr/>
-        <p:nvPr/>
-      </p:nvGrpSpPr>
-      <p:grpSpPr>
-        <a:xfrm>
-          <a:off x="0" y="0"/>
-          <a:ext cx="0" cy="0"/>
-          <a:chOff x="0" y="0"/>
-          <a:chExt cx="0" cy="0"/>
-        </a:xfrm>
-      </p:grpSpPr>
-      <p:sp>
-        <p:nvSpPr>
-          <p:cNvPr id="2" name="Образ слайда 1"/>
-          <p:cNvSpPr>
-            <a:spLocks noGrp="1" noRot="1" noChangeAspect="1"/>
-          </p:cNvSpPr>
-          <p:nvPr>
-            <p:ph type="sldImg"/>
-          </p:nvPr>
-        </p:nvSpPr>
-        <p:spPr/>
-      </p:sp>
-      <p:sp>
-        <p:nvSpPr>
-          <p:cNvPr id="3" name="Заметки 2"/>
-          <p:cNvSpPr>
-            <a:spLocks noGrp="1"/>
-          </p:cNvSpPr>
-          <p:nvPr>
-            <p:ph type="body" idx="1"/>
-          </p:nvPr>
-        </p:nvSpPr>
-        <p:spPr/>
-        <p:txBody>
-          <a:bodyPr/>
-          <a:lstStyle/>
-          <a:p>
-            <a:endParaRPr lang="ru-RU" dirty="0"/>
-          </a:p>
-        </p:txBody>
-      </p:sp>
-      <p:sp>
-        <p:nvSpPr>
-          <p:cNvPr id="4" name="Номер слайда 3"/>
-          <p:cNvSpPr>
-            <a:spLocks noGrp="1"/>
-          </p:cNvSpPr>
-          <p:nvPr>
-            <p:ph type="sldNum" sz="quarter" idx="10"/>
-          </p:nvPr>
-        </p:nvSpPr>
-        <p:spPr/>
-        <p:txBody>
-          <a:bodyPr/>
-          <a:lstStyle/>
-          <a:p>
-            <a:fld id="{25D4EFC1-4929-48D7-B542-D1AA95AF8328}" type="slidenum">
-              <a:rPr lang="ru-RU" smtClean="0"/>
-              <a:t>22</a:t>
-            </a:fld>
-            <a:endParaRPr lang="ru-RU"/>
-          </a:p>
-        </p:txBody>
-      </p:sp>
-    </p:spTree>
-    <p:extLst>
-      <p:ext uri="{BB962C8B-B14F-4D97-AF65-F5344CB8AC3E}">
-        <p14:creationId xmlns:p14="http://schemas.microsoft.com/office/powerpoint/2010/main" val="2208474966"/>
-      </p:ext>
-    </p:extLst>
-  </p:cSld>
-  <p:clrMapOvr>
-    <a:masterClrMapping/>
-  </p:clrMapOvr>
-</p:notes>
-</file>
-
-<file path=ppt/notesSlides/notesSlide8.xml><?xml version="1.0" encoding="utf-8"?>
-<p:notes xmlns:a="http://schemas.openxmlformats.org/drawingml/2006/main" xmlns:r="http://schemas.openxmlformats.org/officeDocument/2006/relationships" xmlns:p="http://schemas.openxmlformats.org/presentationml/2006/main">
-  <p:cSld>
-    <p:spTree>
-      <p:nvGrpSpPr>
-        <p:cNvPr id="1" name=""/>
-        <p:cNvGrpSpPr/>
-        <p:nvPr/>
-      </p:nvGrpSpPr>
-      <p:grpSpPr>
-        <a:xfrm>
-          <a:off x="0" y="0"/>
-          <a:ext cx="0" cy="0"/>
-          <a:chOff x="0" y="0"/>
-          <a:chExt cx="0" cy="0"/>
-        </a:xfrm>
-      </p:grpSpPr>
-      <p:sp>
-        <p:nvSpPr>
-          <p:cNvPr id="2" name="Образ слайда 1"/>
-          <p:cNvSpPr>
-            <a:spLocks noGrp="1" noRot="1" noChangeAspect="1"/>
-          </p:cNvSpPr>
-          <p:nvPr>
-            <p:ph type="sldImg"/>
-          </p:nvPr>
-        </p:nvSpPr>
-        <p:spPr/>
-      </p:sp>
-      <p:sp>
-        <p:nvSpPr>
-          <p:cNvPr id="3" name="Заметки 2"/>
-          <p:cNvSpPr>
-            <a:spLocks noGrp="1"/>
-          </p:cNvSpPr>
-          <p:nvPr>
-            <p:ph type="body" idx="1"/>
-          </p:nvPr>
-        </p:nvSpPr>
-        <p:spPr/>
-        <p:txBody>
-          <a:bodyPr/>
-          <a:lstStyle/>
-          <a:p>
-            <a:endParaRPr lang="ru-RU" dirty="0"/>
-          </a:p>
-        </p:txBody>
-      </p:sp>
-      <p:sp>
-        <p:nvSpPr>
-          <p:cNvPr id="4" name="Номер слайда 3"/>
-          <p:cNvSpPr>
-            <a:spLocks noGrp="1"/>
-          </p:cNvSpPr>
-          <p:nvPr>
-            <p:ph type="sldNum" sz="quarter" idx="10"/>
-          </p:nvPr>
-        </p:nvSpPr>
-        <p:spPr/>
-        <p:txBody>
-          <a:bodyPr/>
-          <a:lstStyle/>
-          <a:p>
-            <a:fld id="{25D4EFC1-4929-48D7-B542-D1AA95AF8328}" type="slidenum">
-              <a:rPr lang="ru-RU" smtClean="0"/>
-              <a:t>23</a:t>
-            </a:fld>
-            <a:endParaRPr lang="ru-RU"/>
-          </a:p>
-        </p:txBody>
-      </p:sp>
-    </p:spTree>
-    <p:extLst>
-      <p:ext uri="{BB962C8B-B14F-4D97-AF65-F5344CB8AC3E}">
-        <p14:creationId xmlns:p14="http://schemas.microsoft.com/office/powerpoint/2010/main" val="1678024447"/>
-      </p:ext>
-    </p:extLst>
-  </p:cSld>
-  <p:clrMapOvr>
-    <a:masterClrMapping/>
-  </p:clrMapOvr>
-</p:notes>
-</file>
-
-<file path=ppt/notesSlides/notesSlide9.xml><?xml version="1.0" encoding="utf-8"?>
-<p:notes xmlns:a="http://schemas.openxmlformats.org/drawingml/2006/main" xmlns:r="http://schemas.openxmlformats.org/officeDocument/2006/relationships" xmlns:p="http://schemas.openxmlformats.org/presentationml/2006/main">
-  <p:cSld>
-    <p:spTree>
-      <p:nvGrpSpPr>
-        <p:cNvPr id="1" name=""/>
-        <p:cNvGrpSpPr/>
-        <p:nvPr/>
-      </p:nvGrpSpPr>
-      <p:grpSpPr>
-        <a:xfrm>
-          <a:off x="0" y="0"/>
-          <a:ext cx="0" cy="0"/>
-          <a:chOff x="0" y="0"/>
-          <a:chExt cx="0" cy="0"/>
-        </a:xfrm>
-      </p:grpSpPr>
-      <p:sp>
-        <p:nvSpPr>
-          <p:cNvPr id="2" name="Образ слайда 1"/>
-          <p:cNvSpPr>
-            <a:spLocks noGrp="1" noRot="1" noChangeAspect="1"/>
-          </p:cNvSpPr>
-          <p:nvPr>
-            <p:ph type="sldImg"/>
-          </p:nvPr>
-        </p:nvSpPr>
-        <p:spPr/>
-      </p:sp>
-      <p:sp>
-        <p:nvSpPr>
-          <p:cNvPr id="3" name="Заметки 2"/>
-          <p:cNvSpPr>
-            <a:spLocks noGrp="1"/>
-          </p:cNvSpPr>
-          <p:nvPr>
-            <p:ph type="body" idx="1"/>
-          </p:nvPr>
-        </p:nvSpPr>
-        <p:spPr/>
-        <p:txBody>
-          <a:bodyPr/>
-          <a:lstStyle/>
-          <a:p>
-            <a:endParaRPr lang="ru-RU" dirty="0"/>
-          </a:p>
-        </p:txBody>
-      </p:sp>
-      <p:sp>
-        <p:nvSpPr>
-          <p:cNvPr id="4" name="Номер слайда 3"/>
-          <p:cNvSpPr>
-            <a:spLocks noGrp="1"/>
-          </p:cNvSpPr>
-          <p:nvPr>
-            <p:ph type="sldNum" sz="quarter" idx="10"/>
-          </p:nvPr>
-        </p:nvSpPr>
-        <p:spPr/>
-        <p:txBody>
-          <a:bodyPr/>
-          <a:lstStyle/>
-          <a:p>
-            <a:fld id="{25D4EFC1-4929-48D7-B542-D1AA95AF8328}" type="slidenum">
-              <a:rPr lang="ru-RU" smtClean="0"/>
-              <a:t>24</a:t>
-            </a:fld>
-            <a:endParaRPr lang="ru-RU"/>
-          </a:p>
-        </p:txBody>
-      </p:sp>
-    </p:spTree>
-    <p:extLst>
-      <p:ext uri="{BB962C8B-B14F-4D97-AF65-F5344CB8AC3E}">
-        <p14:creationId xmlns:p14="http://schemas.microsoft.com/office/powerpoint/2010/main" val="3887670297"/>
+        <p14:creationId xmlns:p14="http://schemas.microsoft.com/office/powerpoint/2010/main" val="56443056"/>
       </p:ext>
     </p:extLst>
   </p:cSld>
@@ -2020,7 +1079,7 @@
           <a:p>
             <a:fld id="{7CD9CFFE-9B8E-4E6F-9C50-BF6CD17BA4CD}" type="datetimeFigureOut">
               <a:rPr lang="ru-RU" smtClean="0"/>
-              <a:t>03.12.2017</a:t>
+              <a:t>04.12.2017</a:t>
             </a:fld>
             <a:endParaRPr lang="ru-RU"/>
           </a:p>
@@ -2188,7 +1247,7 @@
           <a:p>
             <a:fld id="{7CD9CFFE-9B8E-4E6F-9C50-BF6CD17BA4CD}" type="datetimeFigureOut">
               <a:rPr lang="ru-RU" smtClean="0"/>
-              <a:t>03.12.2017</a:t>
+              <a:t>04.12.2017</a:t>
             </a:fld>
             <a:endParaRPr lang="ru-RU"/>
           </a:p>
@@ -2366,7 +1425,7 @@
           <a:p>
             <a:fld id="{7CD9CFFE-9B8E-4E6F-9C50-BF6CD17BA4CD}" type="datetimeFigureOut">
               <a:rPr lang="ru-RU" smtClean="0"/>
-              <a:t>03.12.2017</a:t>
+              <a:t>04.12.2017</a:t>
             </a:fld>
             <a:endParaRPr lang="ru-RU"/>
           </a:p>
@@ -2534,7 +1593,7 @@
           <a:p>
             <a:fld id="{7CD9CFFE-9B8E-4E6F-9C50-BF6CD17BA4CD}" type="datetimeFigureOut">
               <a:rPr lang="ru-RU" smtClean="0"/>
-              <a:t>03.12.2017</a:t>
+              <a:t>04.12.2017</a:t>
             </a:fld>
             <a:endParaRPr lang="ru-RU"/>
           </a:p>
@@ -2779,7 +1838,7 @@
           <a:p>
             <a:fld id="{7CD9CFFE-9B8E-4E6F-9C50-BF6CD17BA4CD}" type="datetimeFigureOut">
               <a:rPr lang="ru-RU" smtClean="0"/>
-              <a:t>03.12.2017</a:t>
+              <a:t>04.12.2017</a:t>
             </a:fld>
             <a:endParaRPr lang="ru-RU"/>
           </a:p>
@@ -3008,7 +2067,7 @@
           <a:p>
             <a:fld id="{7CD9CFFE-9B8E-4E6F-9C50-BF6CD17BA4CD}" type="datetimeFigureOut">
               <a:rPr lang="ru-RU" smtClean="0"/>
-              <a:t>03.12.2017</a:t>
+              <a:t>04.12.2017</a:t>
             </a:fld>
             <a:endParaRPr lang="ru-RU"/>
           </a:p>
@@ -3372,7 +2431,7 @@
           <a:p>
             <a:fld id="{7CD9CFFE-9B8E-4E6F-9C50-BF6CD17BA4CD}" type="datetimeFigureOut">
               <a:rPr lang="ru-RU" smtClean="0"/>
-              <a:t>03.12.2017</a:t>
+              <a:t>04.12.2017</a:t>
             </a:fld>
             <a:endParaRPr lang="ru-RU"/>
           </a:p>
@@ -3489,7 +2548,7 @@
           <a:p>
             <a:fld id="{7CD9CFFE-9B8E-4E6F-9C50-BF6CD17BA4CD}" type="datetimeFigureOut">
               <a:rPr lang="ru-RU" smtClean="0"/>
-              <a:t>03.12.2017</a:t>
+              <a:t>04.12.2017</a:t>
             </a:fld>
             <a:endParaRPr lang="ru-RU"/>
           </a:p>
@@ -3584,7 +2643,7 @@
           <a:p>
             <a:fld id="{7CD9CFFE-9B8E-4E6F-9C50-BF6CD17BA4CD}" type="datetimeFigureOut">
               <a:rPr lang="ru-RU" smtClean="0"/>
-              <a:t>03.12.2017</a:t>
+              <a:t>04.12.2017</a:t>
             </a:fld>
             <a:endParaRPr lang="ru-RU"/>
           </a:p>
@@ -3859,7 +2918,7 @@
           <a:p>
             <a:fld id="{7CD9CFFE-9B8E-4E6F-9C50-BF6CD17BA4CD}" type="datetimeFigureOut">
               <a:rPr lang="ru-RU" smtClean="0"/>
-              <a:t>03.12.2017</a:t>
+              <a:t>04.12.2017</a:t>
             </a:fld>
             <a:endParaRPr lang="ru-RU"/>
           </a:p>
@@ -4111,7 +3170,7 @@
           <a:p>
             <a:fld id="{7CD9CFFE-9B8E-4E6F-9C50-BF6CD17BA4CD}" type="datetimeFigureOut">
               <a:rPr lang="ru-RU" smtClean="0"/>
-              <a:t>03.12.2017</a:t>
+              <a:t>04.12.2017</a:t>
             </a:fld>
             <a:endParaRPr lang="ru-RU"/>
           </a:p>
@@ -4322,7 +3381,7 @@
           <a:p>
             <a:fld id="{7CD9CFFE-9B8E-4E6F-9C50-BF6CD17BA4CD}" type="datetimeFigureOut">
               <a:rPr lang="ru-RU" smtClean="0"/>
-              <a:t>03.12.2017</a:t>
+              <a:t>04.12.2017</a:t>
             </a:fld>
             <a:endParaRPr lang="ru-RU"/>
           </a:p>
@@ -5489,8 +4548,8 @@
         </p:nvSpPr>
         <p:spPr>
           <a:xfrm>
-            <a:off x="838200" y="246548"/>
-            <a:ext cx="10515600" cy="1196770"/>
+            <a:off x="838200" y="365126"/>
+            <a:ext cx="10515600" cy="734748"/>
           </a:xfrm>
         </p:spPr>
         <p:txBody>
@@ -5501,12 +4560,83 @@
           <a:p>
             <a:r>
               <a:rPr lang="ru-RU" dirty="0"/>
-              <a:t>Исследуем</a:t>
-            </a:r>
-            <a:r>
-              <a:rPr lang="en-US" dirty="0"/>
-              <a:t>!</a:t>
-            </a:r>
+              <a:t>Исследуем?</a:t>
+            </a:r>
+          </a:p>
+        </p:txBody>
+      </p:sp>
+      <p:sp>
+        <p:nvSpPr>
+          <p:cNvPr id="3" name="Объект 2"/>
+          <p:cNvSpPr>
+            <a:spLocks noGrp="1"/>
+          </p:cNvSpPr>
+          <p:nvPr>
+            <p:ph sz="half" idx="1"/>
+          </p:nvPr>
+        </p:nvSpPr>
+        <p:spPr/>
+        <p:txBody>
+          <a:bodyPr/>
+          <a:lstStyle/>
+          <a:p>
+            <a:pPr marL="0" indent="0">
+              <a:buNone/>
+            </a:pPr>
+            <a:endParaRPr lang="ru-RU" i="1" dirty="0"/>
+          </a:p>
+          <a:p>
+            <a:endParaRPr lang="ru-RU" dirty="0"/>
+          </a:p>
+          <a:p>
+            <a:endParaRPr lang="ru-RU" dirty="0"/>
+          </a:p>
+        </p:txBody>
+      </p:sp>
+      <p:sp>
+        <p:nvSpPr>
+          <p:cNvPr id="8" name="Объект 7">
+            <a:extLst>
+              <a:ext uri="{FF2B5EF4-FFF2-40B4-BE49-F238E27FC236}">
+                <a16:creationId xmlns:a16="http://schemas.microsoft.com/office/drawing/2014/main" id="{F446999E-29EC-4B16-A1B8-26CBA0D1955E}"/>
+              </a:ext>
+            </a:extLst>
+          </p:cNvPr>
+          <p:cNvSpPr>
+            <a:spLocks noGrp="1"/>
+          </p:cNvSpPr>
+          <p:nvPr>
+            <p:ph sz="half" idx="2"/>
+          </p:nvPr>
+        </p:nvSpPr>
+        <p:spPr>
+          <a:xfrm>
+            <a:off x="6299890" y="823865"/>
+            <a:ext cx="5053909" cy="5353098"/>
+          </a:xfrm>
+        </p:spPr>
+        <p:txBody>
+          <a:bodyPr/>
+          <a:lstStyle/>
+          <a:p>
+            <a:r>
+              <a:rPr lang="ru-RU" dirty="0"/>
+              <a:t>Размер выборки больше, чем десятикратное количество групп</a:t>
+            </a:r>
+          </a:p>
+          <a:p>
+            <a:r>
+              <a:rPr lang="ru-RU" dirty="0"/>
+              <a:t>Нет выбросов</a:t>
+            </a:r>
+          </a:p>
+          <a:p>
+            <a:r>
+              <a:rPr lang="ru-RU" dirty="0"/>
+              <a:t>Данные дискретные или последовательные</a:t>
+            </a:r>
+          </a:p>
+          <a:p>
             <a:endParaRPr lang="ru-RU" dirty="0"/>
           </a:p>
         </p:txBody>
@@ -5708,43 +4838,70 @@
           </a:p>
         </p:txBody>
       </p:sp>
-      <p:sp>
-        <p:nvSpPr>
-          <p:cNvPr id="3" name="Объект 2"/>
-          <p:cNvSpPr>
-            <a:spLocks noGrp="1"/>
-          </p:cNvSpPr>
-          <p:nvPr>
-            <p:ph idx="1"/>
-          </p:nvPr>
-        </p:nvSpPr>
+      <p:pic>
+        <p:nvPicPr>
+          <p:cNvPr id="7" name="Рисунок 6">
+            <a:extLst>
+              <a:ext uri="{FF2B5EF4-FFF2-40B4-BE49-F238E27FC236}">
+                <a16:creationId xmlns:a16="http://schemas.microsoft.com/office/drawing/2014/main" id="{D1F136E1-755C-40B5-A0EF-ED1926E12709}"/>
+              </a:ext>
+            </a:extLst>
+          </p:cNvPr>
+          <p:cNvPicPr>
+            <a:picLocks noChangeAspect="1"/>
+          </p:cNvPicPr>
+          <p:nvPr/>
+        </p:nvPicPr>
+        <p:blipFill>
+          <a:blip r:embed="rId3"/>
+          <a:stretch>
+            <a:fillRect/>
+          </a:stretch>
+        </p:blipFill>
         <p:spPr>
           <a:xfrm>
-            <a:off x="838200" y="3529275"/>
-            <a:ext cx="10515600" cy="2740821"/>
+            <a:off x="842066" y="1200149"/>
+            <a:ext cx="5457825" cy="2228850"/>
           </a:xfrm>
+          <a:prstGeom prst="rect">
+            <a:avLst/>
+          </a:prstGeom>
         </p:spPr>
-        <p:txBody>
-          <a:bodyPr/>
-          <a:lstStyle/>
-          <a:p>
-            <a:pPr marL="0" indent="0">
-              <a:buNone/>
-            </a:pPr>
-            <a:endParaRPr lang="ru-RU" i="1" dirty="0"/>
-          </a:p>
-          <a:p>
-            <a:endParaRPr lang="ru-RU" dirty="0"/>
-          </a:p>
-          <a:p>
-            <a:endParaRPr lang="ru-RU" dirty="0"/>
-          </a:p>
-        </p:txBody>
-      </p:sp>
+      </p:pic>
+      <p:pic>
+        <p:nvPicPr>
+          <p:cNvPr id="9" name="Рисунок 8">
+            <a:extLst>
+              <a:ext uri="{FF2B5EF4-FFF2-40B4-BE49-F238E27FC236}">
+                <a16:creationId xmlns:a16="http://schemas.microsoft.com/office/drawing/2014/main" id="{4C0B1C9D-FBF7-427D-9533-A37138C4A56E}"/>
+              </a:ext>
+            </a:extLst>
+          </p:cNvPr>
+          <p:cNvPicPr>
+            <a:picLocks noChangeAspect="1"/>
+          </p:cNvPicPr>
+          <p:nvPr/>
+        </p:nvPicPr>
+        <p:blipFill>
+          <a:blip r:embed="rId4"/>
+          <a:stretch>
+            <a:fillRect/>
+          </a:stretch>
+        </p:blipFill>
+        <p:spPr>
+          <a:xfrm>
+            <a:off x="838199" y="4154750"/>
+            <a:ext cx="5657850" cy="1133475"/>
+          </a:xfrm>
+          <a:prstGeom prst="rect">
+            <a:avLst/>
+          </a:prstGeom>
+        </p:spPr>
+      </p:pic>
     </p:spTree>
     <p:extLst>
       <p:ext uri="{BB962C8B-B14F-4D97-AF65-F5344CB8AC3E}">
-        <p14:creationId xmlns:p14="http://schemas.microsoft.com/office/powerpoint/2010/main" val="2249230238"/>
+        <p14:creationId xmlns:p14="http://schemas.microsoft.com/office/powerpoint/2010/main" val="1208375645"/>
       </p:ext>
     </p:extLst>
   </p:cSld>
@@ -5783,8 +4940,8 @@
         </p:nvSpPr>
         <p:spPr>
           <a:xfrm>
-            <a:off x="838200" y="246548"/>
-            <a:ext cx="10515600" cy="1196770"/>
+            <a:off x="838200" y="365126"/>
+            <a:ext cx="10515600" cy="734748"/>
           </a:xfrm>
         </p:spPr>
         <p:txBody>
@@ -5795,12 +4952,35 @@
           <a:p>
             <a:r>
               <a:rPr lang="ru-RU" dirty="0"/>
-              <a:t>Исследуем</a:t>
-            </a:r>
-            <a:r>
-              <a:rPr lang="en-US" dirty="0"/>
-              <a:t>!!</a:t>
-            </a:r>
+              <a:t>Напоминание. Типы данных</a:t>
+            </a:r>
+          </a:p>
+        </p:txBody>
+      </p:sp>
+      <p:sp>
+        <p:nvSpPr>
+          <p:cNvPr id="3" name="Объект 2"/>
+          <p:cNvSpPr>
+            <a:spLocks noGrp="1"/>
+          </p:cNvSpPr>
+          <p:nvPr>
+            <p:ph sz="half" idx="1"/>
+          </p:nvPr>
+        </p:nvSpPr>
+        <p:spPr/>
+        <p:txBody>
+          <a:bodyPr/>
+          <a:lstStyle/>
+          <a:p>
+            <a:pPr marL="0" indent="0">
+              <a:buNone/>
+            </a:pPr>
+            <a:endParaRPr lang="ru-RU" i="1" dirty="0"/>
+          </a:p>
+          <a:p>
+            <a:endParaRPr lang="ru-RU" dirty="0"/>
+          </a:p>
+          <a:p>
             <a:endParaRPr lang="ru-RU" dirty="0"/>
           </a:p>
         </p:txBody>
@@ -6002,60 +5182,12 @@
           </a:p>
         </p:txBody>
       </p:sp>
-      <p:pic>
-        <p:nvPicPr>
-          <p:cNvPr id="7" name="Рисунок 6"/>
-          <p:cNvPicPr>
-            <a:picLocks noChangeAspect="1"/>
-          </p:cNvPicPr>
-          <p:nvPr/>
-        </p:nvPicPr>
-        <p:blipFill>
-          <a:blip r:embed="rId2"/>
-          <a:stretch>
-            <a:fillRect/>
-          </a:stretch>
-        </p:blipFill>
-        <p:spPr>
-          <a:xfrm>
-            <a:off x="4858870" y="2216962"/>
-            <a:ext cx="7119097" cy="4641038"/>
-          </a:xfrm>
-          <a:prstGeom prst="rect">
-            <a:avLst/>
-          </a:prstGeom>
-        </p:spPr>
-      </p:pic>
-      <p:pic>
-        <p:nvPicPr>
-          <p:cNvPr id="8" name="Рисунок 7"/>
-          <p:cNvPicPr>
-            <a:picLocks noChangeAspect="1"/>
-          </p:cNvPicPr>
-          <p:nvPr/>
-        </p:nvPicPr>
-        <p:blipFill>
-          <a:blip r:embed="rId3"/>
-          <a:stretch>
-            <a:fillRect/>
-          </a:stretch>
-        </p:blipFill>
-        <p:spPr>
-          <a:xfrm>
-            <a:off x="838200" y="1601540"/>
-            <a:ext cx="5619750" cy="457200"/>
-          </a:xfrm>
-          <a:prstGeom prst="rect">
-            <a:avLst/>
-          </a:prstGeom>
-        </p:spPr>
-      </p:pic>
       <p:sp>
         <p:nvSpPr>
           <p:cNvPr id="5" name="Объект 4">
             <a:extLst>
               <a:ext uri="{FF2B5EF4-FFF2-40B4-BE49-F238E27FC236}">
-                <a16:creationId xmlns:a16="http://schemas.microsoft.com/office/drawing/2014/main" id="{C1802B91-D79C-4885-BBC6-D2735F234681}"/>
+                <a16:creationId xmlns:a16="http://schemas.microsoft.com/office/drawing/2014/main" id="{D30B361C-627E-4981-A37E-0827C436F5B7}"/>
               </a:ext>
             </a:extLst>
           </p:cNvPr>
@@ -6063,13 +5195,96 @@
             <a:spLocks noGrp="1"/>
           </p:cNvSpPr>
           <p:nvPr>
-            <p:ph idx="1"/>
-          </p:nvPr>
-        </p:nvSpPr>
-        <p:spPr/>
+            <p:ph sz="half" idx="2"/>
+          </p:nvPr>
+        </p:nvSpPr>
+        <p:spPr>
+          <a:xfrm>
+            <a:off x="977774" y="1167897"/>
+            <a:ext cx="10376026" cy="5009066"/>
+          </a:xfrm>
+        </p:spPr>
         <p:txBody>
           <a:bodyPr/>
           <a:lstStyle/>
+          <a:p>
+            <a:r>
+              <a:rPr lang="ru-RU" dirty="0"/>
+              <a:t>Интервальные – изменяются плавно и непрерывно (градусы, расстояние. Дроби)</a:t>
+            </a:r>
+          </a:p>
+          <a:p>
+            <a:pPr lvl="1"/>
+            <a:r>
+              <a:rPr lang="ru-RU" dirty="0"/>
+              <a:t>Углы, температура?</a:t>
+            </a:r>
+          </a:p>
+          <a:p>
+            <a:pPr lvl="1"/>
+            <a:r>
+              <a:rPr lang="ru-RU" dirty="0"/>
+              <a:t>Дискретные – натуральные числа (посетители, покупатели и т.д.)</a:t>
+            </a:r>
+          </a:p>
+          <a:p>
+            <a:r>
+              <a:rPr lang="ru-RU" dirty="0"/>
+              <a:t>Шкальные данные – большой, средний</a:t>
+            </a:r>
+            <a:r>
+              <a:rPr lang="en-US" dirty="0"/>
+              <a:t>; </a:t>
+            </a:r>
+            <a:r>
+              <a:rPr lang="ru-RU" dirty="0"/>
+              <a:t>широкий, узкий</a:t>
+            </a:r>
+            <a:r>
+              <a:rPr lang="en-US" dirty="0"/>
+              <a:t>. R</a:t>
+            </a:r>
+            <a:r>
+              <a:rPr lang="ru-RU" dirty="0"/>
+              <a:t> </a:t>
+            </a:r>
+            <a:r>
+              <a:rPr lang="en-US" dirty="0"/>
+              <a:t>ordered factor</a:t>
+            </a:r>
+            <a:endParaRPr lang="ru-RU" dirty="0"/>
+          </a:p>
+          <a:p>
+            <a:r>
+              <a:rPr lang="ru-RU" dirty="0"/>
+              <a:t>Номинальные(Категориальные) – пол, цвета, и т.д.</a:t>
+            </a:r>
+            <a:r>
+              <a:rPr lang="en-US" dirty="0"/>
+              <a:t> R</a:t>
+            </a:r>
+            <a:r>
+              <a:rPr lang="ru-RU" dirty="0"/>
+              <a:t> </a:t>
+            </a:r>
+            <a:r>
+              <a:rPr lang="en-US" dirty="0"/>
+              <a:t>factor</a:t>
+            </a:r>
+            <a:endParaRPr lang="ru-RU" dirty="0"/>
+          </a:p>
+          <a:p>
+            <a:pPr lvl="1"/>
+            <a:r>
+              <a:rPr lang="ru-RU" dirty="0"/>
+              <a:t>Бинарные – да\нет</a:t>
+            </a:r>
+            <a:r>
+              <a:rPr lang="en-US" dirty="0"/>
+              <a:t>;</a:t>
+            </a:r>
+            <a:endParaRPr lang="ru-RU" dirty="0"/>
+          </a:p>
           <a:p>
             <a:endParaRPr lang="ru-RU" dirty="0"/>
           </a:p>
@@ -6078,7 +5293,7 @@
     </p:spTree>
     <p:extLst>
       <p:ext uri="{BB962C8B-B14F-4D97-AF65-F5344CB8AC3E}">
-        <p14:creationId xmlns:p14="http://schemas.microsoft.com/office/powerpoint/2010/main" val="1067241769"/>
+        <p14:creationId xmlns:p14="http://schemas.microsoft.com/office/powerpoint/2010/main" val="2695440060"/>
       </p:ext>
     </p:extLst>
   </p:cSld>
@@ -6133,7 +5348,7 @@
             </a:r>
             <a:r>
               <a:rPr lang="en-US" dirty="0"/>
-              <a:t>!!!</a:t>
+              <a:t>!</a:t>
             </a:r>
             <a:endParaRPr lang="ru-RU" dirty="0"/>
           </a:p>
@@ -6371,7 +5586,13 @@
       </p:sp>
       <p:pic>
         <p:nvPicPr>
-          <p:cNvPr id="7" name="Рисунок 6"/>
+          <p:cNvPr id="4" name="Рисунок 3">
+            <a:extLst>
+              <a:ext uri="{FF2B5EF4-FFF2-40B4-BE49-F238E27FC236}">
+                <a16:creationId xmlns:a16="http://schemas.microsoft.com/office/drawing/2014/main" id="{962E8F58-67F0-48BB-BBE6-E44F567F5230}"/>
+              </a:ext>
+            </a:extLst>
+          </p:cNvPr>
           <p:cNvPicPr>
             <a:picLocks noChangeAspect="1"/>
           </p:cNvPicPr>
@@ -6385,8 +5606,8 @@
         </p:blipFill>
         <p:spPr>
           <a:xfrm>
-            <a:off x="4894379" y="2427473"/>
-            <a:ext cx="7297621" cy="4247869"/>
+            <a:off x="838200" y="1320155"/>
+            <a:ext cx="6257925" cy="523875"/>
           </a:xfrm>
           <a:prstGeom prst="rect">
             <a:avLst/>
@@ -6395,7 +5616,13 @@
       </p:pic>
       <p:pic>
         <p:nvPicPr>
-          <p:cNvPr id="8" name="Рисунок 7"/>
+          <p:cNvPr id="5" name="Рисунок 4">
+            <a:extLst>
+              <a:ext uri="{FF2B5EF4-FFF2-40B4-BE49-F238E27FC236}">
+                <a16:creationId xmlns:a16="http://schemas.microsoft.com/office/drawing/2014/main" id="{C834E332-8225-4CBE-905B-1EADE88C8A42}"/>
+              </a:ext>
+            </a:extLst>
+          </p:cNvPr>
           <p:cNvPicPr>
             <a:picLocks noChangeAspect="1"/>
           </p:cNvPicPr>
@@ -6409,8 +5636,8 @@
         </p:blipFill>
         <p:spPr>
           <a:xfrm>
-            <a:off x="838200" y="1602020"/>
-            <a:ext cx="5029200" cy="333375"/>
+            <a:off x="4819650" y="1666875"/>
+            <a:ext cx="6534150" cy="5191125"/>
           </a:xfrm>
           <a:prstGeom prst="rect">
             <a:avLst/>
@@ -6420,7 +5647,7 @@
     </p:spTree>
     <p:extLst>
       <p:ext uri="{BB962C8B-B14F-4D97-AF65-F5344CB8AC3E}">
-        <p14:creationId xmlns:p14="http://schemas.microsoft.com/office/powerpoint/2010/main" val="43120803"/>
+        <p14:creationId xmlns:p14="http://schemas.microsoft.com/office/powerpoint/2010/main" val="2249230238"/>
       </p:ext>
     </p:extLst>
   </p:cSld>
@@ -6471,7 +5698,7 @@
           <a:p>
             <a:r>
               <a:rPr lang="ru-RU" dirty="0"/>
-              <a:t>Простая статистическая проверка</a:t>
+              <a:t>Статистическая проверка. Есть ли различия</a:t>
             </a:r>
           </a:p>
         </p:txBody>
@@ -6737,7 +5964,13 @@
       </p:sp>
       <p:pic>
         <p:nvPicPr>
-          <p:cNvPr id="5" name="Рисунок 4"/>
+          <p:cNvPr id="7" name="Рисунок 6">
+            <a:extLst>
+              <a:ext uri="{FF2B5EF4-FFF2-40B4-BE49-F238E27FC236}">
+                <a16:creationId xmlns:a16="http://schemas.microsoft.com/office/drawing/2014/main" id="{626D5261-E56F-4E5D-9450-7EB94D61ACD8}"/>
+              </a:ext>
+            </a:extLst>
+          </p:cNvPr>
           <p:cNvPicPr>
             <a:picLocks noChangeAspect="1"/>
           </p:cNvPicPr>
@@ -6751,8 +5984,8 @@
         </p:blipFill>
         <p:spPr>
           <a:xfrm>
-            <a:off x="5720549" y="2404320"/>
-            <a:ext cx="6335914" cy="4242728"/>
+            <a:off x="838200" y="1637722"/>
+            <a:ext cx="7581900" cy="885825"/>
           </a:xfrm>
           <a:prstGeom prst="rect">
             <a:avLst/>
@@ -6761,7 +5994,13 @@
       </p:pic>
       <p:pic>
         <p:nvPicPr>
-          <p:cNvPr id="9" name="Рисунок 8"/>
+          <p:cNvPr id="8" name="Рисунок 7">
+            <a:extLst>
+              <a:ext uri="{FF2B5EF4-FFF2-40B4-BE49-F238E27FC236}">
+                <a16:creationId xmlns:a16="http://schemas.microsoft.com/office/drawing/2014/main" id="{257B188B-FDAE-4A8B-A23B-DA8467006B65}"/>
+              </a:ext>
+            </a:extLst>
+          </p:cNvPr>
           <p:cNvPicPr>
             <a:picLocks noChangeAspect="1"/>
           </p:cNvPicPr>
@@ -6775,8 +6014,8 @@
         </p:blipFill>
         <p:spPr>
           <a:xfrm>
-            <a:off x="838200" y="1851491"/>
-            <a:ext cx="5448300" cy="600075"/>
+            <a:off x="3638802" y="3190021"/>
+            <a:ext cx="6789860" cy="1419483"/>
           </a:xfrm>
           <a:prstGeom prst="rect">
             <a:avLst/>
@@ -6837,7 +6076,7 @@
           <a:p>
             <a:r>
               <a:rPr lang="ru-RU" dirty="0"/>
-              <a:t>Простая статистическая проверка</a:t>
+              <a:t>Межгрупповые различия</a:t>
             </a:r>
           </a:p>
         </p:txBody>
@@ -7041,36 +6280,82 @@
       </p:sp>
       <p:sp>
         <p:nvSpPr>
-          <p:cNvPr id="4" name="TextBox 3"/>
-          <p:cNvSpPr txBox="1"/>
+          <p:cNvPr id="5" name="Прямоугольник 4">
+            <a:extLst>
+              <a:ext uri="{FF2B5EF4-FFF2-40B4-BE49-F238E27FC236}">
+                <a16:creationId xmlns:a16="http://schemas.microsoft.com/office/drawing/2014/main" id="{3951F7D6-8C46-40FB-A2AE-B15B51C94864}"/>
+              </a:ext>
+            </a:extLst>
+          </p:cNvPr>
+          <p:cNvSpPr/>
           <p:nvPr/>
         </p:nvSpPr>
         <p:spPr>
           <a:xfrm>
-            <a:off x="838200" y="1326777"/>
-            <a:ext cx="8050306" cy="369332"/>
+            <a:off x="838200" y="1122351"/>
+            <a:ext cx="8193386" cy="1200329"/>
           </a:xfrm>
           <a:prstGeom prst="rect">
             <a:avLst/>
           </a:prstGeom>
-          <a:noFill/>
         </p:spPr>
         <p:txBody>
-          <a:bodyPr wrap="square" rtlCol="0">
+          <a:bodyPr wrap="square">
             <a:spAutoFit/>
           </a:bodyPr>
           <a:lstStyle/>
           <a:p>
             <a:r>
-              <a:rPr lang="ru-RU" dirty="0"/>
-              <a:t>Трудно что то сказать? Статистика поможет!</a:t>
-            </a:r>
+              <a:rPr lang="ru-RU" dirty="0">
+                <a:solidFill>
+                  <a:srgbClr val="231F20"/>
+                </a:solidFill>
+                <a:latin typeface="PetersburgC"/>
+              </a:rPr>
+              <a:t>Результат F-теста лечения свидетельствует, что 3 испробованных диеты неодинаково эффективны, однако отсюда нельзя понять, </a:t>
+            </a:r>
+            <a:r>
+              <a:rPr lang="ru-RU" b="1" i="1" dirty="0">
+                <a:solidFill>
+                  <a:srgbClr val="231F20"/>
+                </a:solidFill>
+                <a:latin typeface="PetersburgC-Italic"/>
+              </a:rPr>
+              <a:t>какие именно </a:t>
+            </a:r>
+            <a:r>
+              <a:rPr lang="ru-RU" dirty="0">
+                <a:solidFill>
+                  <a:srgbClr val="231F20"/>
+                </a:solidFill>
+                <a:latin typeface="PetersburgC"/>
+              </a:rPr>
+              <a:t>диеты различаются между собой.</a:t>
+            </a:r>
+          </a:p>
+          <a:p>
+            <a:r>
+              <a:rPr lang="ru-RU" dirty="0">
+                <a:solidFill>
+                  <a:srgbClr val="231F20"/>
+                </a:solidFill>
+                <a:latin typeface="PetersburgC"/>
+              </a:rPr>
+              <a:t>Для ответа на этот вопрос можно использовать множественные сравнения.</a:t>
+            </a:r>
+            <a:endParaRPr lang="ru-RU" dirty="0"/>
           </a:p>
         </p:txBody>
       </p:sp>
       <p:pic>
         <p:nvPicPr>
-          <p:cNvPr id="7" name="Рисунок 6"/>
+          <p:cNvPr id="8" name="Рисунок 7">
+            <a:extLst>
+              <a:ext uri="{FF2B5EF4-FFF2-40B4-BE49-F238E27FC236}">
+                <a16:creationId xmlns:a16="http://schemas.microsoft.com/office/drawing/2014/main" id="{4B2115E2-4A73-4E29-B9BE-080F9179BBEA}"/>
+              </a:ext>
+            </a:extLst>
+          </p:cNvPr>
           <p:cNvPicPr>
             <a:picLocks noChangeAspect="1"/>
           </p:cNvPicPr>
@@ -7084,32 +6369,8 @@
         </p:blipFill>
         <p:spPr>
           <a:xfrm>
-            <a:off x="838200" y="2007475"/>
-            <a:ext cx="4819650" cy="352425"/>
-          </a:xfrm>
-          <a:prstGeom prst="rect">
-            <a:avLst/>
-          </a:prstGeom>
-        </p:spPr>
-      </p:pic>
-      <p:pic>
-        <p:nvPicPr>
-          <p:cNvPr id="10" name="Рисунок 9"/>
-          <p:cNvPicPr>
-            <a:picLocks noChangeAspect="1"/>
-          </p:cNvPicPr>
-          <p:nvPr/>
-        </p:nvPicPr>
-        <p:blipFill>
-          <a:blip r:embed="rId3"/>
-          <a:stretch>
-            <a:fillRect/>
-          </a:stretch>
-        </p:blipFill>
-        <p:spPr>
-          <a:xfrm>
-            <a:off x="838200" y="2669066"/>
-            <a:ext cx="9439275" cy="1524000"/>
+            <a:off x="942268" y="2319121"/>
+            <a:ext cx="5612441" cy="3580830"/>
           </a:xfrm>
           <a:prstGeom prst="rect">
             <a:avLst/>
@@ -7170,7 +6431,15 @@
           <a:p>
             <a:r>
               <a:rPr lang="ru-RU" dirty="0"/>
-              <a:t>Простая статистическая проверка</a:t>
+              <a:t>Межгрупповые различия</a:t>
+            </a:r>
+            <a:r>
+              <a:rPr lang="en-US" dirty="0"/>
+              <a:t>. </a:t>
+            </a:r>
+            <a:r>
+              <a:rPr lang="ru-RU" dirty="0"/>
+              <a:t>Визуализация</a:t>
             </a:r>
           </a:p>
         </p:txBody>
@@ -7372,46 +6641,15 @@
           </a:p>
         </p:txBody>
       </p:sp>
-      <p:sp>
-        <p:nvSpPr>
-          <p:cNvPr id="4" name="TextBox 3"/>
-          <p:cNvSpPr txBox="1"/>
-          <p:nvPr/>
-        </p:nvSpPr>
-        <p:spPr>
-          <a:xfrm>
-            <a:off x="838200" y="1326777"/>
-            <a:ext cx="8050306" cy="369332"/>
-          </a:xfrm>
-          <a:prstGeom prst="rect">
-            <a:avLst/>
-          </a:prstGeom>
-          <a:noFill/>
-        </p:spPr>
-        <p:txBody>
-          <a:bodyPr wrap="square" rtlCol="0">
-            <a:spAutoFit/>
-          </a:bodyPr>
-          <a:lstStyle/>
-          <a:p>
-            <a:r>
-              <a:rPr lang="ru-RU" dirty="0"/>
-              <a:t>Соответствует линейной модели? Вес </a:t>
-            </a:r>
-            <a:r>
-              <a:rPr lang="en-US" dirty="0"/>
-              <a:t>vs </a:t>
-            </a:r>
-            <a:r>
-              <a:rPr lang="ru-RU" dirty="0"/>
-              <a:t>Курение</a:t>
-            </a:r>
-          </a:p>
-        </p:txBody>
-      </p:sp>
       <p:pic>
         <p:nvPicPr>
-          <p:cNvPr id="3" name="Рисунок 2"/>
+          <p:cNvPr id="3" name="Рисунок 2">
+            <a:extLst>
+              <a:ext uri="{FF2B5EF4-FFF2-40B4-BE49-F238E27FC236}">
+                <a16:creationId xmlns:a16="http://schemas.microsoft.com/office/drawing/2014/main" id="{5D380EFD-5555-4093-9893-217B0303E460}"/>
+              </a:ext>
+            </a:extLst>
+          </p:cNvPr>
           <p:cNvPicPr>
             <a:picLocks noChangeAspect="1"/>
           </p:cNvPicPr>
@@ -7425,8 +6663,8 @@
         </p:blipFill>
         <p:spPr>
           <a:xfrm>
-            <a:off x="838200" y="1902701"/>
-            <a:ext cx="5324475" cy="457200"/>
+            <a:off x="838200" y="1301200"/>
+            <a:ext cx="4552950" cy="923925"/>
           </a:xfrm>
           <a:prstGeom prst="rect">
             <a:avLst/>
@@ -7435,7 +6673,13 @@
       </p:pic>
       <p:pic>
         <p:nvPicPr>
-          <p:cNvPr id="5" name="Рисунок 4"/>
+          <p:cNvPr id="4" name="Рисунок 3">
+            <a:extLst>
+              <a:ext uri="{FF2B5EF4-FFF2-40B4-BE49-F238E27FC236}">
+                <a16:creationId xmlns:a16="http://schemas.microsoft.com/office/drawing/2014/main" id="{6CB05744-7FE5-4106-9081-F892A7B8EE24}"/>
+              </a:ext>
+            </a:extLst>
+          </p:cNvPr>
           <p:cNvPicPr>
             <a:picLocks noChangeAspect="1"/>
           </p:cNvPicPr>
@@ -7449,66 +6693,70 @@
         </p:blipFill>
         <p:spPr>
           <a:xfrm>
-            <a:off x="838200" y="2962537"/>
-            <a:ext cx="4695825" cy="1133475"/>
+            <a:off x="5248872" y="1347700"/>
+            <a:ext cx="5827054" cy="4922397"/>
           </a:xfrm>
           <a:prstGeom prst="rect">
             <a:avLst/>
           </a:prstGeom>
         </p:spPr>
       </p:pic>
-      <p:pic>
-        <p:nvPicPr>
-          <p:cNvPr id="8" name="Рисунок 7"/>
-          <p:cNvPicPr>
-            <a:picLocks noChangeAspect="1"/>
-          </p:cNvPicPr>
+      <p:sp>
+        <p:nvSpPr>
+          <p:cNvPr id="7" name="Прямоугольник 6">
+            <a:extLst>
+              <a:ext uri="{FF2B5EF4-FFF2-40B4-BE49-F238E27FC236}">
+                <a16:creationId xmlns:a16="http://schemas.microsoft.com/office/drawing/2014/main" id="{88ADEF27-8299-46CF-AAFD-93B4B13685D0}"/>
+              </a:ext>
+            </a:extLst>
+          </p:cNvPr>
+          <p:cNvSpPr/>
           <p:nvPr/>
-        </p:nvPicPr>
-        <p:blipFill>
-          <a:blip r:embed="rId4"/>
-          <a:stretch>
-            <a:fillRect/>
-          </a:stretch>
-        </p:blipFill>
+        </p:nvSpPr>
         <p:spPr>
           <a:xfrm>
-            <a:off x="6572250" y="1888233"/>
-            <a:ext cx="1924050" cy="219075"/>
+            <a:off x="6491335" y="1131683"/>
+            <a:ext cx="2534970" cy="751438"/>
           </a:xfrm>
           <a:prstGeom prst="rect">
             <a:avLst/>
           </a:prstGeom>
+          <a:noFill/>
+          <a:ln>
+            <a:solidFill>
+              <a:srgbClr val="C00000"/>
+            </a:solidFill>
+          </a:ln>
         </p:spPr>
-      </p:pic>
-      <p:pic>
-        <p:nvPicPr>
-          <p:cNvPr id="9" name="Рисунок 8"/>
-          <p:cNvPicPr>
-            <a:picLocks noChangeAspect="1"/>
-          </p:cNvPicPr>
-          <p:nvPr/>
-        </p:nvPicPr>
-        <p:blipFill>
-          <a:blip r:embed="rId5"/>
-          <a:stretch>
-            <a:fillRect/>
-          </a:stretch>
-        </p:blipFill>
-        <p:spPr>
-          <a:xfrm>
-            <a:off x="6572250" y="2324002"/>
-            <a:ext cx="5000625" cy="2571750"/>
-          </a:xfrm>
-          <a:prstGeom prst="rect">
-            <a:avLst/>
-          </a:prstGeom>
-        </p:spPr>
-      </p:pic>
+        <p:style>
+          <a:lnRef idx="2">
+            <a:schemeClr val="accent1">
+              <a:shade val="50000"/>
+            </a:schemeClr>
+          </a:lnRef>
+          <a:fillRef idx="1">
+            <a:schemeClr val="accent1"/>
+          </a:fillRef>
+          <a:effectRef idx="0">
+            <a:schemeClr val="accent1"/>
+          </a:effectRef>
+          <a:fontRef idx="minor">
+            <a:schemeClr val="lt1"/>
+          </a:fontRef>
+        </p:style>
+        <p:txBody>
+          <a:bodyPr rtlCol="0" anchor="ctr"/>
+          <a:lstStyle/>
+          <a:p>
+            <a:pPr algn="ctr"/>
+            <a:endParaRPr lang="ru-RU"/>
+          </a:p>
+        </p:txBody>
+      </p:sp>
     </p:spTree>
     <p:extLst>
       <p:ext uri="{BB962C8B-B14F-4D97-AF65-F5344CB8AC3E}">
-        <p14:creationId xmlns:p14="http://schemas.microsoft.com/office/powerpoint/2010/main" val="2691859865"/>
+        <p14:creationId xmlns:p14="http://schemas.microsoft.com/office/powerpoint/2010/main" val="2856283236"/>
       </p:ext>
     </p:extLst>
   </p:cSld>
@@ -7542,13 +6790,13 @@
             <a:spLocks noGrp="1"/>
           </p:cNvSpPr>
           <p:nvPr>
-            <p:ph type="title"/>
+            <p:ph type="ctrTitle"/>
           </p:nvPr>
         </p:nvSpPr>
         <p:spPr>
           <a:xfrm>
-            <a:off x="838200" y="246548"/>
-            <a:ext cx="10515600" cy="1196770"/>
+            <a:off x="1071327" y="235123"/>
+            <a:ext cx="9144000" cy="932774"/>
           </a:xfrm>
         </p:spPr>
         <p:txBody>
@@ -7558,9 +6806,158 @@
           <a:lstStyle/>
           <a:p>
             <a:r>
+              <a:rPr lang="en-US" dirty="0"/>
+              <a:t>ANOVA. </a:t>
+            </a:r>
+            <a:r>
               <a:rPr lang="ru-RU" dirty="0"/>
-              <a:t>Простая статистическая проверка</a:t>
-            </a:r>
+              <a:t>Кое что ещё</a:t>
+            </a:r>
+          </a:p>
+        </p:txBody>
+      </p:sp>
+      <p:sp>
+        <p:nvSpPr>
+          <p:cNvPr id="3" name="Подзаголовок 2">
+            <a:extLst>
+              <a:ext uri="{FF2B5EF4-FFF2-40B4-BE49-F238E27FC236}">
+                <a16:creationId xmlns:a16="http://schemas.microsoft.com/office/drawing/2014/main" id="{77AB1906-3EA4-4239-A999-44ABD4B80944}"/>
+              </a:ext>
+            </a:extLst>
+          </p:cNvPr>
+          <p:cNvSpPr>
+            <a:spLocks noGrp="1"/>
+          </p:cNvSpPr>
+          <p:nvPr>
+            <p:ph type="subTitle" idx="1"/>
+          </p:nvPr>
+        </p:nvSpPr>
+        <p:spPr>
+          <a:xfrm>
+            <a:off x="760491" y="1330859"/>
+            <a:ext cx="9907509" cy="3926941"/>
+          </a:xfrm>
+        </p:spPr>
+        <p:txBody>
+          <a:bodyPr/>
+          <a:lstStyle/>
+          <a:p>
+            <a:pPr marL="342900" indent="-342900" algn="l">
+              <a:buFont typeface="Arial" panose="020B0604020202020204" pitchFamily="34" charset="0"/>
+              <a:buChar char="•"/>
+            </a:pPr>
+            <a:r>
+              <a:rPr lang="ru-RU" dirty="0">
+                <a:solidFill>
+                  <a:schemeClr val="accent6"/>
+                </a:solidFill>
+              </a:rPr>
+              <a:t>Однофакторный дисперсионный анализ </a:t>
+            </a:r>
+            <a:r>
+              <a:rPr lang="en-US" dirty="0"/>
+              <a:t>(one-way between-groups ANOVA)</a:t>
+            </a:r>
+          </a:p>
+          <a:p>
+            <a:pPr marL="342900" indent="-342900" algn="l">
+              <a:buFont typeface="Arial" panose="020B0604020202020204" pitchFamily="34" charset="0"/>
+              <a:buChar char="•"/>
+            </a:pPr>
+            <a:r>
+              <a:rPr lang="ru-RU" dirty="0"/>
+              <a:t>Однофакторный дисперсионный анализ для зависимых наблюдений (</a:t>
+            </a:r>
+            <a:r>
+              <a:rPr lang="en-US" dirty="0"/>
+              <a:t>one-way</a:t>
+            </a:r>
+            <a:r>
+              <a:rPr lang="ru-RU" dirty="0"/>
+              <a:t> </a:t>
+            </a:r>
+            <a:r>
+              <a:rPr lang="en-US" dirty="0"/>
+              <a:t>within-groups ANOVA</a:t>
+            </a:r>
+            <a:r>
+              <a:rPr lang="ru-RU" dirty="0"/>
+              <a:t>). Он же дисперсионный анализ для повторных измерений (</a:t>
+            </a:r>
+            <a:r>
+              <a:rPr lang="en-US" dirty="0"/>
+              <a:t>repeated measures ANOVA)</a:t>
+            </a:r>
+            <a:endParaRPr lang="ru-RU" dirty="0"/>
+          </a:p>
+          <a:p>
+            <a:pPr marL="342900" indent="-342900" algn="l">
+              <a:buFont typeface="Arial" panose="020B0604020202020204" pitchFamily="34" charset="0"/>
+              <a:buChar char="•"/>
+            </a:pPr>
+            <a:r>
+              <a:rPr lang="ru-RU" dirty="0"/>
+              <a:t>Ковариационный анализ </a:t>
+            </a:r>
+            <a:r>
+              <a:rPr lang="en-US" dirty="0"/>
+              <a:t>(analysis of</a:t>
+            </a:r>
+            <a:r>
+              <a:rPr lang="ru-RU" dirty="0"/>
+              <a:t> </a:t>
+            </a:r>
+            <a:r>
+              <a:rPr lang="en-US" dirty="0"/>
+              <a:t>covariance, ANCOVA)</a:t>
+            </a:r>
+            <a:endParaRPr lang="ru-RU" dirty="0"/>
+          </a:p>
+          <a:p>
+            <a:pPr marL="342900" indent="-342900" algn="l">
+              <a:buFont typeface="Arial" panose="020B0604020202020204" pitchFamily="34" charset="0"/>
+              <a:buChar char="•"/>
+            </a:pPr>
+            <a:r>
+              <a:rPr lang="ru-RU" dirty="0"/>
+              <a:t>Многомерный дисперсионный анализ (</a:t>
+            </a:r>
+            <a:r>
+              <a:rPr lang="en-US" dirty="0"/>
+              <a:t>multivariate analysis of variance, MANOVA</a:t>
+            </a:r>
+            <a:r>
+              <a:rPr lang="ru-RU" dirty="0"/>
+              <a:t>)</a:t>
+            </a:r>
+          </a:p>
+          <a:p>
+            <a:pPr marL="342900" indent="-342900" algn="l">
+              <a:buFont typeface="Arial" panose="020B0604020202020204" pitchFamily="34" charset="0"/>
+              <a:buChar char="•"/>
+            </a:pPr>
+            <a:endParaRPr lang="ru-RU" dirty="0"/>
+          </a:p>
+          <a:p>
+            <a:pPr marL="342900" indent="-342900" algn="l">
+              <a:buFont typeface="Arial" panose="020B0604020202020204" pitchFamily="34" charset="0"/>
+              <a:buChar char="•"/>
+            </a:pPr>
+            <a:endParaRPr lang="ru-RU" dirty="0"/>
+          </a:p>
+          <a:p>
+            <a:pPr marL="342900" indent="-342900" algn="l">
+              <a:buFont typeface="Arial" panose="020B0604020202020204" pitchFamily="34" charset="0"/>
+              <a:buChar char="•"/>
+            </a:pPr>
+            <a:endParaRPr lang="ru-RU" dirty="0"/>
+          </a:p>
+          <a:p>
+            <a:pPr marL="342900" indent="-342900" algn="l">
+              <a:buFont typeface="Arial" panose="020B0604020202020204" pitchFamily="34" charset="0"/>
+              <a:buChar char="•"/>
+            </a:pPr>
+            <a:endParaRPr lang="ru-RU" dirty="0"/>
           </a:p>
         </p:txBody>
       </p:sp>
@@ -7761,91 +7158,6 @@
           </a:p>
         </p:txBody>
       </p:sp>
-      <p:sp>
-        <p:nvSpPr>
-          <p:cNvPr id="4" name="TextBox 3"/>
-          <p:cNvSpPr txBox="1"/>
-          <p:nvPr/>
-        </p:nvSpPr>
-        <p:spPr>
-          <a:xfrm>
-            <a:off x="838200" y="1326777"/>
-            <a:ext cx="8050306" cy="369332"/>
-          </a:xfrm>
-          <a:prstGeom prst="rect">
-            <a:avLst/>
-          </a:prstGeom>
-          <a:noFill/>
-        </p:spPr>
-        <p:txBody>
-          <a:bodyPr wrap="square" rtlCol="0">
-            <a:spAutoFit/>
-          </a:bodyPr>
-          <a:lstStyle/>
-          <a:p>
-            <a:r>
-              <a:rPr lang="ru-RU" dirty="0"/>
-              <a:t>Соответствует линейной модели? Вес </a:t>
-            </a:r>
-            <a:r>
-              <a:rPr lang="en-US" dirty="0"/>
-              <a:t>vs </a:t>
-            </a:r>
-            <a:r>
-              <a:rPr lang="ru-RU" dirty="0"/>
-              <a:t>Возраст</a:t>
-            </a:r>
-          </a:p>
-        </p:txBody>
-      </p:sp>
-      <p:pic>
-        <p:nvPicPr>
-          <p:cNvPr id="7" name="Рисунок 6"/>
-          <p:cNvPicPr>
-            <a:picLocks noChangeAspect="1"/>
-          </p:cNvPicPr>
-          <p:nvPr/>
-        </p:nvPicPr>
-        <p:blipFill>
-          <a:blip r:embed="rId3"/>
-          <a:stretch>
-            <a:fillRect/>
-          </a:stretch>
-        </p:blipFill>
-        <p:spPr>
-          <a:xfrm>
-            <a:off x="838200" y="1696109"/>
-            <a:ext cx="4981575" cy="533400"/>
-          </a:xfrm>
-          <a:prstGeom prst="rect">
-            <a:avLst/>
-          </a:prstGeom>
-        </p:spPr>
-      </p:pic>
-      <p:pic>
-        <p:nvPicPr>
-          <p:cNvPr id="10" name="Рисунок 9"/>
-          <p:cNvPicPr>
-            <a:picLocks noChangeAspect="1"/>
-          </p:cNvPicPr>
-          <p:nvPr/>
-        </p:nvPicPr>
-        <p:blipFill>
-          <a:blip r:embed="rId4"/>
-          <a:stretch>
-            <a:fillRect/>
-          </a:stretch>
-        </p:blipFill>
-        <p:spPr>
-          <a:xfrm>
-            <a:off x="838200" y="2364847"/>
-            <a:ext cx="5410200" cy="3905250"/>
-          </a:xfrm>
-          <a:prstGeom prst="rect">
-            <a:avLst/>
-          </a:prstGeom>
-        </p:spPr>
-      </p:pic>
     </p:spTree>
     <p:extLst>
       <p:ext uri="{BB962C8B-B14F-4D97-AF65-F5344CB8AC3E}">
@@ -7883,13 +7195,13 @@
             <a:spLocks noGrp="1"/>
           </p:cNvSpPr>
           <p:nvPr>
-            <p:ph type="title"/>
+            <p:ph type="ctrTitle"/>
           </p:nvPr>
         </p:nvSpPr>
         <p:spPr>
           <a:xfrm>
-            <a:off x="838200" y="246548"/>
-            <a:ext cx="10515600" cy="1196770"/>
+            <a:off x="1071327" y="235123"/>
+            <a:ext cx="9144000" cy="932774"/>
           </a:xfrm>
         </p:spPr>
         <p:txBody>
@@ -7899,249 +7211,25 @@
           <a:lstStyle/>
           <a:p>
             <a:r>
+              <a:rPr lang="en-US" dirty="0"/>
+              <a:t>ANOVA. </a:t>
+            </a:r>
+            <a:r>
               <a:rPr lang="ru-RU" dirty="0"/>
-              <a:t>Простая статистическая проверка</a:t>
-            </a:r>
-          </a:p>
-        </p:txBody>
-      </p:sp>
-      <p:sp>
-        <p:nvSpPr>
-          <p:cNvPr id="6" name="Объект 2"/>
-          <p:cNvSpPr txBox="1">
-            <a:spLocks/>
-          </p:cNvSpPr>
-          <p:nvPr/>
-        </p:nvSpPr>
-        <p:spPr>
-          <a:xfrm>
-            <a:off x="838200" y="3529275"/>
-            <a:ext cx="10515600" cy="2740822"/>
-          </a:xfrm>
-          <a:prstGeom prst="rect">
-            <a:avLst/>
-          </a:prstGeom>
-        </p:spPr>
-        <p:txBody>
-          <a:bodyPr vert="horz" lIns="91440" tIns="45720" rIns="91440" bIns="45720" rtlCol="0">
-            <a:normAutofit/>
-          </a:bodyPr>
-          <a:lstStyle>
-            <a:lvl1pPr marL="228600" indent="-228600" algn="l" defTabSz="914400" rtl="0" eaLnBrk="1" latinLnBrk="0" hangingPunct="1">
-              <a:lnSpc>
-                <a:spcPct val="90000"/>
-              </a:lnSpc>
-              <a:spcBef>
-                <a:spcPts val="1000"/>
-              </a:spcBef>
-              <a:buFont typeface="Arial" panose="020B0604020202020204" pitchFamily="34" charset="0"/>
-              <a:buChar char="•"/>
-              <a:defRPr sz="2800" kern="1200">
-                <a:solidFill>
-                  <a:schemeClr val="tx1"/>
-                </a:solidFill>
-                <a:latin typeface="+mn-lt"/>
-                <a:ea typeface="+mn-ea"/>
-                <a:cs typeface="+mn-cs"/>
-              </a:defRPr>
-            </a:lvl1pPr>
-            <a:lvl2pPr marL="685800" indent="-228600" algn="l" defTabSz="914400" rtl="0" eaLnBrk="1" latinLnBrk="0" hangingPunct="1">
-              <a:lnSpc>
-                <a:spcPct val="90000"/>
-              </a:lnSpc>
-              <a:spcBef>
-                <a:spcPts val="500"/>
-              </a:spcBef>
-              <a:buFont typeface="Arial" panose="020B0604020202020204" pitchFamily="34" charset="0"/>
-              <a:buChar char="•"/>
-              <a:defRPr sz="2400" kern="1200">
-                <a:solidFill>
-                  <a:schemeClr val="tx1"/>
-                </a:solidFill>
-                <a:latin typeface="+mn-lt"/>
-                <a:ea typeface="+mn-ea"/>
-                <a:cs typeface="+mn-cs"/>
-              </a:defRPr>
-            </a:lvl2pPr>
-            <a:lvl3pPr marL="1143000" indent="-228600" algn="l" defTabSz="914400" rtl="0" eaLnBrk="1" latinLnBrk="0" hangingPunct="1">
-              <a:lnSpc>
-                <a:spcPct val="90000"/>
-              </a:lnSpc>
-              <a:spcBef>
-                <a:spcPts val="500"/>
-              </a:spcBef>
-              <a:buFont typeface="Arial" panose="020B0604020202020204" pitchFamily="34" charset="0"/>
-              <a:buChar char="•"/>
-              <a:defRPr sz="2000" kern="1200">
-                <a:solidFill>
-                  <a:schemeClr val="tx1"/>
-                </a:solidFill>
-                <a:latin typeface="+mn-lt"/>
-                <a:ea typeface="+mn-ea"/>
-                <a:cs typeface="+mn-cs"/>
-              </a:defRPr>
-            </a:lvl3pPr>
-            <a:lvl4pPr marL="1600200" indent="-228600" algn="l" defTabSz="914400" rtl="0" eaLnBrk="1" latinLnBrk="0" hangingPunct="1">
-              <a:lnSpc>
-                <a:spcPct val="90000"/>
-              </a:lnSpc>
-              <a:spcBef>
-                <a:spcPts val="500"/>
-              </a:spcBef>
-              <a:buFont typeface="Arial" panose="020B0604020202020204" pitchFamily="34" charset="0"/>
-              <a:buChar char="•"/>
-              <a:defRPr sz="1800" kern="1200">
-                <a:solidFill>
-                  <a:schemeClr val="tx1"/>
-                </a:solidFill>
-                <a:latin typeface="+mn-lt"/>
-                <a:ea typeface="+mn-ea"/>
-                <a:cs typeface="+mn-cs"/>
-              </a:defRPr>
-            </a:lvl4pPr>
-            <a:lvl5pPr marL="2057400" indent="-228600" algn="l" defTabSz="914400" rtl="0" eaLnBrk="1" latinLnBrk="0" hangingPunct="1">
-              <a:lnSpc>
-                <a:spcPct val="90000"/>
-              </a:lnSpc>
-              <a:spcBef>
-                <a:spcPts val="500"/>
-              </a:spcBef>
-              <a:buFont typeface="Arial" panose="020B0604020202020204" pitchFamily="34" charset="0"/>
-              <a:buChar char="•"/>
-              <a:defRPr sz="1800" kern="1200">
-                <a:solidFill>
-                  <a:schemeClr val="tx1"/>
-                </a:solidFill>
-                <a:latin typeface="+mn-lt"/>
-                <a:ea typeface="+mn-ea"/>
-                <a:cs typeface="+mn-cs"/>
-              </a:defRPr>
-            </a:lvl5pPr>
-            <a:lvl6pPr marL="2514600" indent="-228600" algn="l" defTabSz="914400" rtl="0" eaLnBrk="1" latinLnBrk="0" hangingPunct="1">
-              <a:lnSpc>
-                <a:spcPct val="90000"/>
-              </a:lnSpc>
-              <a:spcBef>
-                <a:spcPts val="500"/>
-              </a:spcBef>
-              <a:buFont typeface="Arial" panose="020B0604020202020204" pitchFamily="34" charset="0"/>
-              <a:buChar char="•"/>
-              <a:defRPr sz="1800" kern="1200">
-                <a:solidFill>
-                  <a:schemeClr val="tx1"/>
-                </a:solidFill>
-                <a:latin typeface="+mn-lt"/>
-                <a:ea typeface="+mn-ea"/>
-                <a:cs typeface="+mn-cs"/>
-              </a:defRPr>
-            </a:lvl6pPr>
-            <a:lvl7pPr marL="2971800" indent="-228600" algn="l" defTabSz="914400" rtl="0" eaLnBrk="1" latinLnBrk="0" hangingPunct="1">
-              <a:lnSpc>
-                <a:spcPct val="90000"/>
-              </a:lnSpc>
-              <a:spcBef>
-                <a:spcPts val="500"/>
-              </a:spcBef>
-              <a:buFont typeface="Arial" panose="020B0604020202020204" pitchFamily="34" charset="0"/>
-              <a:buChar char="•"/>
-              <a:defRPr sz="1800" kern="1200">
-                <a:solidFill>
-                  <a:schemeClr val="tx1"/>
-                </a:solidFill>
-                <a:latin typeface="+mn-lt"/>
-                <a:ea typeface="+mn-ea"/>
-                <a:cs typeface="+mn-cs"/>
-              </a:defRPr>
-            </a:lvl7pPr>
-            <a:lvl8pPr marL="3429000" indent="-228600" algn="l" defTabSz="914400" rtl="0" eaLnBrk="1" latinLnBrk="0" hangingPunct="1">
-              <a:lnSpc>
-                <a:spcPct val="90000"/>
-              </a:lnSpc>
-              <a:spcBef>
-                <a:spcPts val="500"/>
-              </a:spcBef>
-              <a:buFont typeface="Arial" panose="020B0604020202020204" pitchFamily="34" charset="0"/>
-              <a:buChar char="•"/>
-              <a:defRPr sz="1800" kern="1200">
-                <a:solidFill>
-                  <a:schemeClr val="tx1"/>
-                </a:solidFill>
-                <a:latin typeface="+mn-lt"/>
-                <a:ea typeface="+mn-ea"/>
-                <a:cs typeface="+mn-cs"/>
-              </a:defRPr>
-            </a:lvl8pPr>
-            <a:lvl9pPr marL="3886200" indent="-228600" algn="l" defTabSz="914400" rtl="0" eaLnBrk="1" latinLnBrk="0" hangingPunct="1">
-              <a:lnSpc>
-                <a:spcPct val="90000"/>
-              </a:lnSpc>
-              <a:spcBef>
-                <a:spcPts val="500"/>
-              </a:spcBef>
-              <a:buFont typeface="Arial" panose="020B0604020202020204" pitchFamily="34" charset="0"/>
-              <a:buChar char="•"/>
-              <a:defRPr sz="1800" kern="1200">
-                <a:solidFill>
-                  <a:schemeClr val="tx1"/>
-                </a:solidFill>
-                <a:latin typeface="+mn-lt"/>
-                <a:ea typeface="+mn-ea"/>
-                <a:cs typeface="+mn-cs"/>
-              </a:defRPr>
-            </a:lvl9pPr>
-          </a:lstStyle>
-          <a:p>
-            <a:endParaRPr lang="ru-RU" sz="3600" dirty="0"/>
-          </a:p>
-          <a:p>
-            <a:pPr marL="0" indent="0">
-              <a:buFont typeface="Arial" panose="020B0604020202020204" pitchFamily="34" charset="0"/>
-              <a:buNone/>
-            </a:pPr>
-            <a:endParaRPr lang="ru-RU" sz="3600" dirty="0"/>
-          </a:p>
-        </p:txBody>
-      </p:sp>
-      <p:sp>
-        <p:nvSpPr>
-          <p:cNvPr id="4" name="TextBox 3"/>
-          <p:cNvSpPr txBox="1"/>
-          <p:nvPr/>
-        </p:nvSpPr>
-        <p:spPr>
-          <a:xfrm>
-            <a:off x="838200" y="1326777"/>
-            <a:ext cx="8050306" cy="369332"/>
-          </a:xfrm>
-          <a:prstGeom prst="rect">
-            <a:avLst/>
-          </a:prstGeom>
-          <a:noFill/>
-        </p:spPr>
-        <p:txBody>
-          <a:bodyPr wrap="square" rtlCol="0">
-            <a:spAutoFit/>
-          </a:bodyPr>
-          <a:lstStyle/>
-          <a:p>
-            <a:r>
-              <a:rPr lang="ru-RU" dirty="0"/>
-              <a:t>Соответствует линейной модели? Вес </a:t>
-            </a:r>
-            <a:r>
-              <a:rPr lang="en-US" dirty="0"/>
-              <a:t>vs </a:t>
-            </a:r>
-            <a:r>
-              <a:rPr lang="ru-RU" dirty="0"/>
-              <a:t>Возраст</a:t>
+              <a:t>Кое что ещё</a:t>
             </a:r>
           </a:p>
         </p:txBody>
       </p:sp>
       <p:pic>
         <p:nvPicPr>
-          <p:cNvPr id="7" name="Рисунок 6"/>
+          <p:cNvPr id="7" name="Рисунок 6">
+            <a:extLst>
+              <a:ext uri="{FF2B5EF4-FFF2-40B4-BE49-F238E27FC236}">
+                <a16:creationId xmlns:a16="http://schemas.microsoft.com/office/drawing/2014/main" id="{68AC931C-65AF-4D51-95C8-FD286BDFAE3E}"/>
+              </a:ext>
+            </a:extLst>
+          </p:cNvPr>
           <p:cNvPicPr>
             <a:picLocks noChangeAspect="1"/>
           </p:cNvPicPr>
@@ -8155,8 +7243,8 @@
         </p:blipFill>
         <p:spPr>
           <a:xfrm>
-            <a:off x="838200" y="1696109"/>
-            <a:ext cx="4981575" cy="533400"/>
+            <a:off x="5702958" y="1711104"/>
+            <a:ext cx="6385711" cy="3814398"/>
           </a:xfrm>
           <a:prstGeom prst="rect">
             <a:avLst/>
@@ -8165,7 +7253,13 @@
       </p:pic>
       <p:pic>
         <p:nvPicPr>
-          <p:cNvPr id="10" name="Рисунок 9"/>
+          <p:cNvPr id="8" name="Рисунок 7">
+            <a:extLst>
+              <a:ext uri="{FF2B5EF4-FFF2-40B4-BE49-F238E27FC236}">
+                <a16:creationId xmlns:a16="http://schemas.microsoft.com/office/drawing/2014/main" id="{7ED87833-747C-4835-99CD-9AE565F940F4}"/>
+              </a:ext>
+            </a:extLst>
+          </p:cNvPr>
           <p:cNvPicPr>
             <a:picLocks noChangeAspect="1"/>
           </p:cNvPicPr>
@@ -8179,8 +7273,8 @@
         </p:blipFill>
         <p:spPr>
           <a:xfrm>
-            <a:off x="838200" y="2364847"/>
-            <a:ext cx="5410200" cy="3905250"/>
+            <a:off x="103331" y="1711104"/>
+            <a:ext cx="5234629" cy="3851495"/>
           </a:xfrm>
           <a:prstGeom prst="rect">
             <a:avLst/>
@@ -8190,7 +7284,7 @@
     </p:spTree>
     <p:extLst>
       <p:ext uri="{BB962C8B-B14F-4D97-AF65-F5344CB8AC3E}">
-        <p14:creationId xmlns:p14="http://schemas.microsoft.com/office/powerpoint/2010/main" val="3254384011"/>
+        <p14:creationId xmlns:p14="http://schemas.microsoft.com/office/powerpoint/2010/main" val="1848125793"/>
       </p:ext>
     </p:extLst>
   </p:cSld>
@@ -8372,3475 +7466,53 @@
             <p:ph type="title"/>
           </p:nvPr>
         </p:nvSpPr>
-        <p:spPr>
-          <a:xfrm>
-            <a:off x="838200" y="246548"/>
-            <a:ext cx="10515600" cy="1196770"/>
-          </a:xfrm>
-        </p:spPr>
-        <p:txBody>
-          <a:bodyPr>
-            <a:normAutofit/>
-          </a:bodyPr>
+        <p:spPr/>
+        <p:txBody>
+          <a:bodyPr/>
           <a:lstStyle/>
           <a:p>
             <a:r>
               <a:rPr lang="ru-RU" dirty="0"/>
-              <a:t>Простая статистическая проверка</a:t>
-            </a:r>
-          </a:p>
-        </p:txBody>
-      </p:sp>
-      <p:sp>
-        <p:nvSpPr>
-          <p:cNvPr id="6" name="Объект 2"/>
-          <p:cNvSpPr txBox="1">
-            <a:spLocks/>
-          </p:cNvSpPr>
-          <p:nvPr/>
-        </p:nvSpPr>
-        <p:spPr>
-          <a:xfrm>
-            <a:off x="838200" y="3529275"/>
-            <a:ext cx="10515600" cy="2740822"/>
-          </a:xfrm>
-          <a:prstGeom prst="rect">
-            <a:avLst/>
-          </a:prstGeom>
-        </p:spPr>
-        <p:txBody>
-          <a:bodyPr vert="horz" lIns="91440" tIns="45720" rIns="91440" bIns="45720" rtlCol="0">
-            <a:normAutofit/>
-          </a:bodyPr>
-          <a:lstStyle>
-            <a:lvl1pPr marL="228600" indent="-228600" algn="l" defTabSz="914400" rtl="0" eaLnBrk="1" latinLnBrk="0" hangingPunct="1">
-              <a:lnSpc>
-                <a:spcPct val="90000"/>
-              </a:lnSpc>
-              <a:spcBef>
-                <a:spcPts val="1000"/>
-              </a:spcBef>
-              <a:buFont typeface="Arial" panose="020B0604020202020204" pitchFamily="34" charset="0"/>
-              <a:buChar char="•"/>
-              <a:defRPr sz="2800" kern="1200">
-                <a:solidFill>
-                  <a:schemeClr val="tx1"/>
-                </a:solidFill>
-                <a:latin typeface="+mn-lt"/>
-                <a:ea typeface="+mn-ea"/>
-                <a:cs typeface="+mn-cs"/>
-              </a:defRPr>
-            </a:lvl1pPr>
-            <a:lvl2pPr marL="685800" indent="-228600" algn="l" defTabSz="914400" rtl="0" eaLnBrk="1" latinLnBrk="0" hangingPunct="1">
-              <a:lnSpc>
-                <a:spcPct val="90000"/>
-              </a:lnSpc>
-              <a:spcBef>
-                <a:spcPts val="500"/>
-              </a:spcBef>
-              <a:buFont typeface="Arial" panose="020B0604020202020204" pitchFamily="34" charset="0"/>
-              <a:buChar char="•"/>
-              <a:defRPr sz="2400" kern="1200">
-                <a:solidFill>
-                  <a:schemeClr val="tx1"/>
-                </a:solidFill>
-                <a:latin typeface="+mn-lt"/>
-                <a:ea typeface="+mn-ea"/>
-                <a:cs typeface="+mn-cs"/>
-              </a:defRPr>
-            </a:lvl2pPr>
-            <a:lvl3pPr marL="1143000" indent="-228600" algn="l" defTabSz="914400" rtl="0" eaLnBrk="1" latinLnBrk="0" hangingPunct="1">
-              <a:lnSpc>
-                <a:spcPct val="90000"/>
-              </a:lnSpc>
-              <a:spcBef>
-                <a:spcPts val="500"/>
-              </a:spcBef>
-              <a:buFont typeface="Arial" panose="020B0604020202020204" pitchFamily="34" charset="0"/>
-              <a:buChar char="•"/>
-              <a:defRPr sz="2000" kern="1200">
-                <a:solidFill>
-                  <a:schemeClr val="tx1"/>
-                </a:solidFill>
-                <a:latin typeface="+mn-lt"/>
-                <a:ea typeface="+mn-ea"/>
-                <a:cs typeface="+mn-cs"/>
-              </a:defRPr>
-            </a:lvl3pPr>
-            <a:lvl4pPr marL="1600200" indent="-228600" algn="l" defTabSz="914400" rtl="0" eaLnBrk="1" latinLnBrk="0" hangingPunct="1">
-              <a:lnSpc>
-                <a:spcPct val="90000"/>
-              </a:lnSpc>
-              <a:spcBef>
-                <a:spcPts val="500"/>
-              </a:spcBef>
-              <a:buFont typeface="Arial" panose="020B0604020202020204" pitchFamily="34" charset="0"/>
-              <a:buChar char="•"/>
-              <a:defRPr sz="1800" kern="1200">
-                <a:solidFill>
-                  <a:schemeClr val="tx1"/>
-                </a:solidFill>
-                <a:latin typeface="+mn-lt"/>
-                <a:ea typeface="+mn-ea"/>
-                <a:cs typeface="+mn-cs"/>
-              </a:defRPr>
-            </a:lvl4pPr>
-            <a:lvl5pPr marL="2057400" indent="-228600" algn="l" defTabSz="914400" rtl="0" eaLnBrk="1" latinLnBrk="0" hangingPunct="1">
-              <a:lnSpc>
-                <a:spcPct val="90000"/>
-              </a:lnSpc>
-              <a:spcBef>
-                <a:spcPts val="500"/>
-              </a:spcBef>
-              <a:buFont typeface="Arial" panose="020B0604020202020204" pitchFamily="34" charset="0"/>
-              <a:buChar char="•"/>
-              <a:defRPr sz="1800" kern="1200">
-                <a:solidFill>
-                  <a:schemeClr val="tx1"/>
-                </a:solidFill>
-                <a:latin typeface="+mn-lt"/>
-                <a:ea typeface="+mn-ea"/>
-                <a:cs typeface="+mn-cs"/>
-              </a:defRPr>
-            </a:lvl5pPr>
-            <a:lvl6pPr marL="2514600" indent="-228600" algn="l" defTabSz="914400" rtl="0" eaLnBrk="1" latinLnBrk="0" hangingPunct="1">
-              <a:lnSpc>
-                <a:spcPct val="90000"/>
-              </a:lnSpc>
-              <a:spcBef>
-                <a:spcPts val="500"/>
-              </a:spcBef>
-              <a:buFont typeface="Arial" panose="020B0604020202020204" pitchFamily="34" charset="0"/>
-              <a:buChar char="•"/>
-              <a:defRPr sz="1800" kern="1200">
-                <a:solidFill>
-                  <a:schemeClr val="tx1"/>
-                </a:solidFill>
-                <a:latin typeface="+mn-lt"/>
-                <a:ea typeface="+mn-ea"/>
-                <a:cs typeface="+mn-cs"/>
-              </a:defRPr>
-            </a:lvl6pPr>
-            <a:lvl7pPr marL="2971800" indent="-228600" algn="l" defTabSz="914400" rtl="0" eaLnBrk="1" latinLnBrk="0" hangingPunct="1">
-              <a:lnSpc>
-                <a:spcPct val="90000"/>
-              </a:lnSpc>
-              <a:spcBef>
-                <a:spcPts val="500"/>
-              </a:spcBef>
-              <a:buFont typeface="Arial" panose="020B0604020202020204" pitchFamily="34" charset="0"/>
-              <a:buChar char="•"/>
-              <a:defRPr sz="1800" kern="1200">
-                <a:solidFill>
-                  <a:schemeClr val="tx1"/>
-                </a:solidFill>
-                <a:latin typeface="+mn-lt"/>
-                <a:ea typeface="+mn-ea"/>
-                <a:cs typeface="+mn-cs"/>
-              </a:defRPr>
-            </a:lvl7pPr>
-            <a:lvl8pPr marL="3429000" indent="-228600" algn="l" defTabSz="914400" rtl="0" eaLnBrk="1" latinLnBrk="0" hangingPunct="1">
-              <a:lnSpc>
-                <a:spcPct val="90000"/>
-              </a:lnSpc>
-              <a:spcBef>
-                <a:spcPts val="500"/>
-              </a:spcBef>
-              <a:buFont typeface="Arial" panose="020B0604020202020204" pitchFamily="34" charset="0"/>
-              <a:buChar char="•"/>
-              <a:defRPr sz="1800" kern="1200">
-                <a:solidFill>
-                  <a:schemeClr val="tx1"/>
-                </a:solidFill>
-                <a:latin typeface="+mn-lt"/>
-                <a:ea typeface="+mn-ea"/>
-                <a:cs typeface="+mn-cs"/>
-              </a:defRPr>
-            </a:lvl8pPr>
-            <a:lvl9pPr marL="3886200" indent="-228600" algn="l" defTabSz="914400" rtl="0" eaLnBrk="1" latinLnBrk="0" hangingPunct="1">
-              <a:lnSpc>
-                <a:spcPct val="90000"/>
-              </a:lnSpc>
-              <a:spcBef>
-                <a:spcPts val="500"/>
-              </a:spcBef>
-              <a:buFont typeface="Arial" panose="020B0604020202020204" pitchFamily="34" charset="0"/>
-              <a:buChar char="•"/>
-              <a:defRPr sz="1800" kern="1200">
-                <a:solidFill>
-                  <a:schemeClr val="tx1"/>
-                </a:solidFill>
-                <a:latin typeface="+mn-lt"/>
-                <a:ea typeface="+mn-ea"/>
-                <a:cs typeface="+mn-cs"/>
-              </a:defRPr>
-            </a:lvl9pPr>
-          </a:lstStyle>
-          <a:p>
-            <a:endParaRPr lang="ru-RU" sz="3600" dirty="0"/>
-          </a:p>
-          <a:p>
-            <a:pPr marL="0" indent="0">
-              <a:buFont typeface="Arial" panose="020B0604020202020204" pitchFamily="34" charset="0"/>
-              <a:buNone/>
-            </a:pPr>
-            <a:endParaRPr lang="ru-RU" sz="3600" dirty="0"/>
-          </a:p>
-        </p:txBody>
-      </p:sp>
-      <p:sp>
-        <p:nvSpPr>
-          <p:cNvPr id="4" name="TextBox 3"/>
-          <p:cNvSpPr txBox="1"/>
-          <p:nvPr/>
-        </p:nvSpPr>
-        <p:spPr>
-          <a:xfrm>
-            <a:off x="838200" y="1326777"/>
-            <a:ext cx="8050306" cy="369332"/>
-          </a:xfrm>
-          <a:prstGeom prst="rect">
-            <a:avLst/>
-          </a:prstGeom>
-          <a:noFill/>
-        </p:spPr>
-        <p:txBody>
-          <a:bodyPr wrap="square" rtlCol="0">
-            <a:spAutoFit/>
-          </a:bodyPr>
-          <a:lstStyle/>
-          <a:p>
-            <a:r>
-              <a:rPr lang="ru-RU" dirty="0"/>
-              <a:t>Сложно представить? Используйте графику</a:t>
-            </a:r>
-          </a:p>
-        </p:txBody>
-      </p:sp>
-      <p:pic>
-        <p:nvPicPr>
-          <p:cNvPr id="5" name="Рисунок 4"/>
-          <p:cNvPicPr>
-            <a:picLocks noChangeAspect="1"/>
-          </p:cNvPicPr>
-          <p:nvPr/>
-        </p:nvPicPr>
-        <p:blipFill>
-          <a:blip r:embed="rId3"/>
-          <a:stretch>
-            <a:fillRect/>
-          </a:stretch>
-        </p:blipFill>
-        <p:spPr>
-          <a:xfrm>
-            <a:off x="847235" y="1916057"/>
-            <a:ext cx="1628775" cy="238125"/>
-          </a:xfrm>
-          <a:prstGeom prst="rect">
-            <a:avLst/>
-          </a:prstGeom>
-        </p:spPr>
-      </p:pic>
-      <p:pic>
-        <p:nvPicPr>
-          <p:cNvPr id="8" name="Рисунок 7"/>
-          <p:cNvPicPr>
-            <a:picLocks noChangeAspect="1"/>
-          </p:cNvPicPr>
-          <p:nvPr/>
-        </p:nvPicPr>
-        <p:blipFill>
-          <a:blip r:embed="rId4"/>
-          <a:stretch>
-            <a:fillRect/>
-          </a:stretch>
-        </p:blipFill>
-        <p:spPr>
-          <a:xfrm>
-            <a:off x="560995" y="2523547"/>
-            <a:ext cx="6156776" cy="4006285"/>
-          </a:xfrm>
-          <a:prstGeom prst="rect">
-            <a:avLst/>
-          </a:prstGeom>
-        </p:spPr>
-      </p:pic>
-      <p:pic>
-        <p:nvPicPr>
-          <p:cNvPr id="3" name="Рисунок 2"/>
-          <p:cNvPicPr>
-            <a:picLocks noChangeAspect="1"/>
-          </p:cNvPicPr>
-          <p:nvPr/>
-        </p:nvPicPr>
-        <p:blipFill>
-          <a:blip r:embed="rId5"/>
-          <a:stretch>
-            <a:fillRect/>
-          </a:stretch>
-        </p:blipFill>
-        <p:spPr>
-          <a:xfrm>
-            <a:off x="6029466" y="1397001"/>
-            <a:ext cx="6291822" cy="4264547"/>
-          </a:xfrm>
-          <a:prstGeom prst="rect">
-            <a:avLst/>
-          </a:prstGeom>
-        </p:spPr>
-      </p:pic>
+              <a:t>Домашнее задание</a:t>
+            </a:r>
+          </a:p>
+        </p:txBody>
+      </p:sp>
+      <p:sp>
+        <p:nvSpPr>
+          <p:cNvPr id="3" name="Объект 2"/>
+          <p:cNvSpPr>
+            <a:spLocks noGrp="1"/>
+          </p:cNvSpPr>
+          <p:nvPr>
+            <p:ph idx="1"/>
+          </p:nvPr>
+        </p:nvSpPr>
+        <p:spPr/>
+        <p:txBody>
+          <a:bodyPr/>
+          <a:lstStyle/>
+          <a:p>
+            <a:r>
+              <a:rPr lang="ru-RU" i="1" dirty="0"/>
+              <a:t>5.1</a:t>
+            </a:r>
+            <a:r>
+              <a:rPr lang="en-US" i="1" dirty="0"/>
+              <a:t>_</a:t>
+            </a:r>
+            <a:r>
+              <a:rPr lang="en-US" i="1" dirty="0" err="1"/>
+              <a:t>lab.R</a:t>
+            </a:r>
+            <a:endParaRPr lang="ru-RU" i="1" dirty="0"/>
+          </a:p>
+        </p:txBody>
+      </p:sp>
     </p:spTree>
     <p:extLst>
       <p:ext uri="{BB962C8B-B14F-4D97-AF65-F5344CB8AC3E}">
-        <p14:creationId xmlns:p14="http://schemas.microsoft.com/office/powerpoint/2010/main" val="803391475"/>
-      </p:ext>
-    </p:extLst>
-  </p:cSld>
-  <p:clrMapOvr>
-    <a:masterClrMapping/>
-  </p:clrMapOvr>
-</p:sld>
-</file>
-
-<file path=ppt/slides/slide21.xml><?xml version="1.0" encoding="utf-8"?>
-<p:sld xmlns:a="http://schemas.openxmlformats.org/drawingml/2006/main" xmlns:r="http://schemas.openxmlformats.org/officeDocument/2006/relationships" xmlns:p="http://schemas.openxmlformats.org/presentationml/2006/main">
-  <p:cSld>
-    <p:spTree>
-      <p:nvGrpSpPr>
-        <p:cNvPr id="1" name=""/>
-        <p:cNvGrpSpPr/>
-        <p:nvPr/>
-      </p:nvGrpSpPr>
-      <p:grpSpPr>
-        <a:xfrm>
-          <a:off x="0" y="0"/>
-          <a:ext cx="0" cy="0"/>
-          <a:chOff x="0" y="0"/>
-          <a:chExt cx="0" cy="0"/>
-        </a:xfrm>
-      </p:grpSpPr>
-      <p:sp>
-        <p:nvSpPr>
-          <p:cNvPr id="2" name="Заголовок 1"/>
-          <p:cNvSpPr>
-            <a:spLocks noGrp="1"/>
-          </p:cNvSpPr>
-          <p:nvPr>
-            <p:ph type="title"/>
-          </p:nvPr>
-        </p:nvSpPr>
-        <p:spPr>
-          <a:xfrm>
-            <a:off x="838200" y="246548"/>
-            <a:ext cx="10515600" cy="1196770"/>
-          </a:xfrm>
-        </p:spPr>
-        <p:txBody>
-          <a:bodyPr>
-            <a:normAutofit/>
-          </a:bodyPr>
-          <a:lstStyle/>
-          <a:p>
-            <a:r>
-              <a:rPr lang="ru-RU" dirty="0"/>
-              <a:t>Определение отклонений</a:t>
-            </a:r>
-          </a:p>
-        </p:txBody>
-      </p:sp>
-      <p:sp>
-        <p:nvSpPr>
-          <p:cNvPr id="6" name="Объект 2"/>
-          <p:cNvSpPr txBox="1">
-            <a:spLocks/>
-          </p:cNvSpPr>
-          <p:nvPr/>
-        </p:nvSpPr>
-        <p:spPr>
-          <a:xfrm>
-            <a:off x="838200" y="3529275"/>
-            <a:ext cx="10515600" cy="2740822"/>
-          </a:xfrm>
-          <a:prstGeom prst="rect">
-            <a:avLst/>
-          </a:prstGeom>
-        </p:spPr>
-        <p:txBody>
-          <a:bodyPr vert="horz" lIns="91440" tIns="45720" rIns="91440" bIns="45720" rtlCol="0">
-            <a:normAutofit/>
-          </a:bodyPr>
-          <a:lstStyle>
-            <a:lvl1pPr marL="228600" indent="-228600" algn="l" defTabSz="914400" rtl="0" eaLnBrk="1" latinLnBrk="0" hangingPunct="1">
-              <a:lnSpc>
-                <a:spcPct val="90000"/>
-              </a:lnSpc>
-              <a:spcBef>
-                <a:spcPts val="1000"/>
-              </a:spcBef>
-              <a:buFont typeface="Arial" panose="020B0604020202020204" pitchFamily="34" charset="0"/>
-              <a:buChar char="•"/>
-              <a:defRPr sz="2800" kern="1200">
-                <a:solidFill>
-                  <a:schemeClr val="tx1"/>
-                </a:solidFill>
-                <a:latin typeface="+mn-lt"/>
-                <a:ea typeface="+mn-ea"/>
-                <a:cs typeface="+mn-cs"/>
-              </a:defRPr>
-            </a:lvl1pPr>
-            <a:lvl2pPr marL="685800" indent="-228600" algn="l" defTabSz="914400" rtl="0" eaLnBrk="1" latinLnBrk="0" hangingPunct="1">
-              <a:lnSpc>
-                <a:spcPct val="90000"/>
-              </a:lnSpc>
-              <a:spcBef>
-                <a:spcPts val="500"/>
-              </a:spcBef>
-              <a:buFont typeface="Arial" panose="020B0604020202020204" pitchFamily="34" charset="0"/>
-              <a:buChar char="•"/>
-              <a:defRPr sz="2400" kern="1200">
-                <a:solidFill>
-                  <a:schemeClr val="tx1"/>
-                </a:solidFill>
-                <a:latin typeface="+mn-lt"/>
-                <a:ea typeface="+mn-ea"/>
-                <a:cs typeface="+mn-cs"/>
-              </a:defRPr>
-            </a:lvl2pPr>
-            <a:lvl3pPr marL="1143000" indent="-228600" algn="l" defTabSz="914400" rtl="0" eaLnBrk="1" latinLnBrk="0" hangingPunct="1">
-              <a:lnSpc>
-                <a:spcPct val="90000"/>
-              </a:lnSpc>
-              <a:spcBef>
-                <a:spcPts val="500"/>
-              </a:spcBef>
-              <a:buFont typeface="Arial" panose="020B0604020202020204" pitchFamily="34" charset="0"/>
-              <a:buChar char="•"/>
-              <a:defRPr sz="2000" kern="1200">
-                <a:solidFill>
-                  <a:schemeClr val="tx1"/>
-                </a:solidFill>
-                <a:latin typeface="+mn-lt"/>
-                <a:ea typeface="+mn-ea"/>
-                <a:cs typeface="+mn-cs"/>
-              </a:defRPr>
-            </a:lvl3pPr>
-            <a:lvl4pPr marL="1600200" indent="-228600" algn="l" defTabSz="914400" rtl="0" eaLnBrk="1" latinLnBrk="0" hangingPunct="1">
-              <a:lnSpc>
-                <a:spcPct val="90000"/>
-              </a:lnSpc>
-              <a:spcBef>
-                <a:spcPts val="500"/>
-              </a:spcBef>
-              <a:buFont typeface="Arial" panose="020B0604020202020204" pitchFamily="34" charset="0"/>
-              <a:buChar char="•"/>
-              <a:defRPr sz="1800" kern="1200">
-                <a:solidFill>
-                  <a:schemeClr val="tx1"/>
-                </a:solidFill>
-                <a:latin typeface="+mn-lt"/>
-                <a:ea typeface="+mn-ea"/>
-                <a:cs typeface="+mn-cs"/>
-              </a:defRPr>
-            </a:lvl4pPr>
-            <a:lvl5pPr marL="2057400" indent="-228600" algn="l" defTabSz="914400" rtl="0" eaLnBrk="1" latinLnBrk="0" hangingPunct="1">
-              <a:lnSpc>
-                <a:spcPct val="90000"/>
-              </a:lnSpc>
-              <a:spcBef>
-                <a:spcPts val="500"/>
-              </a:spcBef>
-              <a:buFont typeface="Arial" panose="020B0604020202020204" pitchFamily="34" charset="0"/>
-              <a:buChar char="•"/>
-              <a:defRPr sz="1800" kern="1200">
-                <a:solidFill>
-                  <a:schemeClr val="tx1"/>
-                </a:solidFill>
-                <a:latin typeface="+mn-lt"/>
-                <a:ea typeface="+mn-ea"/>
-                <a:cs typeface="+mn-cs"/>
-              </a:defRPr>
-            </a:lvl5pPr>
-            <a:lvl6pPr marL="2514600" indent="-228600" algn="l" defTabSz="914400" rtl="0" eaLnBrk="1" latinLnBrk="0" hangingPunct="1">
-              <a:lnSpc>
-                <a:spcPct val="90000"/>
-              </a:lnSpc>
-              <a:spcBef>
-                <a:spcPts val="500"/>
-              </a:spcBef>
-              <a:buFont typeface="Arial" panose="020B0604020202020204" pitchFamily="34" charset="0"/>
-              <a:buChar char="•"/>
-              <a:defRPr sz="1800" kern="1200">
-                <a:solidFill>
-                  <a:schemeClr val="tx1"/>
-                </a:solidFill>
-                <a:latin typeface="+mn-lt"/>
-                <a:ea typeface="+mn-ea"/>
-                <a:cs typeface="+mn-cs"/>
-              </a:defRPr>
-            </a:lvl6pPr>
-            <a:lvl7pPr marL="2971800" indent="-228600" algn="l" defTabSz="914400" rtl="0" eaLnBrk="1" latinLnBrk="0" hangingPunct="1">
-              <a:lnSpc>
-                <a:spcPct val="90000"/>
-              </a:lnSpc>
-              <a:spcBef>
-                <a:spcPts val="500"/>
-              </a:spcBef>
-              <a:buFont typeface="Arial" panose="020B0604020202020204" pitchFamily="34" charset="0"/>
-              <a:buChar char="•"/>
-              <a:defRPr sz="1800" kern="1200">
-                <a:solidFill>
-                  <a:schemeClr val="tx1"/>
-                </a:solidFill>
-                <a:latin typeface="+mn-lt"/>
-                <a:ea typeface="+mn-ea"/>
-                <a:cs typeface="+mn-cs"/>
-              </a:defRPr>
-            </a:lvl7pPr>
-            <a:lvl8pPr marL="3429000" indent="-228600" algn="l" defTabSz="914400" rtl="0" eaLnBrk="1" latinLnBrk="0" hangingPunct="1">
-              <a:lnSpc>
-                <a:spcPct val="90000"/>
-              </a:lnSpc>
-              <a:spcBef>
-                <a:spcPts val="500"/>
-              </a:spcBef>
-              <a:buFont typeface="Arial" panose="020B0604020202020204" pitchFamily="34" charset="0"/>
-              <a:buChar char="•"/>
-              <a:defRPr sz="1800" kern="1200">
-                <a:solidFill>
-                  <a:schemeClr val="tx1"/>
-                </a:solidFill>
-                <a:latin typeface="+mn-lt"/>
-                <a:ea typeface="+mn-ea"/>
-                <a:cs typeface="+mn-cs"/>
-              </a:defRPr>
-            </a:lvl8pPr>
-            <a:lvl9pPr marL="3886200" indent="-228600" algn="l" defTabSz="914400" rtl="0" eaLnBrk="1" latinLnBrk="0" hangingPunct="1">
-              <a:lnSpc>
-                <a:spcPct val="90000"/>
-              </a:lnSpc>
-              <a:spcBef>
-                <a:spcPts val="500"/>
-              </a:spcBef>
-              <a:buFont typeface="Arial" panose="020B0604020202020204" pitchFamily="34" charset="0"/>
-              <a:buChar char="•"/>
-              <a:defRPr sz="1800" kern="1200">
-                <a:solidFill>
-                  <a:schemeClr val="tx1"/>
-                </a:solidFill>
-                <a:latin typeface="+mn-lt"/>
-                <a:ea typeface="+mn-ea"/>
-                <a:cs typeface="+mn-cs"/>
-              </a:defRPr>
-            </a:lvl9pPr>
-          </a:lstStyle>
-          <a:p>
-            <a:endParaRPr lang="ru-RU" sz="3600" dirty="0"/>
-          </a:p>
-          <a:p>
-            <a:pPr marL="0" indent="0">
-              <a:buFont typeface="Arial" panose="020B0604020202020204" pitchFamily="34" charset="0"/>
-              <a:buNone/>
-            </a:pPr>
-            <a:endParaRPr lang="ru-RU" sz="3600" dirty="0"/>
-          </a:p>
-        </p:txBody>
-      </p:sp>
-      <p:sp>
-        <p:nvSpPr>
-          <p:cNvPr id="4" name="TextBox 3"/>
-          <p:cNvSpPr txBox="1"/>
-          <p:nvPr/>
-        </p:nvSpPr>
-        <p:spPr>
-          <a:xfrm>
-            <a:off x="838200" y="1326777"/>
-            <a:ext cx="8050306" cy="646331"/>
-          </a:xfrm>
-          <a:prstGeom prst="rect">
-            <a:avLst/>
-          </a:prstGeom>
-          <a:noFill/>
-        </p:spPr>
-        <p:txBody>
-          <a:bodyPr wrap="square" rtlCol="0">
-            <a:spAutoFit/>
-          </a:bodyPr>
-          <a:lstStyle/>
-          <a:p>
-            <a:r>
-              <a:rPr lang="ru-RU" dirty="0"/>
-              <a:t>Несложно заметить, что самая возрастная роженица и ребёнок с самым лёгким весом вносят серьёзные искажения в анализ.</a:t>
-            </a:r>
-          </a:p>
-        </p:txBody>
-      </p:sp>
-      <p:pic>
-        <p:nvPicPr>
-          <p:cNvPr id="7" name="Рисунок 6"/>
-          <p:cNvPicPr>
-            <a:picLocks noChangeAspect="1"/>
-          </p:cNvPicPr>
-          <p:nvPr/>
-        </p:nvPicPr>
-        <p:blipFill>
-          <a:blip r:embed="rId3"/>
-          <a:stretch>
-            <a:fillRect/>
-          </a:stretch>
-        </p:blipFill>
-        <p:spPr>
-          <a:xfrm>
-            <a:off x="838200" y="2248171"/>
-            <a:ext cx="5591175" cy="476250"/>
-          </a:xfrm>
-          <a:prstGeom prst="rect">
-            <a:avLst/>
-          </a:prstGeom>
-        </p:spPr>
-      </p:pic>
-      <p:pic>
-        <p:nvPicPr>
-          <p:cNvPr id="9" name="Рисунок 8"/>
-          <p:cNvPicPr>
-            <a:picLocks noChangeAspect="1"/>
-          </p:cNvPicPr>
-          <p:nvPr/>
-        </p:nvPicPr>
-        <p:blipFill>
-          <a:blip r:embed="rId4"/>
-          <a:stretch>
-            <a:fillRect/>
-          </a:stretch>
-        </p:blipFill>
-        <p:spPr>
-          <a:xfrm>
-            <a:off x="838200" y="3230019"/>
-            <a:ext cx="5286375" cy="1047750"/>
-          </a:xfrm>
-          <a:prstGeom prst="rect">
-            <a:avLst/>
-          </a:prstGeom>
-        </p:spPr>
-      </p:pic>
-      <p:pic>
-        <p:nvPicPr>
-          <p:cNvPr id="10" name="Рисунок 9"/>
-          <p:cNvPicPr>
-            <a:picLocks noChangeAspect="1"/>
-          </p:cNvPicPr>
-          <p:nvPr/>
-        </p:nvPicPr>
-        <p:blipFill>
-          <a:blip r:embed="rId5"/>
-          <a:stretch>
-            <a:fillRect/>
-          </a:stretch>
-        </p:blipFill>
-        <p:spPr>
-          <a:xfrm>
-            <a:off x="6229350" y="2999484"/>
-            <a:ext cx="5019675" cy="2790825"/>
-          </a:xfrm>
-          <a:prstGeom prst="rect">
-            <a:avLst/>
-          </a:prstGeom>
-        </p:spPr>
-      </p:pic>
-    </p:spTree>
-    <p:extLst>
-      <p:ext uri="{BB962C8B-B14F-4D97-AF65-F5344CB8AC3E}">
-        <p14:creationId xmlns:p14="http://schemas.microsoft.com/office/powerpoint/2010/main" val="1928430619"/>
-      </p:ext>
-    </p:extLst>
-  </p:cSld>
-  <p:clrMapOvr>
-    <a:masterClrMapping/>
-  </p:clrMapOvr>
-</p:sld>
-</file>
-
-<file path=ppt/slides/slide22.xml><?xml version="1.0" encoding="utf-8"?>
-<p:sld xmlns:a="http://schemas.openxmlformats.org/drawingml/2006/main" xmlns:r="http://schemas.openxmlformats.org/officeDocument/2006/relationships" xmlns:p="http://schemas.openxmlformats.org/presentationml/2006/main">
-  <p:cSld>
-    <p:spTree>
-      <p:nvGrpSpPr>
-        <p:cNvPr id="1" name=""/>
-        <p:cNvGrpSpPr/>
-        <p:nvPr/>
-      </p:nvGrpSpPr>
-      <p:grpSpPr>
-        <a:xfrm>
-          <a:off x="0" y="0"/>
-          <a:ext cx="0" cy="0"/>
-          <a:chOff x="0" y="0"/>
-          <a:chExt cx="0" cy="0"/>
-        </a:xfrm>
-      </p:grpSpPr>
-      <p:sp>
-        <p:nvSpPr>
-          <p:cNvPr id="2" name="Заголовок 1"/>
-          <p:cNvSpPr>
-            <a:spLocks noGrp="1"/>
-          </p:cNvSpPr>
-          <p:nvPr>
-            <p:ph type="title"/>
-          </p:nvPr>
-        </p:nvSpPr>
-        <p:spPr>
-          <a:xfrm>
-            <a:off x="838200" y="246548"/>
-            <a:ext cx="10515600" cy="1196770"/>
-          </a:xfrm>
-        </p:spPr>
-        <p:txBody>
-          <a:bodyPr>
-            <a:normAutofit/>
-          </a:bodyPr>
-          <a:lstStyle/>
-          <a:p>
-            <a:r>
-              <a:rPr lang="ru-RU" dirty="0"/>
-              <a:t>Более сложные модели</a:t>
-            </a:r>
-          </a:p>
-        </p:txBody>
-      </p:sp>
-      <p:sp>
-        <p:nvSpPr>
-          <p:cNvPr id="6" name="Объект 2"/>
-          <p:cNvSpPr txBox="1">
-            <a:spLocks/>
-          </p:cNvSpPr>
-          <p:nvPr/>
-        </p:nvSpPr>
-        <p:spPr>
-          <a:xfrm>
-            <a:off x="838200" y="3529275"/>
-            <a:ext cx="10515600" cy="2740822"/>
-          </a:xfrm>
-          <a:prstGeom prst="rect">
-            <a:avLst/>
-          </a:prstGeom>
-        </p:spPr>
-        <p:txBody>
-          <a:bodyPr vert="horz" lIns="91440" tIns="45720" rIns="91440" bIns="45720" rtlCol="0">
-            <a:normAutofit/>
-          </a:bodyPr>
-          <a:lstStyle>
-            <a:lvl1pPr marL="228600" indent="-228600" algn="l" defTabSz="914400" rtl="0" eaLnBrk="1" latinLnBrk="0" hangingPunct="1">
-              <a:lnSpc>
-                <a:spcPct val="90000"/>
-              </a:lnSpc>
-              <a:spcBef>
-                <a:spcPts val="1000"/>
-              </a:spcBef>
-              <a:buFont typeface="Arial" panose="020B0604020202020204" pitchFamily="34" charset="0"/>
-              <a:buChar char="•"/>
-              <a:defRPr sz="2800" kern="1200">
-                <a:solidFill>
-                  <a:schemeClr val="tx1"/>
-                </a:solidFill>
-                <a:latin typeface="+mn-lt"/>
-                <a:ea typeface="+mn-ea"/>
-                <a:cs typeface="+mn-cs"/>
-              </a:defRPr>
-            </a:lvl1pPr>
-            <a:lvl2pPr marL="685800" indent="-228600" algn="l" defTabSz="914400" rtl="0" eaLnBrk="1" latinLnBrk="0" hangingPunct="1">
-              <a:lnSpc>
-                <a:spcPct val="90000"/>
-              </a:lnSpc>
-              <a:spcBef>
-                <a:spcPts val="500"/>
-              </a:spcBef>
-              <a:buFont typeface="Arial" panose="020B0604020202020204" pitchFamily="34" charset="0"/>
-              <a:buChar char="•"/>
-              <a:defRPr sz="2400" kern="1200">
-                <a:solidFill>
-                  <a:schemeClr val="tx1"/>
-                </a:solidFill>
-                <a:latin typeface="+mn-lt"/>
-                <a:ea typeface="+mn-ea"/>
-                <a:cs typeface="+mn-cs"/>
-              </a:defRPr>
-            </a:lvl2pPr>
-            <a:lvl3pPr marL="1143000" indent="-228600" algn="l" defTabSz="914400" rtl="0" eaLnBrk="1" latinLnBrk="0" hangingPunct="1">
-              <a:lnSpc>
-                <a:spcPct val="90000"/>
-              </a:lnSpc>
-              <a:spcBef>
-                <a:spcPts val="500"/>
-              </a:spcBef>
-              <a:buFont typeface="Arial" panose="020B0604020202020204" pitchFamily="34" charset="0"/>
-              <a:buChar char="•"/>
-              <a:defRPr sz="2000" kern="1200">
-                <a:solidFill>
-                  <a:schemeClr val="tx1"/>
-                </a:solidFill>
-                <a:latin typeface="+mn-lt"/>
-                <a:ea typeface="+mn-ea"/>
-                <a:cs typeface="+mn-cs"/>
-              </a:defRPr>
-            </a:lvl3pPr>
-            <a:lvl4pPr marL="1600200" indent="-228600" algn="l" defTabSz="914400" rtl="0" eaLnBrk="1" latinLnBrk="0" hangingPunct="1">
-              <a:lnSpc>
-                <a:spcPct val="90000"/>
-              </a:lnSpc>
-              <a:spcBef>
-                <a:spcPts val="500"/>
-              </a:spcBef>
-              <a:buFont typeface="Arial" panose="020B0604020202020204" pitchFamily="34" charset="0"/>
-              <a:buChar char="•"/>
-              <a:defRPr sz="1800" kern="1200">
-                <a:solidFill>
-                  <a:schemeClr val="tx1"/>
-                </a:solidFill>
-                <a:latin typeface="+mn-lt"/>
-                <a:ea typeface="+mn-ea"/>
-                <a:cs typeface="+mn-cs"/>
-              </a:defRPr>
-            </a:lvl4pPr>
-            <a:lvl5pPr marL="2057400" indent="-228600" algn="l" defTabSz="914400" rtl="0" eaLnBrk="1" latinLnBrk="0" hangingPunct="1">
-              <a:lnSpc>
-                <a:spcPct val="90000"/>
-              </a:lnSpc>
-              <a:spcBef>
-                <a:spcPts val="500"/>
-              </a:spcBef>
-              <a:buFont typeface="Arial" panose="020B0604020202020204" pitchFamily="34" charset="0"/>
-              <a:buChar char="•"/>
-              <a:defRPr sz="1800" kern="1200">
-                <a:solidFill>
-                  <a:schemeClr val="tx1"/>
-                </a:solidFill>
-                <a:latin typeface="+mn-lt"/>
-                <a:ea typeface="+mn-ea"/>
-                <a:cs typeface="+mn-cs"/>
-              </a:defRPr>
-            </a:lvl5pPr>
-            <a:lvl6pPr marL="2514600" indent="-228600" algn="l" defTabSz="914400" rtl="0" eaLnBrk="1" latinLnBrk="0" hangingPunct="1">
-              <a:lnSpc>
-                <a:spcPct val="90000"/>
-              </a:lnSpc>
-              <a:spcBef>
-                <a:spcPts val="500"/>
-              </a:spcBef>
-              <a:buFont typeface="Arial" panose="020B0604020202020204" pitchFamily="34" charset="0"/>
-              <a:buChar char="•"/>
-              <a:defRPr sz="1800" kern="1200">
-                <a:solidFill>
-                  <a:schemeClr val="tx1"/>
-                </a:solidFill>
-                <a:latin typeface="+mn-lt"/>
-                <a:ea typeface="+mn-ea"/>
-                <a:cs typeface="+mn-cs"/>
-              </a:defRPr>
-            </a:lvl6pPr>
-            <a:lvl7pPr marL="2971800" indent="-228600" algn="l" defTabSz="914400" rtl="0" eaLnBrk="1" latinLnBrk="0" hangingPunct="1">
-              <a:lnSpc>
-                <a:spcPct val="90000"/>
-              </a:lnSpc>
-              <a:spcBef>
-                <a:spcPts val="500"/>
-              </a:spcBef>
-              <a:buFont typeface="Arial" panose="020B0604020202020204" pitchFamily="34" charset="0"/>
-              <a:buChar char="•"/>
-              <a:defRPr sz="1800" kern="1200">
-                <a:solidFill>
-                  <a:schemeClr val="tx1"/>
-                </a:solidFill>
-                <a:latin typeface="+mn-lt"/>
-                <a:ea typeface="+mn-ea"/>
-                <a:cs typeface="+mn-cs"/>
-              </a:defRPr>
-            </a:lvl7pPr>
-            <a:lvl8pPr marL="3429000" indent="-228600" algn="l" defTabSz="914400" rtl="0" eaLnBrk="1" latinLnBrk="0" hangingPunct="1">
-              <a:lnSpc>
-                <a:spcPct val="90000"/>
-              </a:lnSpc>
-              <a:spcBef>
-                <a:spcPts val="500"/>
-              </a:spcBef>
-              <a:buFont typeface="Arial" panose="020B0604020202020204" pitchFamily="34" charset="0"/>
-              <a:buChar char="•"/>
-              <a:defRPr sz="1800" kern="1200">
-                <a:solidFill>
-                  <a:schemeClr val="tx1"/>
-                </a:solidFill>
-                <a:latin typeface="+mn-lt"/>
-                <a:ea typeface="+mn-ea"/>
-                <a:cs typeface="+mn-cs"/>
-              </a:defRPr>
-            </a:lvl8pPr>
-            <a:lvl9pPr marL="3886200" indent="-228600" algn="l" defTabSz="914400" rtl="0" eaLnBrk="1" latinLnBrk="0" hangingPunct="1">
-              <a:lnSpc>
-                <a:spcPct val="90000"/>
-              </a:lnSpc>
-              <a:spcBef>
-                <a:spcPts val="500"/>
-              </a:spcBef>
-              <a:buFont typeface="Arial" panose="020B0604020202020204" pitchFamily="34" charset="0"/>
-              <a:buChar char="•"/>
-              <a:defRPr sz="1800" kern="1200">
-                <a:solidFill>
-                  <a:schemeClr val="tx1"/>
-                </a:solidFill>
-                <a:latin typeface="+mn-lt"/>
-                <a:ea typeface="+mn-ea"/>
-                <a:cs typeface="+mn-cs"/>
-              </a:defRPr>
-            </a:lvl9pPr>
-          </a:lstStyle>
-          <a:p>
-            <a:endParaRPr lang="ru-RU" sz="3600" dirty="0"/>
-          </a:p>
-          <a:p>
-            <a:pPr marL="0" indent="0">
-              <a:buFont typeface="Arial" panose="020B0604020202020204" pitchFamily="34" charset="0"/>
-              <a:buNone/>
-            </a:pPr>
-            <a:endParaRPr lang="ru-RU" sz="3600" dirty="0"/>
-          </a:p>
-        </p:txBody>
-      </p:sp>
-      <p:sp>
-        <p:nvSpPr>
-          <p:cNvPr id="4" name="TextBox 3"/>
-          <p:cNvSpPr txBox="1"/>
-          <p:nvPr/>
-        </p:nvSpPr>
-        <p:spPr>
-          <a:xfrm>
-            <a:off x="838200" y="1326777"/>
-            <a:ext cx="8050306" cy="369332"/>
-          </a:xfrm>
-          <a:prstGeom prst="rect">
-            <a:avLst/>
-          </a:prstGeom>
-          <a:noFill/>
-        </p:spPr>
-        <p:txBody>
-          <a:bodyPr wrap="square" rtlCol="0">
-            <a:spAutoFit/>
-          </a:bodyPr>
-          <a:lstStyle/>
-          <a:p>
-            <a:r>
-              <a:rPr lang="ru-RU" dirty="0"/>
-              <a:t>Добавим к возрасту склонность к курению</a:t>
-            </a:r>
-          </a:p>
-        </p:txBody>
-      </p:sp>
-      <p:pic>
-        <p:nvPicPr>
-          <p:cNvPr id="3" name="Рисунок 2"/>
-          <p:cNvPicPr>
-            <a:picLocks noChangeAspect="1"/>
-          </p:cNvPicPr>
-          <p:nvPr/>
-        </p:nvPicPr>
-        <p:blipFill>
-          <a:blip r:embed="rId3"/>
-          <a:stretch>
-            <a:fillRect/>
-          </a:stretch>
-        </p:blipFill>
-        <p:spPr>
-          <a:xfrm>
-            <a:off x="838200" y="1780293"/>
-            <a:ext cx="6867525" cy="352425"/>
-          </a:xfrm>
-          <a:prstGeom prst="rect">
-            <a:avLst/>
-          </a:prstGeom>
-        </p:spPr>
-      </p:pic>
-      <p:pic>
-        <p:nvPicPr>
-          <p:cNvPr id="5" name="Рисунок 4"/>
-          <p:cNvPicPr>
-            <a:picLocks noChangeAspect="1"/>
-          </p:cNvPicPr>
-          <p:nvPr/>
-        </p:nvPicPr>
-        <p:blipFill>
-          <a:blip r:embed="rId4"/>
-          <a:stretch>
-            <a:fillRect/>
-          </a:stretch>
-        </p:blipFill>
-        <p:spPr>
-          <a:xfrm>
-            <a:off x="838200" y="2348553"/>
-            <a:ext cx="6200775" cy="2867025"/>
-          </a:xfrm>
-          <a:prstGeom prst="rect">
-            <a:avLst/>
-          </a:prstGeom>
-        </p:spPr>
-      </p:pic>
-      <p:pic>
-        <p:nvPicPr>
-          <p:cNvPr id="8" name="Рисунок 7"/>
-          <p:cNvPicPr>
-            <a:picLocks noChangeAspect="1"/>
-          </p:cNvPicPr>
-          <p:nvPr/>
-        </p:nvPicPr>
-        <p:blipFill>
-          <a:blip r:embed="rId5"/>
-          <a:stretch>
-            <a:fillRect/>
-          </a:stretch>
-        </p:blipFill>
-        <p:spPr>
-          <a:xfrm>
-            <a:off x="6437033" y="2889255"/>
-            <a:ext cx="5518710" cy="3688598"/>
-          </a:xfrm>
-          <a:prstGeom prst="rect">
-            <a:avLst/>
-          </a:prstGeom>
-        </p:spPr>
-      </p:pic>
-    </p:spTree>
-    <p:extLst>
-      <p:ext uri="{BB962C8B-B14F-4D97-AF65-F5344CB8AC3E}">
-        <p14:creationId xmlns:p14="http://schemas.microsoft.com/office/powerpoint/2010/main" val="2069266152"/>
-      </p:ext>
-    </p:extLst>
-  </p:cSld>
-  <p:clrMapOvr>
-    <a:masterClrMapping/>
-  </p:clrMapOvr>
-</p:sld>
-</file>
-
-<file path=ppt/slides/slide23.xml><?xml version="1.0" encoding="utf-8"?>
-<p:sld xmlns:a="http://schemas.openxmlformats.org/drawingml/2006/main" xmlns:r="http://schemas.openxmlformats.org/officeDocument/2006/relationships" xmlns:p="http://schemas.openxmlformats.org/presentationml/2006/main">
-  <p:cSld>
-    <p:spTree>
-      <p:nvGrpSpPr>
-        <p:cNvPr id="1" name=""/>
-        <p:cNvGrpSpPr/>
-        <p:nvPr/>
-      </p:nvGrpSpPr>
-      <p:grpSpPr>
-        <a:xfrm>
-          <a:off x="0" y="0"/>
-          <a:ext cx="0" cy="0"/>
-          <a:chOff x="0" y="0"/>
-          <a:chExt cx="0" cy="0"/>
-        </a:xfrm>
-      </p:grpSpPr>
-      <p:sp>
-        <p:nvSpPr>
-          <p:cNvPr id="2" name="Заголовок 1"/>
-          <p:cNvSpPr>
-            <a:spLocks noGrp="1"/>
-          </p:cNvSpPr>
-          <p:nvPr>
-            <p:ph type="title"/>
-          </p:nvPr>
-        </p:nvSpPr>
-        <p:spPr>
-          <a:xfrm>
-            <a:off x="838200" y="246548"/>
-            <a:ext cx="10515600" cy="1196770"/>
-          </a:xfrm>
-        </p:spPr>
-        <p:txBody>
-          <a:bodyPr>
-            <a:normAutofit/>
-          </a:bodyPr>
-          <a:lstStyle/>
-          <a:p>
-            <a:r>
-              <a:rPr lang="ru-RU" dirty="0"/>
-              <a:t>Добавим вообще всё</a:t>
-            </a:r>
-          </a:p>
-        </p:txBody>
-      </p:sp>
-      <p:sp>
-        <p:nvSpPr>
-          <p:cNvPr id="6" name="Объект 2"/>
-          <p:cNvSpPr txBox="1">
-            <a:spLocks/>
-          </p:cNvSpPr>
-          <p:nvPr/>
-        </p:nvSpPr>
-        <p:spPr>
-          <a:xfrm>
-            <a:off x="838200" y="3529275"/>
-            <a:ext cx="10515600" cy="2740822"/>
-          </a:xfrm>
-          <a:prstGeom prst="rect">
-            <a:avLst/>
-          </a:prstGeom>
-        </p:spPr>
-        <p:txBody>
-          <a:bodyPr vert="horz" lIns="91440" tIns="45720" rIns="91440" bIns="45720" rtlCol="0">
-            <a:normAutofit/>
-          </a:bodyPr>
-          <a:lstStyle>
-            <a:lvl1pPr marL="228600" indent="-228600" algn="l" defTabSz="914400" rtl="0" eaLnBrk="1" latinLnBrk="0" hangingPunct="1">
-              <a:lnSpc>
-                <a:spcPct val="90000"/>
-              </a:lnSpc>
-              <a:spcBef>
-                <a:spcPts val="1000"/>
-              </a:spcBef>
-              <a:buFont typeface="Arial" panose="020B0604020202020204" pitchFamily="34" charset="0"/>
-              <a:buChar char="•"/>
-              <a:defRPr sz="2800" kern="1200">
-                <a:solidFill>
-                  <a:schemeClr val="tx1"/>
-                </a:solidFill>
-                <a:latin typeface="+mn-lt"/>
-                <a:ea typeface="+mn-ea"/>
-                <a:cs typeface="+mn-cs"/>
-              </a:defRPr>
-            </a:lvl1pPr>
-            <a:lvl2pPr marL="685800" indent="-228600" algn="l" defTabSz="914400" rtl="0" eaLnBrk="1" latinLnBrk="0" hangingPunct="1">
-              <a:lnSpc>
-                <a:spcPct val="90000"/>
-              </a:lnSpc>
-              <a:spcBef>
-                <a:spcPts val="500"/>
-              </a:spcBef>
-              <a:buFont typeface="Arial" panose="020B0604020202020204" pitchFamily="34" charset="0"/>
-              <a:buChar char="•"/>
-              <a:defRPr sz="2400" kern="1200">
-                <a:solidFill>
-                  <a:schemeClr val="tx1"/>
-                </a:solidFill>
-                <a:latin typeface="+mn-lt"/>
-                <a:ea typeface="+mn-ea"/>
-                <a:cs typeface="+mn-cs"/>
-              </a:defRPr>
-            </a:lvl2pPr>
-            <a:lvl3pPr marL="1143000" indent="-228600" algn="l" defTabSz="914400" rtl="0" eaLnBrk="1" latinLnBrk="0" hangingPunct="1">
-              <a:lnSpc>
-                <a:spcPct val="90000"/>
-              </a:lnSpc>
-              <a:spcBef>
-                <a:spcPts val="500"/>
-              </a:spcBef>
-              <a:buFont typeface="Arial" panose="020B0604020202020204" pitchFamily="34" charset="0"/>
-              <a:buChar char="•"/>
-              <a:defRPr sz="2000" kern="1200">
-                <a:solidFill>
-                  <a:schemeClr val="tx1"/>
-                </a:solidFill>
-                <a:latin typeface="+mn-lt"/>
-                <a:ea typeface="+mn-ea"/>
-                <a:cs typeface="+mn-cs"/>
-              </a:defRPr>
-            </a:lvl3pPr>
-            <a:lvl4pPr marL="1600200" indent="-228600" algn="l" defTabSz="914400" rtl="0" eaLnBrk="1" latinLnBrk="0" hangingPunct="1">
-              <a:lnSpc>
-                <a:spcPct val="90000"/>
-              </a:lnSpc>
-              <a:spcBef>
-                <a:spcPts val="500"/>
-              </a:spcBef>
-              <a:buFont typeface="Arial" panose="020B0604020202020204" pitchFamily="34" charset="0"/>
-              <a:buChar char="•"/>
-              <a:defRPr sz="1800" kern="1200">
-                <a:solidFill>
-                  <a:schemeClr val="tx1"/>
-                </a:solidFill>
-                <a:latin typeface="+mn-lt"/>
-                <a:ea typeface="+mn-ea"/>
-                <a:cs typeface="+mn-cs"/>
-              </a:defRPr>
-            </a:lvl4pPr>
-            <a:lvl5pPr marL="2057400" indent="-228600" algn="l" defTabSz="914400" rtl="0" eaLnBrk="1" latinLnBrk="0" hangingPunct="1">
-              <a:lnSpc>
-                <a:spcPct val="90000"/>
-              </a:lnSpc>
-              <a:spcBef>
-                <a:spcPts val="500"/>
-              </a:spcBef>
-              <a:buFont typeface="Arial" panose="020B0604020202020204" pitchFamily="34" charset="0"/>
-              <a:buChar char="•"/>
-              <a:defRPr sz="1800" kern="1200">
-                <a:solidFill>
-                  <a:schemeClr val="tx1"/>
-                </a:solidFill>
-                <a:latin typeface="+mn-lt"/>
-                <a:ea typeface="+mn-ea"/>
-                <a:cs typeface="+mn-cs"/>
-              </a:defRPr>
-            </a:lvl5pPr>
-            <a:lvl6pPr marL="2514600" indent="-228600" algn="l" defTabSz="914400" rtl="0" eaLnBrk="1" latinLnBrk="0" hangingPunct="1">
-              <a:lnSpc>
-                <a:spcPct val="90000"/>
-              </a:lnSpc>
-              <a:spcBef>
-                <a:spcPts val="500"/>
-              </a:spcBef>
-              <a:buFont typeface="Arial" panose="020B0604020202020204" pitchFamily="34" charset="0"/>
-              <a:buChar char="•"/>
-              <a:defRPr sz="1800" kern="1200">
-                <a:solidFill>
-                  <a:schemeClr val="tx1"/>
-                </a:solidFill>
-                <a:latin typeface="+mn-lt"/>
-                <a:ea typeface="+mn-ea"/>
-                <a:cs typeface="+mn-cs"/>
-              </a:defRPr>
-            </a:lvl6pPr>
-            <a:lvl7pPr marL="2971800" indent="-228600" algn="l" defTabSz="914400" rtl="0" eaLnBrk="1" latinLnBrk="0" hangingPunct="1">
-              <a:lnSpc>
-                <a:spcPct val="90000"/>
-              </a:lnSpc>
-              <a:spcBef>
-                <a:spcPts val="500"/>
-              </a:spcBef>
-              <a:buFont typeface="Arial" panose="020B0604020202020204" pitchFamily="34" charset="0"/>
-              <a:buChar char="•"/>
-              <a:defRPr sz="1800" kern="1200">
-                <a:solidFill>
-                  <a:schemeClr val="tx1"/>
-                </a:solidFill>
-                <a:latin typeface="+mn-lt"/>
-                <a:ea typeface="+mn-ea"/>
-                <a:cs typeface="+mn-cs"/>
-              </a:defRPr>
-            </a:lvl7pPr>
-            <a:lvl8pPr marL="3429000" indent="-228600" algn="l" defTabSz="914400" rtl="0" eaLnBrk="1" latinLnBrk="0" hangingPunct="1">
-              <a:lnSpc>
-                <a:spcPct val="90000"/>
-              </a:lnSpc>
-              <a:spcBef>
-                <a:spcPts val="500"/>
-              </a:spcBef>
-              <a:buFont typeface="Arial" panose="020B0604020202020204" pitchFamily="34" charset="0"/>
-              <a:buChar char="•"/>
-              <a:defRPr sz="1800" kern="1200">
-                <a:solidFill>
-                  <a:schemeClr val="tx1"/>
-                </a:solidFill>
-                <a:latin typeface="+mn-lt"/>
-                <a:ea typeface="+mn-ea"/>
-                <a:cs typeface="+mn-cs"/>
-              </a:defRPr>
-            </a:lvl8pPr>
-            <a:lvl9pPr marL="3886200" indent="-228600" algn="l" defTabSz="914400" rtl="0" eaLnBrk="1" latinLnBrk="0" hangingPunct="1">
-              <a:lnSpc>
-                <a:spcPct val="90000"/>
-              </a:lnSpc>
-              <a:spcBef>
-                <a:spcPts val="500"/>
-              </a:spcBef>
-              <a:buFont typeface="Arial" panose="020B0604020202020204" pitchFamily="34" charset="0"/>
-              <a:buChar char="•"/>
-              <a:defRPr sz="1800" kern="1200">
-                <a:solidFill>
-                  <a:schemeClr val="tx1"/>
-                </a:solidFill>
-                <a:latin typeface="+mn-lt"/>
-                <a:ea typeface="+mn-ea"/>
-                <a:cs typeface="+mn-cs"/>
-              </a:defRPr>
-            </a:lvl9pPr>
-          </a:lstStyle>
-          <a:p>
-            <a:endParaRPr lang="ru-RU" sz="3600" dirty="0"/>
-          </a:p>
-          <a:p>
-            <a:pPr marL="0" indent="0">
-              <a:buFont typeface="Arial" panose="020B0604020202020204" pitchFamily="34" charset="0"/>
-              <a:buNone/>
-            </a:pPr>
-            <a:endParaRPr lang="ru-RU" sz="3600" dirty="0"/>
-          </a:p>
-        </p:txBody>
-      </p:sp>
-      <p:sp>
-        <p:nvSpPr>
-          <p:cNvPr id="4" name="TextBox 3"/>
-          <p:cNvSpPr txBox="1"/>
-          <p:nvPr/>
-        </p:nvSpPr>
-        <p:spPr>
-          <a:xfrm>
-            <a:off x="838200" y="1326777"/>
-            <a:ext cx="8050306" cy="369332"/>
-          </a:xfrm>
-          <a:prstGeom prst="rect">
-            <a:avLst/>
-          </a:prstGeom>
-          <a:noFill/>
-        </p:spPr>
-        <p:txBody>
-          <a:bodyPr wrap="square" rtlCol="0">
-            <a:spAutoFit/>
-          </a:bodyPr>
-          <a:lstStyle/>
-          <a:p>
-            <a:r>
-              <a:rPr lang="ru-RU" dirty="0"/>
-              <a:t>Модель всё в одном</a:t>
-            </a:r>
-          </a:p>
-        </p:txBody>
-      </p:sp>
-      <p:pic>
-        <p:nvPicPr>
-          <p:cNvPr id="7" name="Рисунок 6"/>
-          <p:cNvPicPr>
-            <a:picLocks noChangeAspect="1"/>
-          </p:cNvPicPr>
-          <p:nvPr/>
-        </p:nvPicPr>
-        <p:blipFill>
-          <a:blip r:embed="rId3"/>
-          <a:stretch>
-            <a:fillRect/>
-          </a:stretch>
-        </p:blipFill>
-        <p:spPr>
-          <a:xfrm>
-            <a:off x="838200" y="1743782"/>
-            <a:ext cx="4733925" cy="390525"/>
-          </a:xfrm>
-          <a:prstGeom prst="rect">
-            <a:avLst/>
-          </a:prstGeom>
-        </p:spPr>
-      </p:pic>
-      <p:pic>
-        <p:nvPicPr>
-          <p:cNvPr id="9" name="Рисунок 8"/>
-          <p:cNvPicPr>
-            <a:picLocks noChangeAspect="1"/>
-          </p:cNvPicPr>
-          <p:nvPr/>
-        </p:nvPicPr>
-        <p:blipFill>
-          <a:blip r:embed="rId4"/>
-          <a:stretch>
-            <a:fillRect/>
-          </a:stretch>
-        </p:blipFill>
-        <p:spPr>
-          <a:xfrm>
-            <a:off x="838200" y="2262402"/>
-            <a:ext cx="8391525" cy="1657350"/>
-          </a:xfrm>
-          <a:prstGeom prst="rect">
-            <a:avLst/>
-          </a:prstGeom>
-        </p:spPr>
-      </p:pic>
-    </p:spTree>
-    <p:extLst>
-      <p:ext uri="{BB962C8B-B14F-4D97-AF65-F5344CB8AC3E}">
-        <p14:creationId xmlns:p14="http://schemas.microsoft.com/office/powerpoint/2010/main" val="2861760278"/>
-      </p:ext>
-    </p:extLst>
-  </p:cSld>
-  <p:clrMapOvr>
-    <a:masterClrMapping/>
-  </p:clrMapOvr>
-</p:sld>
-</file>
-
-<file path=ppt/slides/slide24.xml><?xml version="1.0" encoding="utf-8"?>
-<p:sld xmlns:a="http://schemas.openxmlformats.org/drawingml/2006/main" xmlns:r="http://schemas.openxmlformats.org/officeDocument/2006/relationships" xmlns:p="http://schemas.openxmlformats.org/presentationml/2006/main">
-  <p:cSld>
-    <p:spTree>
-      <p:nvGrpSpPr>
-        <p:cNvPr id="1" name=""/>
-        <p:cNvGrpSpPr/>
-        <p:nvPr/>
-      </p:nvGrpSpPr>
-      <p:grpSpPr>
-        <a:xfrm>
-          <a:off x="0" y="0"/>
-          <a:ext cx="0" cy="0"/>
-          <a:chOff x="0" y="0"/>
-          <a:chExt cx="0" cy="0"/>
-        </a:xfrm>
-      </p:grpSpPr>
-      <p:sp>
-        <p:nvSpPr>
-          <p:cNvPr id="2" name="Заголовок 1"/>
-          <p:cNvSpPr>
-            <a:spLocks noGrp="1"/>
-          </p:cNvSpPr>
-          <p:nvPr>
-            <p:ph type="title"/>
-          </p:nvPr>
-        </p:nvSpPr>
-        <p:spPr>
-          <a:xfrm>
-            <a:off x="838200" y="246548"/>
-            <a:ext cx="10515600" cy="1196770"/>
-          </a:xfrm>
-        </p:spPr>
-        <p:txBody>
-          <a:bodyPr>
-            <a:normAutofit fontScale="90000"/>
-          </a:bodyPr>
-          <a:lstStyle/>
-          <a:p>
-            <a:r>
-              <a:rPr lang="ru-RU" dirty="0"/>
-              <a:t>Добавим вообще всё. Кроме того, что не нужно</a:t>
-            </a:r>
-          </a:p>
-        </p:txBody>
-      </p:sp>
-      <p:sp>
-        <p:nvSpPr>
-          <p:cNvPr id="6" name="Объект 2"/>
-          <p:cNvSpPr txBox="1">
-            <a:spLocks/>
-          </p:cNvSpPr>
-          <p:nvPr/>
-        </p:nvSpPr>
-        <p:spPr>
-          <a:xfrm>
-            <a:off x="838200" y="3529275"/>
-            <a:ext cx="10515600" cy="2740822"/>
-          </a:xfrm>
-          <a:prstGeom prst="rect">
-            <a:avLst/>
-          </a:prstGeom>
-        </p:spPr>
-        <p:txBody>
-          <a:bodyPr vert="horz" lIns="91440" tIns="45720" rIns="91440" bIns="45720" rtlCol="0">
-            <a:normAutofit/>
-          </a:bodyPr>
-          <a:lstStyle>
-            <a:lvl1pPr marL="228600" indent="-228600" algn="l" defTabSz="914400" rtl="0" eaLnBrk="1" latinLnBrk="0" hangingPunct="1">
-              <a:lnSpc>
-                <a:spcPct val="90000"/>
-              </a:lnSpc>
-              <a:spcBef>
-                <a:spcPts val="1000"/>
-              </a:spcBef>
-              <a:buFont typeface="Arial" panose="020B0604020202020204" pitchFamily="34" charset="0"/>
-              <a:buChar char="•"/>
-              <a:defRPr sz="2800" kern="1200">
-                <a:solidFill>
-                  <a:schemeClr val="tx1"/>
-                </a:solidFill>
-                <a:latin typeface="+mn-lt"/>
-                <a:ea typeface="+mn-ea"/>
-                <a:cs typeface="+mn-cs"/>
-              </a:defRPr>
-            </a:lvl1pPr>
-            <a:lvl2pPr marL="685800" indent="-228600" algn="l" defTabSz="914400" rtl="0" eaLnBrk="1" latinLnBrk="0" hangingPunct="1">
-              <a:lnSpc>
-                <a:spcPct val="90000"/>
-              </a:lnSpc>
-              <a:spcBef>
-                <a:spcPts val="500"/>
-              </a:spcBef>
-              <a:buFont typeface="Arial" panose="020B0604020202020204" pitchFamily="34" charset="0"/>
-              <a:buChar char="•"/>
-              <a:defRPr sz="2400" kern="1200">
-                <a:solidFill>
-                  <a:schemeClr val="tx1"/>
-                </a:solidFill>
-                <a:latin typeface="+mn-lt"/>
-                <a:ea typeface="+mn-ea"/>
-                <a:cs typeface="+mn-cs"/>
-              </a:defRPr>
-            </a:lvl2pPr>
-            <a:lvl3pPr marL="1143000" indent="-228600" algn="l" defTabSz="914400" rtl="0" eaLnBrk="1" latinLnBrk="0" hangingPunct="1">
-              <a:lnSpc>
-                <a:spcPct val="90000"/>
-              </a:lnSpc>
-              <a:spcBef>
-                <a:spcPts val="500"/>
-              </a:spcBef>
-              <a:buFont typeface="Arial" panose="020B0604020202020204" pitchFamily="34" charset="0"/>
-              <a:buChar char="•"/>
-              <a:defRPr sz="2000" kern="1200">
-                <a:solidFill>
-                  <a:schemeClr val="tx1"/>
-                </a:solidFill>
-                <a:latin typeface="+mn-lt"/>
-                <a:ea typeface="+mn-ea"/>
-                <a:cs typeface="+mn-cs"/>
-              </a:defRPr>
-            </a:lvl3pPr>
-            <a:lvl4pPr marL="1600200" indent="-228600" algn="l" defTabSz="914400" rtl="0" eaLnBrk="1" latinLnBrk="0" hangingPunct="1">
-              <a:lnSpc>
-                <a:spcPct val="90000"/>
-              </a:lnSpc>
-              <a:spcBef>
-                <a:spcPts val="500"/>
-              </a:spcBef>
-              <a:buFont typeface="Arial" panose="020B0604020202020204" pitchFamily="34" charset="0"/>
-              <a:buChar char="•"/>
-              <a:defRPr sz="1800" kern="1200">
-                <a:solidFill>
-                  <a:schemeClr val="tx1"/>
-                </a:solidFill>
-                <a:latin typeface="+mn-lt"/>
-                <a:ea typeface="+mn-ea"/>
-                <a:cs typeface="+mn-cs"/>
-              </a:defRPr>
-            </a:lvl4pPr>
-            <a:lvl5pPr marL="2057400" indent="-228600" algn="l" defTabSz="914400" rtl="0" eaLnBrk="1" latinLnBrk="0" hangingPunct="1">
-              <a:lnSpc>
-                <a:spcPct val="90000"/>
-              </a:lnSpc>
-              <a:spcBef>
-                <a:spcPts val="500"/>
-              </a:spcBef>
-              <a:buFont typeface="Arial" panose="020B0604020202020204" pitchFamily="34" charset="0"/>
-              <a:buChar char="•"/>
-              <a:defRPr sz="1800" kern="1200">
-                <a:solidFill>
-                  <a:schemeClr val="tx1"/>
-                </a:solidFill>
-                <a:latin typeface="+mn-lt"/>
-                <a:ea typeface="+mn-ea"/>
-                <a:cs typeface="+mn-cs"/>
-              </a:defRPr>
-            </a:lvl5pPr>
-            <a:lvl6pPr marL="2514600" indent="-228600" algn="l" defTabSz="914400" rtl="0" eaLnBrk="1" latinLnBrk="0" hangingPunct="1">
-              <a:lnSpc>
-                <a:spcPct val="90000"/>
-              </a:lnSpc>
-              <a:spcBef>
-                <a:spcPts val="500"/>
-              </a:spcBef>
-              <a:buFont typeface="Arial" panose="020B0604020202020204" pitchFamily="34" charset="0"/>
-              <a:buChar char="•"/>
-              <a:defRPr sz="1800" kern="1200">
-                <a:solidFill>
-                  <a:schemeClr val="tx1"/>
-                </a:solidFill>
-                <a:latin typeface="+mn-lt"/>
-                <a:ea typeface="+mn-ea"/>
-                <a:cs typeface="+mn-cs"/>
-              </a:defRPr>
-            </a:lvl6pPr>
-            <a:lvl7pPr marL="2971800" indent="-228600" algn="l" defTabSz="914400" rtl="0" eaLnBrk="1" latinLnBrk="0" hangingPunct="1">
-              <a:lnSpc>
-                <a:spcPct val="90000"/>
-              </a:lnSpc>
-              <a:spcBef>
-                <a:spcPts val="500"/>
-              </a:spcBef>
-              <a:buFont typeface="Arial" panose="020B0604020202020204" pitchFamily="34" charset="0"/>
-              <a:buChar char="•"/>
-              <a:defRPr sz="1800" kern="1200">
-                <a:solidFill>
-                  <a:schemeClr val="tx1"/>
-                </a:solidFill>
-                <a:latin typeface="+mn-lt"/>
-                <a:ea typeface="+mn-ea"/>
-                <a:cs typeface="+mn-cs"/>
-              </a:defRPr>
-            </a:lvl7pPr>
-            <a:lvl8pPr marL="3429000" indent="-228600" algn="l" defTabSz="914400" rtl="0" eaLnBrk="1" latinLnBrk="0" hangingPunct="1">
-              <a:lnSpc>
-                <a:spcPct val="90000"/>
-              </a:lnSpc>
-              <a:spcBef>
-                <a:spcPts val="500"/>
-              </a:spcBef>
-              <a:buFont typeface="Arial" panose="020B0604020202020204" pitchFamily="34" charset="0"/>
-              <a:buChar char="•"/>
-              <a:defRPr sz="1800" kern="1200">
-                <a:solidFill>
-                  <a:schemeClr val="tx1"/>
-                </a:solidFill>
-                <a:latin typeface="+mn-lt"/>
-                <a:ea typeface="+mn-ea"/>
-                <a:cs typeface="+mn-cs"/>
-              </a:defRPr>
-            </a:lvl8pPr>
-            <a:lvl9pPr marL="3886200" indent="-228600" algn="l" defTabSz="914400" rtl="0" eaLnBrk="1" latinLnBrk="0" hangingPunct="1">
-              <a:lnSpc>
-                <a:spcPct val="90000"/>
-              </a:lnSpc>
-              <a:spcBef>
-                <a:spcPts val="500"/>
-              </a:spcBef>
-              <a:buFont typeface="Arial" panose="020B0604020202020204" pitchFamily="34" charset="0"/>
-              <a:buChar char="•"/>
-              <a:defRPr sz="1800" kern="1200">
-                <a:solidFill>
-                  <a:schemeClr val="tx1"/>
-                </a:solidFill>
-                <a:latin typeface="+mn-lt"/>
-                <a:ea typeface="+mn-ea"/>
-                <a:cs typeface="+mn-cs"/>
-              </a:defRPr>
-            </a:lvl9pPr>
-          </a:lstStyle>
-          <a:p>
-            <a:endParaRPr lang="ru-RU" sz="3600" dirty="0"/>
-          </a:p>
-          <a:p>
-            <a:pPr marL="0" indent="0">
-              <a:buFont typeface="Arial" panose="020B0604020202020204" pitchFamily="34" charset="0"/>
-              <a:buNone/>
-            </a:pPr>
-            <a:endParaRPr lang="ru-RU" sz="3600" dirty="0"/>
-          </a:p>
-        </p:txBody>
-      </p:sp>
-      <p:sp>
-        <p:nvSpPr>
-          <p:cNvPr id="4" name="TextBox 3"/>
-          <p:cNvSpPr txBox="1"/>
-          <p:nvPr/>
-        </p:nvSpPr>
-        <p:spPr>
-          <a:xfrm>
-            <a:off x="838200" y="1326777"/>
-            <a:ext cx="8050306" cy="369332"/>
-          </a:xfrm>
-          <a:prstGeom prst="rect">
-            <a:avLst/>
-          </a:prstGeom>
-          <a:noFill/>
-        </p:spPr>
-        <p:txBody>
-          <a:bodyPr wrap="square" rtlCol="0">
-            <a:spAutoFit/>
-          </a:bodyPr>
-          <a:lstStyle/>
-          <a:p>
-            <a:r>
-              <a:rPr lang="ru-RU" dirty="0"/>
-              <a:t>Колонка вес ниже 2500 – функция от веса. Уберём её.</a:t>
-            </a:r>
-          </a:p>
-        </p:txBody>
-      </p:sp>
-      <p:pic>
-        <p:nvPicPr>
-          <p:cNvPr id="3" name="Рисунок 2"/>
-          <p:cNvPicPr>
-            <a:picLocks noChangeAspect="1"/>
-          </p:cNvPicPr>
-          <p:nvPr/>
-        </p:nvPicPr>
-        <p:blipFill>
-          <a:blip r:embed="rId3"/>
-          <a:stretch>
-            <a:fillRect/>
-          </a:stretch>
-        </p:blipFill>
-        <p:spPr>
-          <a:xfrm>
-            <a:off x="838200" y="2026525"/>
-            <a:ext cx="6648450" cy="333375"/>
-          </a:xfrm>
-          <a:prstGeom prst="rect">
-            <a:avLst/>
-          </a:prstGeom>
-        </p:spPr>
-      </p:pic>
-      <p:pic>
-        <p:nvPicPr>
-          <p:cNvPr id="5" name="Рисунок 4"/>
-          <p:cNvPicPr>
-            <a:picLocks noChangeAspect="1"/>
-          </p:cNvPicPr>
-          <p:nvPr/>
-        </p:nvPicPr>
-        <p:blipFill>
-          <a:blip r:embed="rId4"/>
-          <a:stretch>
-            <a:fillRect/>
-          </a:stretch>
-        </p:blipFill>
-        <p:spPr>
-          <a:xfrm>
-            <a:off x="838200" y="2690316"/>
-            <a:ext cx="5838825" cy="3733800"/>
-          </a:xfrm>
-          <a:prstGeom prst="rect">
-            <a:avLst/>
-          </a:prstGeom>
-        </p:spPr>
-      </p:pic>
-    </p:spTree>
-    <p:extLst>
-      <p:ext uri="{BB962C8B-B14F-4D97-AF65-F5344CB8AC3E}">
-        <p14:creationId xmlns:p14="http://schemas.microsoft.com/office/powerpoint/2010/main" val="2588716787"/>
-      </p:ext>
-    </p:extLst>
-  </p:cSld>
-  <p:clrMapOvr>
-    <a:masterClrMapping/>
-  </p:clrMapOvr>
-</p:sld>
-</file>
-
-<file path=ppt/slides/slide25.xml><?xml version="1.0" encoding="utf-8"?>
-<p:sld xmlns:a="http://schemas.openxmlformats.org/drawingml/2006/main" xmlns:r="http://schemas.openxmlformats.org/officeDocument/2006/relationships" xmlns:p="http://schemas.openxmlformats.org/presentationml/2006/main">
-  <p:cSld>
-    <p:spTree>
-      <p:nvGrpSpPr>
-        <p:cNvPr id="1" name=""/>
-        <p:cNvGrpSpPr/>
-        <p:nvPr/>
-      </p:nvGrpSpPr>
-      <p:grpSpPr>
-        <a:xfrm>
-          <a:off x="0" y="0"/>
-          <a:ext cx="0" cy="0"/>
-          <a:chOff x="0" y="0"/>
-          <a:chExt cx="0" cy="0"/>
-        </a:xfrm>
-      </p:grpSpPr>
-      <p:sp>
-        <p:nvSpPr>
-          <p:cNvPr id="2" name="Заголовок 1"/>
-          <p:cNvSpPr>
-            <a:spLocks noGrp="1"/>
-          </p:cNvSpPr>
-          <p:nvPr>
-            <p:ph type="title"/>
-          </p:nvPr>
-        </p:nvSpPr>
-        <p:spPr>
-          <a:xfrm>
-            <a:off x="838200" y="246548"/>
-            <a:ext cx="10515600" cy="1196770"/>
-          </a:xfrm>
-        </p:spPr>
-        <p:txBody>
-          <a:bodyPr>
-            <a:normAutofit fontScale="90000"/>
-          </a:bodyPr>
-          <a:lstStyle/>
-          <a:p>
-            <a:r>
-              <a:rPr lang="ru-RU" dirty="0"/>
-              <a:t>Добавим вообще всё. Кроме того, что не нужно</a:t>
-            </a:r>
-          </a:p>
-        </p:txBody>
-      </p:sp>
-      <p:sp>
-        <p:nvSpPr>
-          <p:cNvPr id="6" name="Объект 2"/>
-          <p:cNvSpPr txBox="1">
-            <a:spLocks/>
-          </p:cNvSpPr>
-          <p:nvPr/>
-        </p:nvSpPr>
-        <p:spPr>
-          <a:xfrm>
-            <a:off x="838200" y="3529275"/>
-            <a:ext cx="10515600" cy="2740822"/>
-          </a:xfrm>
-          <a:prstGeom prst="rect">
-            <a:avLst/>
-          </a:prstGeom>
-        </p:spPr>
-        <p:txBody>
-          <a:bodyPr vert="horz" lIns="91440" tIns="45720" rIns="91440" bIns="45720" rtlCol="0">
-            <a:normAutofit/>
-          </a:bodyPr>
-          <a:lstStyle>
-            <a:lvl1pPr marL="228600" indent="-228600" algn="l" defTabSz="914400" rtl="0" eaLnBrk="1" latinLnBrk="0" hangingPunct="1">
-              <a:lnSpc>
-                <a:spcPct val="90000"/>
-              </a:lnSpc>
-              <a:spcBef>
-                <a:spcPts val="1000"/>
-              </a:spcBef>
-              <a:buFont typeface="Arial" panose="020B0604020202020204" pitchFamily="34" charset="0"/>
-              <a:buChar char="•"/>
-              <a:defRPr sz="2800" kern="1200">
-                <a:solidFill>
-                  <a:schemeClr val="tx1"/>
-                </a:solidFill>
-                <a:latin typeface="+mn-lt"/>
-                <a:ea typeface="+mn-ea"/>
-                <a:cs typeface="+mn-cs"/>
-              </a:defRPr>
-            </a:lvl1pPr>
-            <a:lvl2pPr marL="685800" indent="-228600" algn="l" defTabSz="914400" rtl="0" eaLnBrk="1" latinLnBrk="0" hangingPunct="1">
-              <a:lnSpc>
-                <a:spcPct val="90000"/>
-              </a:lnSpc>
-              <a:spcBef>
-                <a:spcPts val="500"/>
-              </a:spcBef>
-              <a:buFont typeface="Arial" panose="020B0604020202020204" pitchFamily="34" charset="0"/>
-              <a:buChar char="•"/>
-              <a:defRPr sz="2400" kern="1200">
-                <a:solidFill>
-                  <a:schemeClr val="tx1"/>
-                </a:solidFill>
-                <a:latin typeface="+mn-lt"/>
-                <a:ea typeface="+mn-ea"/>
-                <a:cs typeface="+mn-cs"/>
-              </a:defRPr>
-            </a:lvl2pPr>
-            <a:lvl3pPr marL="1143000" indent="-228600" algn="l" defTabSz="914400" rtl="0" eaLnBrk="1" latinLnBrk="0" hangingPunct="1">
-              <a:lnSpc>
-                <a:spcPct val="90000"/>
-              </a:lnSpc>
-              <a:spcBef>
-                <a:spcPts val="500"/>
-              </a:spcBef>
-              <a:buFont typeface="Arial" panose="020B0604020202020204" pitchFamily="34" charset="0"/>
-              <a:buChar char="•"/>
-              <a:defRPr sz="2000" kern="1200">
-                <a:solidFill>
-                  <a:schemeClr val="tx1"/>
-                </a:solidFill>
-                <a:latin typeface="+mn-lt"/>
-                <a:ea typeface="+mn-ea"/>
-                <a:cs typeface="+mn-cs"/>
-              </a:defRPr>
-            </a:lvl3pPr>
-            <a:lvl4pPr marL="1600200" indent="-228600" algn="l" defTabSz="914400" rtl="0" eaLnBrk="1" latinLnBrk="0" hangingPunct="1">
-              <a:lnSpc>
-                <a:spcPct val="90000"/>
-              </a:lnSpc>
-              <a:spcBef>
-                <a:spcPts val="500"/>
-              </a:spcBef>
-              <a:buFont typeface="Arial" panose="020B0604020202020204" pitchFamily="34" charset="0"/>
-              <a:buChar char="•"/>
-              <a:defRPr sz="1800" kern="1200">
-                <a:solidFill>
-                  <a:schemeClr val="tx1"/>
-                </a:solidFill>
-                <a:latin typeface="+mn-lt"/>
-                <a:ea typeface="+mn-ea"/>
-                <a:cs typeface="+mn-cs"/>
-              </a:defRPr>
-            </a:lvl4pPr>
-            <a:lvl5pPr marL="2057400" indent="-228600" algn="l" defTabSz="914400" rtl="0" eaLnBrk="1" latinLnBrk="0" hangingPunct="1">
-              <a:lnSpc>
-                <a:spcPct val="90000"/>
-              </a:lnSpc>
-              <a:spcBef>
-                <a:spcPts val="500"/>
-              </a:spcBef>
-              <a:buFont typeface="Arial" panose="020B0604020202020204" pitchFamily="34" charset="0"/>
-              <a:buChar char="•"/>
-              <a:defRPr sz="1800" kern="1200">
-                <a:solidFill>
-                  <a:schemeClr val="tx1"/>
-                </a:solidFill>
-                <a:latin typeface="+mn-lt"/>
-                <a:ea typeface="+mn-ea"/>
-                <a:cs typeface="+mn-cs"/>
-              </a:defRPr>
-            </a:lvl5pPr>
-            <a:lvl6pPr marL="2514600" indent="-228600" algn="l" defTabSz="914400" rtl="0" eaLnBrk="1" latinLnBrk="0" hangingPunct="1">
-              <a:lnSpc>
-                <a:spcPct val="90000"/>
-              </a:lnSpc>
-              <a:spcBef>
-                <a:spcPts val="500"/>
-              </a:spcBef>
-              <a:buFont typeface="Arial" panose="020B0604020202020204" pitchFamily="34" charset="0"/>
-              <a:buChar char="•"/>
-              <a:defRPr sz="1800" kern="1200">
-                <a:solidFill>
-                  <a:schemeClr val="tx1"/>
-                </a:solidFill>
-                <a:latin typeface="+mn-lt"/>
-                <a:ea typeface="+mn-ea"/>
-                <a:cs typeface="+mn-cs"/>
-              </a:defRPr>
-            </a:lvl6pPr>
-            <a:lvl7pPr marL="2971800" indent="-228600" algn="l" defTabSz="914400" rtl="0" eaLnBrk="1" latinLnBrk="0" hangingPunct="1">
-              <a:lnSpc>
-                <a:spcPct val="90000"/>
-              </a:lnSpc>
-              <a:spcBef>
-                <a:spcPts val="500"/>
-              </a:spcBef>
-              <a:buFont typeface="Arial" panose="020B0604020202020204" pitchFamily="34" charset="0"/>
-              <a:buChar char="•"/>
-              <a:defRPr sz="1800" kern="1200">
-                <a:solidFill>
-                  <a:schemeClr val="tx1"/>
-                </a:solidFill>
-                <a:latin typeface="+mn-lt"/>
-                <a:ea typeface="+mn-ea"/>
-                <a:cs typeface="+mn-cs"/>
-              </a:defRPr>
-            </a:lvl7pPr>
-            <a:lvl8pPr marL="3429000" indent="-228600" algn="l" defTabSz="914400" rtl="0" eaLnBrk="1" latinLnBrk="0" hangingPunct="1">
-              <a:lnSpc>
-                <a:spcPct val="90000"/>
-              </a:lnSpc>
-              <a:spcBef>
-                <a:spcPts val="500"/>
-              </a:spcBef>
-              <a:buFont typeface="Arial" panose="020B0604020202020204" pitchFamily="34" charset="0"/>
-              <a:buChar char="•"/>
-              <a:defRPr sz="1800" kern="1200">
-                <a:solidFill>
-                  <a:schemeClr val="tx1"/>
-                </a:solidFill>
-                <a:latin typeface="+mn-lt"/>
-                <a:ea typeface="+mn-ea"/>
-                <a:cs typeface="+mn-cs"/>
-              </a:defRPr>
-            </a:lvl8pPr>
-            <a:lvl9pPr marL="3886200" indent="-228600" algn="l" defTabSz="914400" rtl="0" eaLnBrk="1" latinLnBrk="0" hangingPunct="1">
-              <a:lnSpc>
-                <a:spcPct val="90000"/>
-              </a:lnSpc>
-              <a:spcBef>
-                <a:spcPts val="500"/>
-              </a:spcBef>
-              <a:buFont typeface="Arial" panose="020B0604020202020204" pitchFamily="34" charset="0"/>
-              <a:buChar char="•"/>
-              <a:defRPr sz="1800" kern="1200">
-                <a:solidFill>
-                  <a:schemeClr val="tx1"/>
-                </a:solidFill>
-                <a:latin typeface="+mn-lt"/>
-                <a:ea typeface="+mn-ea"/>
-                <a:cs typeface="+mn-cs"/>
-              </a:defRPr>
-            </a:lvl9pPr>
-          </a:lstStyle>
-          <a:p>
-            <a:endParaRPr lang="ru-RU" sz="3600" dirty="0"/>
-          </a:p>
-          <a:p>
-            <a:pPr marL="0" indent="0">
-              <a:buFont typeface="Arial" panose="020B0604020202020204" pitchFamily="34" charset="0"/>
-              <a:buNone/>
-            </a:pPr>
-            <a:endParaRPr lang="ru-RU" sz="3600" dirty="0"/>
-          </a:p>
-        </p:txBody>
-      </p:sp>
-      <p:sp>
-        <p:nvSpPr>
-          <p:cNvPr id="4" name="TextBox 3"/>
-          <p:cNvSpPr txBox="1"/>
-          <p:nvPr/>
-        </p:nvSpPr>
-        <p:spPr>
-          <a:xfrm>
-            <a:off x="838200" y="1326777"/>
-            <a:ext cx="8050306" cy="369332"/>
-          </a:xfrm>
-          <a:prstGeom prst="rect">
-            <a:avLst/>
-          </a:prstGeom>
-          <a:noFill/>
-        </p:spPr>
-        <p:txBody>
-          <a:bodyPr wrap="square" rtlCol="0">
-            <a:spAutoFit/>
-          </a:bodyPr>
-          <a:lstStyle/>
-          <a:p>
-            <a:r>
-              <a:rPr lang="ru-RU" dirty="0"/>
-              <a:t>Колонка вес ниже 2500 – функция от веса. Уберём её.</a:t>
-            </a:r>
-          </a:p>
-        </p:txBody>
-      </p:sp>
-      <p:pic>
-        <p:nvPicPr>
-          <p:cNvPr id="3" name="Рисунок 2"/>
-          <p:cNvPicPr>
-            <a:picLocks noChangeAspect="1"/>
-          </p:cNvPicPr>
-          <p:nvPr/>
-        </p:nvPicPr>
-        <p:blipFill>
-          <a:blip r:embed="rId3"/>
-          <a:stretch>
-            <a:fillRect/>
-          </a:stretch>
-        </p:blipFill>
-        <p:spPr>
-          <a:xfrm>
-            <a:off x="838200" y="2026525"/>
-            <a:ext cx="6648450" cy="333375"/>
-          </a:xfrm>
-          <a:prstGeom prst="rect">
-            <a:avLst/>
-          </a:prstGeom>
-        </p:spPr>
-      </p:pic>
-      <p:pic>
-        <p:nvPicPr>
-          <p:cNvPr id="7" name="Рисунок 6"/>
-          <p:cNvPicPr>
-            <a:picLocks noChangeAspect="1"/>
-          </p:cNvPicPr>
-          <p:nvPr/>
-        </p:nvPicPr>
-        <p:blipFill>
-          <a:blip r:embed="rId4"/>
-          <a:stretch>
-            <a:fillRect/>
-          </a:stretch>
-        </p:blipFill>
-        <p:spPr>
-          <a:xfrm>
-            <a:off x="6395757" y="2911612"/>
-            <a:ext cx="5796243" cy="3738798"/>
-          </a:xfrm>
-          <a:prstGeom prst="rect">
-            <a:avLst/>
-          </a:prstGeom>
-        </p:spPr>
-      </p:pic>
-      <p:pic>
-        <p:nvPicPr>
-          <p:cNvPr id="5" name="Рисунок 4"/>
-          <p:cNvPicPr>
-            <a:picLocks noChangeAspect="1"/>
-          </p:cNvPicPr>
-          <p:nvPr/>
-        </p:nvPicPr>
-        <p:blipFill>
-          <a:blip r:embed="rId5"/>
-          <a:stretch>
-            <a:fillRect/>
-          </a:stretch>
-        </p:blipFill>
-        <p:spPr>
-          <a:xfrm>
-            <a:off x="838200" y="2690316"/>
-            <a:ext cx="5838825" cy="3733800"/>
-          </a:xfrm>
-          <a:prstGeom prst="rect">
-            <a:avLst/>
-          </a:prstGeom>
-        </p:spPr>
-      </p:pic>
-    </p:spTree>
-    <p:extLst>
-      <p:ext uri="{BB962C8B-B14F-4D97-AF65-F5344CB8AC3E}">
-        <p14:creationId xmlns:p14="http://schemas.microsoft.com/office/powerpoint/2010/main" val="1938836894"/>
-      </p:ext>
-    </p:extLst>
-  </p:cSld>
-  <p:clrMapOvr>
-    <a:masterClrMapping/>
-  </p:clrMapOvr>
-</p:sld>
-</file>
-
-<file path=ppt/slides/slide26.xml><?xml version="1.0" encoding="utf-8"?>
-<p:sld xmlns:a="http://schemas.openxmlformats.org/drawingml/2006/main" xmlns:r="http://schemas.openxmlformats.org/officeDocument/2006/relationships" xmlns:p="http://schemas.openxmlformats.org/presentationml/2006/main">
-  <p:cSld>
-    <p:spTree>
-      <p:nvGrpSpPr>
-        <p:cNvPr id="1" name=""/>
-        <p:cNvGrpSpPr/>
-        <p:nvPr/>
-      </p:nvGrpSpPr>
-      <p:grpSpPr>
-        <a:xfrm>
-          <a:off x="0" y="0"/>
-          <a:ext cx="0" cy="0"/>
-          <a:chOff x="0" y="0"/>
-          <a:chExt cx="0" cy="0"/>
-        </a:xfrm>
-      </p:grpSpPr>
-      <p:sp>
-        <p:nvSpPr>
-          <p:cNvPr id="2" name="Заголовок 1"/>
-          <p:cNvSpPr>
-            <a:spLocks noGrp="1"/>
-          </p:cNvSpPr>
-          <p:nvPr>
-            <p:ph type="title"/>
-          </p:nvPr>
-        </p:nvSpPr>
-        <p:spPr>
-          <a:xfrm>
-            <a:off x="838200" y="246548"/>
-            <a:ext cx="10515600" cy="1196770"/>
-          </a:xfrm>
-        </p:spPr>
-        <p:txBody>
-          <a:bodyPr>
-            <a:normAutofit fontScale="90000"/>
-          </a:bodyPr>
-          <a:lstStyle/>
-          <a:p>
-            <a:r>
-              <a:rPr lang="ru-RU" dirty="0"/>
-              <a:t>Добавим вообще всё. Кроме того, что не нужно</a:t>
-            </a:r>
-          </a:p>
-        </p:txBody>
-      </p:sp>
-      <p:sp>
-        <p:nvSpPr>
-          <p:cNvPr id="6" name="Объект 2"/>
-          <p:cNvSpPr txBox="1">
-            <a:spLocks/>
-          </p:cNvSpPr>
-          <p:nvPr/>
-        </p:nvSpPr>
-        <p:spPr>
-          <a:xfrm>
-            <a:off x="838200" y="3529275"/>
-            <a:ext cx="10515600" cy="2740822"/>
-          </a:xfrm>
-          <a:prstGeom prst="rect">
-            <a:avLst/>
-          </a:prstGeom>
-        </p:spPr>
-        <p:txBody>
-          <a:bodyPr vert="horz" lIns="91440" tIns="45720" rIns="91440" bIns="45720" rtlCol="0">
-            <a:normAutofit/>
-          </a:bodyPr>
-          <a:lstStyle>
-            <a:lvl1pPr marL="228600" indent="-228600" algn="l" defTabSz="914400" rtl="0" eaLnBrk="1" latinLnBrk="0" hangingPunct="1">
-              <a:lnSpc>
-                <a:spcPct val="90000"/>
-              </a:lnSpc>
-              <a:spcBef>
-                <a:spcPts val="1000"/>
-              </a:spcBef>
-              <a:buFont typeface="Arial" panose="020B0604020202020204" pitchFamily="34" charset="0"/>
-              <a:buChar char="•"/>
-              <a:defRPr sz="2800" kern="1200">
-                <a:solidFill>
-                  <a:schemeClr val="tx1"/>
-                </a:solidFill>
-                <a:latin typeface="+mn-lt"/>
-                <a:ea typeface="+mn-ea"/>
-                <a:cs typeface="+mn-cs"/>
-              </a:defRPr>
-            </a:lvl1pPr>
-            <a:lvl2pPr marL="685800" indent="-228600" algn="l" defTabSz="914400" rtl="0" eaLnBrk="1" latinLnBrk="0" hangingPunct="1">
-              <a:lnSpc>
-                <a:spcPct val="90000"/>
-              </a:lnSpc>
-              <a:spcBef>
-                <a:spcPts val="500"/>
-              </a:spcBef>
-              <a:buFont typeface="Arial" panose="020B0604020202020204" pitchFamily="34" charset="0"/>
-              <a:buChar char="•"/>
-              <a:defRPr sz="2400" kern="1200">
-                <a:solidFill>
-                  <a:schemeClr val="tx1"/>
-                </a:solidFill>
-                <a:latin typeface="+mn-lt"/>
-                <a:ea typeface="+mn-ea"/>
-                <a:cs typeface="+mn-cs"/>
-              </a:defRPr>
-            </a:lvl2pPr>
-            <a:lvl3pPr marL="1143000" indent="-228600" algn="l" defTabSz="914400" rtl="0" eaLnBrk="1" latinLnBrk="0" hangingPunct="1">
-              <a:lnSpc>
-                <a:spcPct val="90000"/>
-              </a:lnSpc>
-              <a:spcBef>
-                <a:spcPts val="500"/>
-              </a:spcBef>
-              <a:buFont typeface="Arial" panose="020B0604020202020204" pitchFamily="34" charset="0"/>
-              <a:buChar char="•"/>
-              <a:defRPr sz="2000" kern="1200">
-                <a:solidFill>
-                  <a:schemeClr val="tx1"/>
-                </a:solidFill>
-                <a:latin typeface="+mn-lt"/>
-                <a:ea typeface="+mn-ea"/>
-                <a:cs typeface="+mn-cs"/>
-              </a:defRPr>
-            </a:lvl3pPr>
-            <a:lvl4pPr marL="1600200" indent="-228600" algn="l" defTabSz="914400" rtl="0" eaLnBrk="1" latinLnBrk="0" hangingPunct="1">
-              <a:lnSpc>
-                <a:spcPct val="90000"/>
-              </a:lnSpc>
-              <a:spcBef>
-                <a:spcPts val="500"/>
-              </a:spcBef>
-              <a:buFont typeface="Arial" panose="020B0604020202020204" pitchFamily="34" charset="0"/>
-              <a:buChar char="•"/>
-              <a:defRPr sz="1800" kern="1200">
-                <a:solidFill>
-                  <a:schemeClr val="tx1"/>
-                </a:solidFill>
-                <a:latin typeface="+mn-lt"/>
-                <a:ea typeface="+mn-ea"/>
-                <a:cs typeface="+mn-cs"/>
-              </a:defRPr>
-            </a:lvl4pPr>
-            <a:lvl5pPr marL="2057400" indent="-228600" algn="l" defTabSz="914400" rtl="0" eaLnBrk="1" latinLnBrk="0" hangingPunct="1">
-              <a:lnSpc>
-                <a:spcPct val="90000"/>
-              </a:lnSpc>
-              <a:spcBef>
-                <a:spcPts val="500"/>
-              </a:spcBef>
-              <a:buFont typeface="Arial" panose="020B0604020202020204" pitchFamily="34" charset="0"/>
-              <a:buChar char="•"/>
-              <a:defRPr sz="1800" kern="1200">
-                <a:solidFill>
-                  <a:schemeClr val="tx1"/>
-                </a:solidFill>
-                <a:latin typeface="+mn-lt"/>
-                <a:ea typeface="+mn-ea"/>
-                <a:cs typeface="+mn-cs"/>
-              </a:defRPr>
-            </a:lvl5pPr>
-            <a:lvl6pPr marL="2514600" indent="-228600" algn="l" defTabSz="914400" rtl="0" eaLnBrk="1" latinLnBrk="0" hangingPunct="1">
-              <a:lnSpc>
-                <a:spcPct val="90000"/>
-              </a:lnSpc>
-              <a:spcBef>
-                <a:spcPts val="500"/>
-              </a:spcBef>
-              <a:buFont typeface="Arial" panose="020B0604020202020204" pitchFamily="34" charset="0"/>
-              <a:buChar char="•"/>
-              <a:defRPr sz="1800" kern="1200">
-                <a:solidFill>
-                  <a:schemeClr val="tx1"/>
-                </a:solidFill>
-                <a:latin typeface="+mn-lt"/>
-                <a:ea typeface="+mn-ea"/>
-                <a:cs typeface="+mn-cs"/>
-              </a:defRPr>
-            </a:lvl6pPr>
-            <a:lvl7pPr marL="2971800" indent="-228600" algn="l" defTabSz="914400" rtl="0" eaLnBrk="1" latinLnBrk="0" hangingPunct="1">
-              <a:lnSpc>
-                <a:spcPct val="90000"/>
-              </a:lnSpc>
-              <a:spcBef>
-                <a:spcPts val="500"/>
-              </a:spcBef>
-              <a:buFont typeface="Arial" panose="020B0604020202020204" pitchFamily="34" charset="0"/>
-              <a:buChar char="•"/>
-              <a:defRPr sz="1800" kern="1200">
-                <a:solidFill>
-                  <a:schemeClr val="tx1"/>
-                </a:solidFill>
-                <a:latin typeface="+mn-lt"/>
-                <a:ea typeface="+mn-ea"/>
-                <a:cs typeface="+mn-cs"/>
-              </a:defRPr>
-            </a:lvl7pPr>
-            <a:lvl8pPr marL="3429000" indent="-228600" algn="l" defTabSz="914400" rtl="0" eaLnBrk="1" latinLnBrk="0" hangingPunct="1">
-              <a:lnSpc>
-                <a:spcPct val="90000"/>
-              </a:lnSpc>
-              <a:spcBef>
-                <a:spcPts val="500"/>
-              </a:spcBef>
-              <a:buFont typeface="Arial" panose="020B0604020202020204" pitchFamily="34" charset="0"/>
-              <a:buChar char="•"/>
-              <a:defRPr sz="1800" kern="1200">
-                <a:solidFill>
-                  <a:schemeClr val="tx1"/>
-                </a:solidFill>
-                <a:latin typeface="+mn-lt"/>
-                <a:ea typeface="+mn-ea"/>
-                <a:cs typeface="+mn-cs"/>
-              </a:defRPr>
-            </a:lvl8pPr>
-            <a:lvl9pPr marL="3886200" indent="-228600" algn="l" defTabSz="914400" rtl="0" eaLnBrk="1" latinLnBrk="0" hangingPunct="1">
-              <a:lnSpc>
-                <a:spcPct val="90000"/>
-              </a:lnSpc>
-              <a:spcBef>
-                <a:spcPts val="500"/>
-              </a:spcBef>
-              <a:buFont typeface="Arial" panose="020B0604020202020204" pitchFamily="34" charset="0"/>
-              <a:buChar char="•"/>
-              <a:defRPr sz="1800" kern="1200">
-                <a:solidFill>
-                  <a:schemeClr val="tx1"/>
-                </a:solidFill>
-                <a:latin typeface="+mn-lt"/>
-                <a:ea typeface="+mn-ea"/>
-                <a:cs typeface="+mn-cs"/>
-              </a:defRPr>
-            </a:lvl9pPr>
-          </a:lstStyle>
-          <a:p>
-            <a:endParaRPr lang="ru-RU" sz="3600" dirty="0"/>
-          </a:p>
-          <a:p>
-            <a:pPr marL="0" indent="0">
-              <a:buFont typeface="Arial" panose="020B0604020202020204" pitchFamily="34" charset="0"/>
-              <a:buNone/>
-            </a:pPr>
-            <a:endParaRPr lang="ru-RU" sz="3600" dirty="0"/>
-          </a:p>
-        </p:txBody>
-      </p:sp>
-      <p:sp>
-        <p:nvSpPr>
-          <p:cNvPr id="4" name="TextBox 3"/>
-          <p:cNvSpPr txBox="1"/>
-          <p:nvPr/>
-        </p:nvSpPr>
-        <p:spPr>
-          <a:xfrm>
-            <a:off x="838200" y="1326777"/>
-            <a:ext cx="8050306" cy="369332"/>
-          </a:xfrm>
-          <a:prstGeom prst="rect">
-            <a:avLst/>
-          </a:prstGeom>
-          <a:noFill/>
-        </p:spPr>
-        <p:txBody>
-          <a:bodyPr wrap="square" rtlCol="0">
-            <a:spAutoFit/>
-          </a:bodyPr>
-          <a:lstStyle/>
-          <a:p>
-            <a:r>
-              <a:rPr lang="ru-RU" dirty="0"/>
-              <a:t>Колонка вес ниже 2500 – функция от веса. Уберём её.</a:t>
-            </a:r>
-          </a:p>
-        </p:txBody>
-      </p:sp>
-      <p:pic>
-        <p:nvPicPr>
-          <p:cNvPr id="3" name="Рисунок 2"/>
-          <p:cNvPicPr>
-            <a:picLocks noChangeAspect="1"/>
-          </p:cNvPicPr>
-          <p:nvPr/>
-        </p:nvPicPr>
-        <p:blipFill>
-          <a:blip r:embed="rId3"/>
-          <a:stretch>
-            <a:fillRect/>
-          </a:stretch>
-        </p:blipFill>
-        <p:spPr>
-          <a:xfrm>
-            <a:off x="838200" y="2026525"/>
-            <a:ext cx="6648450" cy="333375"/>
-          </a:xfrm>
-          <a:prstGeom prst="rect">
-            <a:avLst/>
-          </a:prstGeom>
-        </p:spPr>
-      </p:pic>
-      <p:pic>
-        <p:nvPicPr>
-          <p:cNvPr id="7" name="Рисунок 6"/>
-          <p:cNvPicPr>
-            <a:picLocks noChangeAspect="1"/>
-          </p:cNvPicPr>
-          <p:nvPr/>
-        </p:nvPicPr>
-        <p:blipFill>
-          <a:blip r:embed="rId4"/>
-          <a:stretch>
-            <a:fillRect/>
-          </a:stretch>
-        </p:blipFill>
-        <p:spPr>
-          <a:xfrm>
-            <a:off x="6395757" y="2911612"/>
-            <a:ext cx="5796243" cy="3738798"/>
-          </a:xfrm>
-          <a:prstGeom prst="rect">
-            <a:avLst/>
-          </a:prstGeom>
-        </p:spPr>
-      </p:pic>
-      <p:pic>
-        <p:nvPicPr>
-          <p:cNvPr id="5" name="Рисунок 4"/>
-          <p:cNvPicPr>
-            <a:picLocks noChangeAspect="1"/>
-          </p:cNvPicPr>
-          <p:nvPr/>
-        </p:nvPicPr>
-        <p:blipFill>
-          <a:blip r:embed="rId5"/>
-          <a:stretch>
-            <a:fillRect/>
-          </a:stretch>
-        </p:blipFill>
-        <p:spPr>
-          <a:xfrm>
-            <a:off x="838200" y="2690316"/>
-            <a:ext cx="5838825" cy="3733800"/>
-          </a:xfrm>
-          <a:prstGeom prst="rect">
-            <a:avLst/>
-          </a:prstGeom>
-        </p:spPr>
-      </p:pic>
-    </p:spTree>
-    <p:extLst>
-      <p:ext uri="{BB962C8B-B14F-4D97-AF65-F5344CB8AC3E}">
-        <p14:creationId xmlns:p14="http://schemas.microsoft.com/office/powerpoint/2010/main" val="1356369003"/>
-      </p:ext>
-    </p:extLst>
-  </p:cSld>
-  <p:clrMapOvr>
-    <a:masterClrMapping/>
-  </p:clrMapOvr>
-</p:sld>
-</file>
-
-<file path=ppt/slides/slide27.xml><?xml version="1.0" encoding="utf-8"?>
-<p:sld xmlns:a="http://schemas.openxmlformats.org/drawingml/2006/main" xmlns:r="http://schemas.openxmlformats.org/officeDocument/2006/relationships" xmlns:p="http://schemas.openxmlformats.org/presentationml/2006/main">
-  <p:cSld>
-    <p:spTree>
-      <p:nvGrpSpPr>
-        <p:cNvPr id="1" name=""/>
-        <p:cNvGrpSpPr/>
-        <p:nvPr/>
-      </p:nvGrpSpPr>
-      <p:grpSpPr>
-        <a:xfrm>
-          <a:off x="0" y="0"/>
-          <a:ext cx="0" cy="0"/>
-          <a:chOff x="0" y="0"/>
-          <a:chExt cx="0" cy="0"/>
-        </a:xfrm>
-      </p:grpSpPr>
-      <p:sp>
-        <p:nvSpPr>
-          <p:cNvPr id="2" name="Заголовок 1"/>
-          <p:cNvSpPr>
-            <a:spLocks noGrp="1"/>
-          </p:cNvSpPr>
-          <p:nvPr>
-            <p:ph type="title"/>
-          </p:nvPr>
-        </p:nvSpPr>
-        <p:spPr>
-          <a:xfrm>
-            <a:off x="838200" y="246548"/>
-            <a:ext cx="10515600" cy="1196770"/>
-          </a:xfrm>
-        </p:spPr>
-        <p:txBody>
-          <a:bodyPr>
-            <a:normAutofit fontScale="90000"/>
-          </a:bodyPr>
-          <a:lstStyle/>
-          <a:p>
-            <a:r>
-              <a:rPr lang="ru-RU" dirty="0"/>
-              <a:t>Добавим вообще всё. Кроме того, что не нужно</a:t>
-            </a:r>
-          </a:p>
-        </p:txBody>
-      </p:sp>
-      <p:sp>
-        <p:nvSpPr>
-          <p:cNvPr id="6" name="Объект 2"/>
-          <p:cNvSpPr txBox="1">
-            <a:spLocks/>
-          </p:cNvSpPr>
-          <p:nvPr/>
-        </p:nvSpPr>
-        <p:spPr>
-          <a:xfrm>
-            <a:off x="838200" y="3529275"/>
-            <a:ext cx="10515600" cy="2740822"/>
-          </a:xfrm>
-          <a:prstGeom prst="rect">
-            <a:avLst/>
-          </a:prstGeom>
-        </p:spPr>
-        <p:txBody>
-          <a:bodyPr vert="horz" lIns="91440" tIns="45720" rIns="91440" bIns="45720" rtlCol="0">
-            <a:normAutofit/>
-          </a:bodyPr>
-          <a:lstStyle>
-            <a:lvl1pPr marL="228600" indent="-228600" algn="l" defTabSz="914400" rtl="0" eaLnBrk="1" latinLnBrk="0" hangingPunct="1">
-              <a:lnSpc>
-                <a:spcPct val="90000"/>
-              </a:lnSpc>
-              <a:spcBef>
-                <a:spcPts val="1000"/>
-              </a:spcBef>
-              <a:buFont typeface="Arial" panose="020B0604020202020204" pitchFamily="34" charset="0"/>
-              <a:buChar char="•"/>
-              <a:defRPr sz="2800" kern="1200">
-                <a:solidFill>
-                  <a:schemeClr val="tx1"/>
-                </a:solidFill>
-                <a:latin typeface="+mn-lt"/>
-                <a:ea typeface="+mn-ea"/>
-                <a:cs typeface="+mn-cs"/>
-              </a:defRPr>
-            </a:lvl1pPr>
-            <a:lvl2pPr marL="685800" indent="-228600" algn="l" defTabSz="914400" rtl="0" eaLnBrk="1" latinLnBrk="0" hangingPunct="1">
-              <a:lnSpc>
-                <a:spcPct val="90000"/>
-              </a:lnSpc>
-              <a:spcBef>
-                <a:spcPts val="500"/>
-              </a:spcBef>
-              <a:buFont typeface="Arial" panose="020B0604020202020204" pitchFamily="34" charset="0"/>
-              <a:buChar char="•"/>
-              <a:defRPr sz="2400" kern="1200">
-                <a:solidFill>
-                  <a:schemeClr val="tx1"/>
-                </a:solidFill>
-                <a:latin typeface="+mn-lt"/>
-                <a:ea typeface="+mn-ea"/>
-                <a:cs typeface="+mn-cs"/>
-              </a:defRPr>
-            </a:lvl2pPr>
-            <a:lvl3pPr marL="1143000" indent="-228600" algn="l" defTabSz="914400" rtl="0" eaLnBrk="1" latinLnBrk="0" hangingPunct="1">
-              <a:lnSpc>
-                <a:spcPct val="90000"/>
-              </a:lnSpc>
-              <a:spcBef>
-                <a:spcPts val="500"/>
-              </a:spcBef>
-              <a:buFont typeface="Arial" panose="020B0604020202020204" pitchFamily="34" charset="0"/>
-              <a:buChar char="•"/>
-              <a:defRPr sz="2000" kern="1200">
-                <a:solidFill>
-                  <a:schemeClr val="tx1"/>
-                </a:solidFill>
-                <a:latin typeface="+mn-lt"/>
-                <a:ea typeface="+mn-ea"/>
-                <a:cs typeface="+mn-cs"/>
-              </a:defRPr>
-            </a:lvl3pPr>
-            <a:lvl4pPr marL="1600200" indent="-228600" algn="l" defTabSz="914400" rtl="0" eaLnBrk="1" latinLnBrk="0" hangingPunct="1">
-              <a:lnSpc>
-                <a:spcPct val="90000"/>
-              </a:lnSpc>
-              <a:spcBef>
-                <a:spcPts val="500"/>
-              </a:spcBef>
-              <a:buFont typeface="Arial" panose="020B0604020202020204" pitchFamily="34" charset="0"/>
-              <a:buChar char="•"/>
-              <a:defRPr sz="1800" kern="1200">
-                <a:solidFill>
-                  <a:schemeClr val="tx1"/>
-                </a:solidFill>
-                <a:latin typeface="+mn-lt"/>
-                <a:ea typeface="+mn-ea"/>
-                <a:cs typeface="+mn-cs"/>
-              </a:defRPr>
-            </a:lvl4pPr>
-            <a:lvl5pPr marL="2057400" indent="-228600" algn="l" defTabSz="914400" rtl="0" eaLnBrk="1" latinLnBrk="0" hangingPunct="1">
-              <a:lnSpc>
-                <a:spcPct val="90000"/>
-              </a:lnSpc>
-              <a:spcBef>
-                <a:spcPts val="500"/>
-              </a:spcBef>
-              <a:buFont typeface="Arial" panose="020B0604020202020204" pitchFamily="34" charset="0"/>
-              <a:buChar char="•"/>
-              <a:defRPr sz="1800" kern="1200">
-                <a:solidFill>
-                  <a:schemeClr val="tx1"/>
-                </a:solidFill>
-                <a:latin typeface="+mn-lt"/>
-                <a:ea typeface="+mn-ea"/>
-                <a:cs typeface="+mn-cs"/>
-              </a:defRPr>
-            </a:lvl5pPr>
-            <a:lvl6pPr marL="2514600" indent="-228600" algn="l" defTabSz="914400" rtl="0" eaLnBrk="1" latinLnBrk="0" hangingPunct="1">
-              <a:lnSpc>
-                <a:spcPct val="90000"/>
-              </a:lnSpc>
-              <a:spcBef>
-                <a:spcPts val="500"/>
-              </a:spcBef>
-              <a:buFont typeface="Arial" panose="020B0604020202020204" pitchFamily="34" charset="0"/>
-              <a:buChar char="•"/>
-              <a:defRPr sz="1800" kern="1200">
-                <a:solidFill>
-                  <a:schemeClr val="tx1"/>
-                </a:solidFill>
-                <a:latin typeface="+mn-lt"/>
-                <a:ea typeface="+mn-ea"/>
-                <a:cs typeface="+mn-cs"/>
-              </a:defRPr>
-            </a:lvl6pPr>
-            <a:lvl7pPr marL="2971800" indent="-228600" algn="l" defTabSz="914400" rtl="0" eaLnBrk="1" latinLnBrk="0" hangingPunct="1">
-              <a:lnSpc>
-                <a:spcPct val="90000"/>
-              </a:lnSpc>
-              <a:spcBef>
-                <a:spcPts val="500"/>
-              </a:spcBef>
-              <a:buFont typeface="Arial" panose="020B0604020202020204" pitchFamily="34" charset="0"/>
-              <a:buChar char="•"/>
-              <a:defRPr sz="1800" kern="1200">
-                <a:solidFill>
-                  <a:schemeClr val="tx1"/>
-                </a:solidFill>
-                <a:latin typeface="+mn-lt"/>
-                <a:ea typeface="+mn-ea"/>
-                <a:cs typeface="+mn-cs"/>
-              </a:defRPr>
-            </a:lvl7pPr>
-            <a:lvl8pPr marL="3429000" indent="-228600" algn="l" defTabSz="914400" rtl="0" eaLnBrk="1" latinLnBrk="0" hangingPunct="1">
-              <a:lnSpc>
-                <a:spcPct val="90000"/>
-              </a:lnSpc>
-              <a:spcBef>
-                <a:spcPts val="500"/>
-              </a:spcBef>
-              <a:buFont typeface="Arial" panose="020B0604020202020204" pitchFamily="34" charset="0"/>
-              <a:buChar char="•"/>
-              <a:defRPr sz="1800" kern="1200">
-                <a:solidFill>
-                  <a:schemeClr val="tx1"/>
-                </a:solidFill>
-                <a:latin typeface="+mn-lt"/>
-                <a:ea typeface="+mn-ea"/>
-                <a:cs typeface="+mn-cs"/>
-              </a:defRPr>
-            </a:lvl8pPr>
-            <a:lvl9pPr marL="3886200" indent="-228600" algn="l" defTabSz="914400" rtl="0" eaLnBrk="1" latinLnBrk="0" hangingPunct="1">
-              <a:lnSpc>
-                <a:spcPct val="90000"/>
-              </a:lnSpc>
-              <a:spcBef>
-                <a:spcPts val="500"/>
-              </a:spcBef>
-              <a:buFont typeface="Arial" panose="020B0604020202020204" pitchFamily="34" charset="0"/>
-              <a:buChar char="•"/>
-              <a:defRPr sz="1800" kern="1200">
-                <a:solidFill>
-                  <a:schemeClr val="tx1"/>
-                </a:solidFill>
-                <a:latin typeface="+mn-lt"/>
-                <a:ea typeface="+mn-ea"/>
-                <a:cs typeface="+mn-cs"/>
-              </a:defRPr>
-            </a:lvl9pPr>
-          </a:lstStyle>
-          <a:p>
-            <a:endParaRPr lang="ru-RU" sz="3600" dirty="0"/>
-          </a:p>
-          <a:p>
-            <a:pPr marL="0" indent="0">
-              <a:buFont typeface="Arial" panose="020B0604020202020204" pitchFamily="34" charset="0"/>
-              <a:buNone/>
-            </a:pPr>
-            <a:endParaRPr lang="ru-RU" sz="3600" dirty="0"/>
-          </a:p>
-        </p:txBody>
-      </p:sp>
-      <p:sp>
-        <p:nvSpPr>
-          <p:cNvPr id="4" name="TextBox 3"/>
-          <p:cNvSpPr txBox="1"/>
-          <p:nvPr/>
-        </p:nvSpPr>
-        <p:spPr>
-          <a:xfrm>
-            <a:off x="838200" y="1326777"/>
-            <a:ext cx="8050306" cy="369332"/>
-          </a:xfrm>
-          <a:prstGeom prst="rect">
-            <a:avLst/>
-          </a:prstGeom>
-          <a:noFill/>
-        </p:spPr>
-        <p:txBody>
-          <a:bodyPr wrap="square" rtlCol="0">
-            <a:spAutoFit/>
-          </a:bodyPr>
-          <a:lstStyle/>
-          <a:p>
-            <a:r>
-              <a:rPr lang="ru-RU" dirty="0"/>
-              <a:t>Колонка вес ниже 2500 – функция от веса. Уберём её.</a:t>
-            </a:r>
-          </a:p>
-        </p:txBody>
-      </p:sp>
-      <p:pic>
-        <p:nvPicPr>
-          <p:cNvPr id="3" name="Рисунок 2"/>
-          <p:cNvPicPr>
-            <a:picLocks noChangeAspect="1"/>
-          </p:cNvPicPr>
-          <p:nvPr/>
-        </p:nvPicPr>
-        <p:blipFill>
-          <a:blip r:embed="rId3"/>
-          <a:stretch>
-            <a:fillRect/>
-          </a:stretch>
-        </p:blipFill>
-        <p:spPr>
-          <a:xfrm>
-            <a:off x="838200" y="2026525"/>
-            <a:ext cx="6648450" cy="333375"/>
-          </a:xfrm>
-          <a:prstGeom prst="rect">
-            <a:avLst/>
-          </a:prstGeom>
-        </p:spPr>
-      </p:pic>
-      <p:pic>
-        <p:nvPicPr>
-          <p:cNvPr id="7" name="Рисунок 6"/>
-          <p:cNvPicPr>
-            <a:picLocks noChangeAspect="1"/>
-          </p:cNvPicPr>
-          <p:nvPr/>
-        </p:nvPicPr>
-        <p:blipFill>
-          <a:blip r:embed="rId4"/>
-          <a:stretch>
-            <a:fillRect/>
-          </a:stretch>
-        </p:blipFill>
-        <p:spPr>
-          <a:xfrm>
-            <a:off x="6395757" y="2911612"/>
-            <a:ext cx="5796243" cy="3738798"/>
-          </a:xfrm>
-          <a:prstGeom prst="rect">
-            <a:avLst/>
-          </a:prstGeom>
-        </p:spPr>
-      </p:pic>
-      <p:pic>
-        <p:nvPicPr>
-          <p:cNvPr id="5" name="Рисунок 4"/>
-          <p:cNvPicPr>
-            <a:picLocks noChangeAspect="1"/>
-          </p:cNvPicPr>
-          <p:nvPr/>
-        </p:nvPicPr>
-        <p:blipFill>
-          <a:blip r:embed="rId5"/>
-          <a:stretch>
-            <a:fillRect/>
-          </a:stretch>
-        </p:blipFill>
-        <p:spPr>
-          <a:xfrm>
-            <a:off x="838200" y="2690316"/>
-            <a:ext cx="5838825" cy="3733800"/>
-          </a:xfrm>
-          <a:prstGeom prst="rect">
-            <a:avLst/>
-          </a:prstGeom>
-        </p:spPr>
-      </p:pic>
-    </p:spTree>
-    <p:extLst>
-      <p:ext uri="{BB962C8B-B14F-4D97-AF65-F5344CB8AC3E}">
-        <p14:creationId xmlns:p14="http://schemas.microsoft.com/office/powerpoint/2010/main" val="2560579473"/>
-      </p:ext>
-    </p:extLst>
-  </p:cSld>
-  <p:clrMapOvr>
-    <a:masterClrMapping/>
-  </p:clrMapOvr>
-</p:sld>
-</file>
-
-<file path=ppt/slides/slide28.xml><?xml version="1.0" encoding="utf-8"?>
-<p:sld xmlns:a="http://schemas.openxmlformats.org/drawingml/2006/main" xmlns:r="http://schemas.openxmlformats.org/officeDocument/2006/relationships" xmlns:p="http://schemas.openxmlformats.org/presentationml/2006/main">
-  <p:cSld>
-    <p:spTree>
-      <p:nvGrpSpPr>
-        <p:cNvPr id="1" name=""/>
-        <p:cNvGrpSpPr/>
-        <p:nvPr/>
-      </p:nvGrpSpPr>
-      <p:grpSpPr>
-        <a:xfrm>
-          <a:off x="0" y="0"/>
-          <a:ext cx="0" cy="0"/>
-          <a:chOff x="0" y="0"/>
-          <a:chExt cx="0" cy="0"/>
-        </a:xfrm>
-      </p:grpSpPr>
-      <p:sp>
-        <p:nvSpPr>
-          <p:cNvPr id="2" name="Заголовок 1"/>
-          <p:cNvSpPr>
-            <a:spLocks noGrp="1"/>
-          </p:cNvSpPr>
-          <p:nvPr>
-            <p:ph type="title"/>
-          </p:nvPr>
-        </p:nvSpPr>
-        <p:spPr>
-          <a:xfrm>
-            <a:off x="838200" y="246548"/>
-            <a:ext cx="10515600" cy="1196770"/>
-          </a:xfrm>
-        </p:spPr>
-        <p:txBody>
-          <a:bodyPr>
-            <a:normAutofit/>
-          </a:bodyPr>
-          <a:lstStyle/>
-          <a:p>
-            <a:r>
-              <a:rPr lang="ru-RU" dirty="0"/>
-              <a:t>Обобщённые линейные модели</a:t>
-            </a:r>
-          </a:p>
-        </p:txBody>
-      </p:sp>
-      <p:sp>
-        <p:nvSpPr>
-          <p:cNvPr id="6" name="Объект 2"/>
-          <p:cNvSpPr txBox="1">
-            <a:spLocks/>
-          </p:cNvSpPr>
-          <p:nvPr/>
-        </p:nvSpPr>
-        <p:spPr>
-          <a:xfrm>
-            <a:off x="838200" y="3529275"/>
-            <a:ext cx="10515600" cy="2740822"/>
-          </a:xfrm>
-          <a:prstGeom prst="rect">
-            <a:avLst/>
-          </a:prstGeom>
-        </p:spPr>
-        <p:txBody>
-          <a:bodyPr vert="horz" lIns="91440" tIns="45720" rIns="91440" bIns="45720" rtlCol="0">
-            <a:normAutofit/>
-          </a:bodyPr>
-          <a:lstStyle>
-            <a:lvl1pPr marL="228600" indent="-228600" algn="l" defTabSz="914400" rtl="0" eaLnBrk="1" latinLnBrk="0" hangingPunct="1">
-              <a:lnSpc>
-                <a:spcPct val="90000"/>
-              </a:lnSpc>
-              <a:spcBef>
-                <a:spcPts val="1000"/>
-              </a:spcBef>
-              <a:buFont typeface="Arial" panose="020B0604020202020204" pitchFamily="34" charset="0"/>
-              <a:buChar char="•"/>
-              <a:defRPr sz="2800" kern="1200">
-                <a:solidFill>
-                  <a:schemeClr val="tx1"/>
-                </a:solidFill>
-                <a:latin typeface="+mn-lt"/>
-                <a:ea typeface="+mn-ea"/>
-                <a:cs typeface="+mn-cs"/>
-              </a:defRPr>
-            </a:lvl1pPr>
-            <a:lvl2pPr marL="685800" indent="-228600" algn="l" defTabSz="914400" rtl="0" eaLnBrk="1" latinLnBrk="0" hangingPunct="1">
-              <a:lnSpc>
-                <a:spcPct val="90000"/>
-              </a:lnSpc>
-              <a:spcBef>
-                <a:spcPts val="500"/>
-              </a:spcBef>
-              <a:buFont typeface="Arial" panose="020B0604020202020204" pitchFamily="34" charset="0"/>
-              <a:buChar char="•"/>
-              <a:defRPr sz="2400" kern="1200">
-                <a:solidFill>
-                  <a:schemeClr val="tx1"/>
-                </a:solidFill>
-                <a:latin typeface="+mn-lt"/>
-                <a:ea typeface="+mn-ea"/>
-                <a:cs typeface="+mn-cs"/>
-              </a:defRPr>
-            </a:lvl2pPr>
-            <a:lvl3pPr marL="1143000" indent="-228600" algn="l" defTabSz="914400" rtl="0" eaLnBrk="1" latinLnBrk="0" hangingPunct="1">
-              <a:lnSpc>
-                <a:spcPct val="90000"/>
-              </a:lnSpc>
-              <a:spcBef>
-                <a:spcPts val="500"/>
-              </a:spcBef>
-              <a:buFont typeface="Arial" panose="020B0604020202020204" pitchFamily="34" charset="0"/>
-              <a:buChar char="•"/>
-              <a:defRPr sz="2000" kern="1200">
-                <a:solidFill>
-                  <a:schemeClr val="tx1"/>
-                </a:solidFill>
-                <a:latin typeface="+mn-lt"/>
-                <a:ea typeface="+mn-ea"/>
-                <a:cs typeface="+mn-cs"/>
-              </a:defRPr>
-            </a:lvl3pPr>
-            <a:lvl4pPr marL="1600200" indent="-228600" algn="l" defTabSz="914400" rtl="0" eaLnBrk="1" latinLnBrk="0" hangingPunct="1">
-              <a:lnSpc>
-                <a:spcPct val="90000"/>
-              </a:lnSpc>
-              <a:spcBef>
-                <a:spcPts val="500"/>
-              </a:spcBef>
-              <a:buFont typeface="Arial" panose="020B0604020202020204" pitchFamily="34" charset="0"/>
-              <a:buChar char="•"/>
-              <a:defRPr sz="1800" kern="1200">
-                <a:solidFill>
-                  <a:schemeClr val="tx1"/>
-                </a:solidFill>
-                <a:latin typeface="+mn-lt"/>
-                <a:ea typeface="+mn-ea"/>
-                <a:cs typeface="+mn-cs"/>
-              </a:defRPr>
-            </a:lvl4pPr>
-            <a:lvl5pPr marL="2057400" indent="-228600" algn="l" defTabSz="914400" rtl="0" eaLnBrk="1" latinLnBrk="0" hangingPunct="1">
-              <a:lnSpc>
-                <a:spcPct val="90000"/>
-              </a:lnSpc>
-              <a:spcBef>
-                <a:spcPts val="500"/>
-              </a:spcBef>
-              <a:buFont typeface="Arial" panose="020B0604020202020204" pitchFamily="34" charset="0"/>
-              <a:buChar char="•"/>
-              <a:defRPr sz="1800" kern="1200">
-                <a:solidFill>
-                  <a:schemeClr val="tx1"/>
-                </a:solidFill>
-                <a:latin typeface="+mn-lt"/>
-                <a:ea typeface="+mn-ea"/>
-                <a:cs typeface="+mn-cs"/>
-              </a:defRPr>
-            </a:lvl5pPr>
-            <a:lvl6pPr marL="2514600" indent="-228600" algn="l" defTabSz="914400" rtl="0" eaLnBrk="1" latinLnBrk="0" hangingPunct="1">
-              <a:lnSpc>
-                <a:spcPct val="90000"/>
-              </a:lnSpc>
-              <a:spcBef>
-                <a:spcPts val="500"/>
-              </a:spcBef>
-              <a:buFont typeface="Arial" panose="020B0604020202020204" pitchFamily="34" charset="0"/>
-              <a:buChar char="•"/>
-              <a:defRPr sz="1800" kern="1200">
-                <a:solidFill>
-                  <a:schemeClr val="tx1"/>
-                </a:solidFill>
-                <a:latin typeface="+mn-lt"/>
-                <a:ea typeface="+mn-ea"/>
-                <a:cs typeface="+mn-cs"/>
-              </a:defRPr>
-            </a:lvl6pPr>
-            <a:lvl7pPr marL="2971800" indent="-228600" algn="l" defTabSz="914400" rtl="0" eaLnBrk="1" latinLnBrk="0" hangingPunct="1">
-              <a:lnSpc>
-                <a:spcPct val="90000"/>
-              </a:lnSpc>
-              <a:spcBef>
-                <a:spcPts val="500"/>
-              </a:spcBef>
-              <a:buFont typeface="Arial" panose="020B0604020202020204" pitchFamily="34" charset="0"/>
-              <a:buChar char="•"/>
-              <a:defRPr sz="1800" kern="1200">
-                <a:solidFill>
-                  <a:schemeClr val="tx1"/>
-                </a:solidFill>
-                <a:latin typeface="+mn-lt"/>
-                <a:ea typeface="+mn-ea"/>
-                <a:cs typeface="+mn-cs"/>
-              </a:defRPr>
-            </a:lvl7pPr>
-            <a:lvl8pPr marL="3429000" indent="-228600" algn="l" defTabSz="914400" rtl="0" eaLnBrk="1" latinLnBrk="0" hangingPunct="1">
-              <a:lnSpc>
-                <a:spcPct val="90000"/>
-              </a:lnSpc>
-              <a:spcBef>
-                <a:spcPts val="500"/>
-              </a:spcBef>
-              <a:buFont typeface="Arial" panose="020B0604020202020204" pitchFamily="34" charset="0"/>
-              <a:buChar char="•"/>
-              <a:defRPr sz="1800" kern="1200">
-                <a:solidFill>
-                  <a:schemeClr val="tx1"/>
-                </a:solidFill>
-                <a:latin typeface="+mn-lt"/>
-                <a:ea typeface="+mn-ea"/>
-                <a:cs typeface="+mn-cs"/>
-              </a:defRPr>
-            </a:lvl8pPr>
-            <a:lvl9pPr marL="3886200" indent="-228600" algn="l" defTabSz="914400" rtl="0" eaLnBrk="1" latinLnBrk="0" hangingPunct="1">
-              <a:lnSpc>
-                <a:spcPct val="90000"/>
-              </a:lnSpc>
-              <a:spcBef>
-                <a:spcPts val="500"/>
-              </a:spcBef>
-              <a:buFont typeface="Arial" panose="020B0604020202020204" pitchFamily="34" charset="0"/>
-              <a:buChar char="•"/>
-              <a:defRPr sz="1800" kern="1200">
-                <a:solidFill>
-                  <a:schemeClr val="tx1"/>
-                </a:solidFill>
-                <a:latin typeface="+mn-lt"/>
-                <a:ea typeface="+mn-ea"/>
-                <a:cs typeface="+mn-cs"/>
-              </a:defRPr>
-            </a:lvl9pPr>
-          </a:lstStyle>
-          <a:p>
-            <a:endParaRPr lang="ru-RU" sz="3600" dirty="0"/>
-          </a:p>
-          <a:p>
-            <a:pPr marL="0" indent="0">
-              <a:buFont typeface="Arial" panose="020B0604020202020204" pitchFamily="34" charset="0"/>
-              <a:buNone/>
-            </a:pPr>
-            <a:endParaRPr lang="ru-RU" sz="3600" dirty="0"/>
-          </a:p>
-        </p:txBody>
-      </p:sp>
-      <p:sp>
-        <p:nvSpPr>
-          <p:cNvPr id="4" name="TextBox 3"/>
-          <p:cNvSpPr txBox="1"/>
-          <p:nvPr/>
-        </p:nvSpPr>
-        <p:spPr>
-          <a:xfrm>
-            <a:off x="838200" y="1326777"/>
-            <a:ext cx="8050306" cy="646331"/>
-          </a:xfrm>
-          <a:prstGeom prst="rect">
-            <a:avLst/>
-          </a:prstGeom>
-          <a:noFill/>
-        </p:spPr>
-        <p:txBody>
-          <a:bodyPr wrap="square" rtlCol="0">
-            <a:spAutoFit/>
-          </a:bodyPr>
-          <a:lstStyle/>
-          <a:p>
-            <a:r>
-              <a:rPr lang="ru-RU" dirty="0"/>
-              <a:t>Возможно линейное увеличение веса, не так важно ,как пороговое значение 2500 грамм? Попробуем применить обобщённую линейную модель.</a:t>
-            </a:r>
-          </a:p>
-        </p:txBody>
-      </p:sp>
-      <p:pic>
-        <p:nvPicPr>
-          <p:cNvPr id="8" name="Рисунок 7"/>
-          <p:cNvPicPr>
-            <a:picLocks noChangeAspect="1"/>
-          </p:cNvPicPr>
-          <p:nvPr/>
-        </p:nvPicPr>
-        <p:blipFill>
-          <a:blip r:embed="rId3"/>
-          <a:stretch>
-            <a:fillRect/>
-          </a:stretch>
-        </p:blipFill>
-        <p:spPr>
-          <a:xfrm>
-            <a:off x="838200" y="2181496"/>
-            <a:ext cx="5657850" cy="304800"/>
-          </a:xfrm>
-          <a:prstGeom prst="rect">
-            <a:avLst/>
-          </a:prstGeom>
-        </p:spPr>
-      </p:pic>
-      <p:pic>
-        <p:nvPicPr>
-          <p:cNvPr id="9" name="Рисунок 8"/>
-          <p:cNvPicPr>
-            <a:picLocks noChangeAspect="1"/>
-          </p:cNvPicPr>
-          <p:nvPr/>
-        </p:nvPicPr>
-        <p:blipFill>
-          <a:blip r:embed="rId4"/>
-          <a:stretch>
-            <a:fillRect/>
-          </a:stretch>
-        </p:blipFill>
-        <p:spPr>
-          <a:xfrm>
-            <a:off x="4667810" y="2314575"/>
-            <a:ext cx="7410450" cy="4543425"/>
-          </a:xfrm>
-          <a:prstGeom prst="rect">
-            <a:avLst/>
-          </a:prstGeom>
-        </p:spPr>
-      </p:pic>
-    </p:spTree>
-    <p:extLst>
-      <p:ext uri="{BB962C8B-B14F-4D97-AF65-F5344CB8AC3E}">
-        <p14:creationId xmlns:p14="http://schemas.microsoft.com/office/powerpoint/2010/main" val="1791605381"/>
-      </p:ext>
-    </p:extLst>
-  </p:cSld>
-  <p:clrMapOvr>
-    <a:masterClrMapping/>
-  </p:clrMapOvr>
-</p:sld>
-</file>
-
-<file path=ppt/slides/slide29.xml><?xml version="1.0" encoding="utf-8"?>
-<p:sld xmlns:a="http://schemas.openxmlformats.org/drawingml/2006/main" xmlns:r="http://schemas.openxmlformats.org/officeDocument/2006/relationships" xmlns:p="http://schemas.openxmlformats.org/presentationml/2006/main">
-  <p:cSld>
-    <p:spTree>
-      <p:nvGrpSpPr>
-        <p:cNvPr id="1" name=""/>
-        <p:cNvGrpSpPr/>
-        <p:nvPr/>
-      </p:nvGrpSpPr>
-      <p:grpSpPr>
-        <a:xfrm>
-          <a:off x="0" y="0"/>
-          <a:ext cx="0" cy="0"/>
-          <a:chOff x="0" y="0"/>
-          <a:chExt cx="0" cy="0"/>
-        </a:xfrm>
-      </p:grpSpPr>
-      <p:sp>
-        <p:nvSpPr>
-          <p:cNvPr id="2" name="Заголовок 1"/>
-          <p:cNvSpPr>
-            <a:spLocks noGrp="1"/>
-          </p:cNvSpPr>
-          <p:nvPr>
-            <p:ph type="title"/>
-          </p:nvPr>
-        </p:nvSpPr>
-        <p:spPr>
-          <a:xfrm>
-            <a:off x="838200" y="246548"/>
-            <a:ext cx="10515600" cy="1196770"/>
-          </a:xfrm>
-        </p:spPr>
-        <p:txBody>
-          <a:bodyPr>
-            <a:normAutofit/>
-          </a:bodyPr>
-          <a:lstStyle/>
-          <a:p>
-            <a:r>
-              <a:rPr lang="ru-RU" dirty="0"/>
-              <a:t>Обобщённые линейные модели</a:t>
-            </a:r>
-          </a:p>
-        </p:txBody>
-      </p:sp>
-      <p:sp>
-        <p:nvSpPr>
-          <p:cNvPr id="6" name="Объект 2"/>
-          <p:cNvSpPr txBox="1">
-            <a:spLocks/>
-          </p:cNvSpPr>
-          <p:nvPr/>
-        </p:nvSpPr>
-        <p:spPr>
-          <a:xfrm>
-            <a:off x="838200" y="3529275"/>
-            <a:ext cx="10515600" cy="2740822"/>
-          </a:xfrm>
-          <a:prstGeom prst="rect">
-            <a:avLst/>
-          </a:prstGeom>
-        </p:spPr>
-        <p:txBody>
-          <a:bodyPr vert="horz" lIns="91440" tIns="45720" rIns="91440" bIns="45720" rtlCol="0">
-            <a:normAutofit/>
-          </a:bodyPr>
-          <a:lstStyle>
-            <a:lvl1pPr marL="228600" indent="-228600" algn="l" defTabSz="914400" rtl="0" eaLnBrk="1" latinLnBrk="0" hangingPunct="1">
-              <a:lnSpc>
-                <a:spcPct val="90000"/>
-              </a:lnSpc>
-              <a:spcBef>
-                <a:spcPts val="1000"/>
-              </a:spcBef>
-              <a:buFont typeface="Arial" panose="020B0604020202020204" pitchFamily="34" charset="0"/>
-              <a:buChar char="•"/>
-              <a:defRPr sz="2800" kern="1200">
-                <a:solidFill>
-                  <a:schemeClr val="tx1"/>
-                </a:solidFill>
-                <a:latin typeface="+mn-lt"/>
-                <a:ea typeface="+mn-ea"/>
-                <a:cs typeface="+mn-cs"/>
-              </a:defRPr>
-            </a:lvl1pPr>
-            <a:lvl2pPr marL="685800" indent="-228600" algn="l" defTabSz="914400" rtl="0" eaLnBrk="1" latinLnBrk="0" hangingPunct="1">
-              <a:lnSpc>
-                <a:spcPct val="90000"/>
-              </a:lnSpc>
-              <a:spcBef>
-                <a:spcPts val="500"/>
-              </a:spcBef>
-              <a:buFont typeface="Arial" panose="020B0604020202020204" pitchFamily="34" charset="0"/>
-              <a:buChar char="•"/>
-              <a:defRPr sz="2400" kern="1200">
-                <a:solidFill>
-                  <a:schemeClr val="tx1"/>
-                </a:solidFill>
-                <a:latin typeface="+mn-lt"/>
-                <a:ea typeface="+mn-ea"/>
-                <a:cs typeface="+mn-cs"/>
-              </a:defRPr>
-            </a:lvl2pPr>
-            <a:lvl3pPr marL="1143000" indent="-228600" algn="l" defTabSz="914400" rtl="0" eaLnBrk="1" latinLnBrk="0" hangingPunct="1">
-              <a:lnSpc>
-                <a:spcPct val="90000"/>
-              </a:lnSpc>
-              <a:spcBef>
-                <a:spcPts val="500"/>
-              </a:spcBef>
-              <a:buFont typeface="Arial" panose="020B0604020202020204" pitchFamily="34" charset="0"/>
-              <a:buChar char="•"/>
-              <a:defRPr sz="2000" kern="1200">
-                <a:solidFill>
-                  <a:schemeClr val="tx1"/>
-                </a:solidFill>
-                <a:latin typeface="+mn-lt"/>
-                <a:ea typeface="+mn-ea"/>
-                <a:cs typeface="+mn-cs"/>
-              </a:defRPr>
-            </a:lvl3pPr>
-            <a:lvl4pPr marL="1600200" indent="-228600" algn="l" defTabSz="914400" rtl="0" eaLnBrk="1" latinLnBrk="0" hangingPunct="1">
-              <a:lnSpc>
-                <a:spcPct val="90000"/>
-              </a:lnSpc>
-              <a:spcBef>
-                <a:spcPts val="500"/>
-              </a:spcBef>
-              <a:buFont typeface="Arial" panose="020B0604020202020204" pitchFamily="34" charset="0"/>
-              <a:buChar char="•"/>
-              <a:defRPr sz="1800" kern="1200">
-                <a:solidFill>
-                  <a:schemeClr val="tx1"/>
-                </a:solidFill>
-                <a:latin typeface="+mn-lt"/>
-                <a:ea typeface="+mn-ea"/>
-                <a:cs typeface="+mn-cs"/>
-              </a:defRPr>
-            </a:lvl4pPr>
-            <a:lvl5pPr marL="2057400" indent="-228600" algn="l" defTabSz="914400" rtl="0" eaLnBrk="1" latinLnBrk="0" hangingPunct="1">
-              <a:lnSpc>
-                <a:spcPct val="90000"/>
-              </a:lnSpc>
-              <a:spcBef>
-                <a:spcPts val="500"/>
-              </a:spcBef>
-              <a:buFont typeface="Arial" panose="020B0604020202020204" pitchFamily="34" charset="0"/>
-              <a:buChar char="•"/>
-              <a:defRPr sz="1800" kern="1200">
-                <a:solidFill>
-                  <a:schemeClr val="tx1"/>
-                </a:solidFill>
-                <a:latin typeface="+mn-lt"/>
-                <a:ea typeface="+mn-ea"/>
-                <a:cs typeface="+mn-cs"/>
-              </a:defRPr>
-            </a:lvl5pPr>
-            <a:lvl6pPr marL="2514600" indent="-228600" algn="l" defTabSz="914400" rtl="0" eaLnBrk="1" latinLnBrk="0" hangingPunct="1">
-              <a:lnSpc>
-                <a:spcPct val="90000"/>
-              </a:lnSpc>
-              <a:spcBef>
-                <a:spcPts val="500"/>
-              </a:spcBef>
-              <a:buFont typeface="Arial" panose="020B0604020202020204" pitchFamily="34" charset="0"/>
-              <a:buChar char="•"/>
-              <a:defRPr sz="1800" kern="1200">
-                <a:solidFill>
-                  <a:schemeClr val="tx1"/>
-                </a:solidFill>
-                <a:latin typeface="+mn-lt"/>
-                <a:ea typeface="+mn-ea"/>
-                <a:cs typeface="+mn-cs"/>
-              </a:defRPr>
-            </a:lvl6pPr>
-            <a:lvl7pPr marL="2971800" indent="-228600" algn="l" defTabSz="914400" rtl="0" eaLnBrk="1" latinLnBrk="0" hangingPunct="1">
-              <a:lnSpc>
-                <a:spcPct val="90000"/>
-              </a:lnSpc>
-              <a:spcBef>
-                <a:spcPts val="500"/>
-              </a:spcBef>
-              <a:buFont typeface="Arial" panose="020B0604020202020204" pitchFamily="34" charset="0"/>
-              <a:buChar char="•"/>
-              <a:defRPr sz="1800" kern="1200">
-                <a:solidFill>
-                  <a:schemeClr val="tx1"/>
-                </a:solidFill>
-                <a:latin typeface="+mn-lt"/>
-                <a:ea typeface="+mn-ea"/>
-                <a:cs typeface="+mn-cs"/>
-              </a:defRPr>
-            </a:lvl7pPr>
-            <a:lvl8pPr marL="3429000" indent="-228600" algn="l" defTabSz="914400" rtl="0" eaLnBrk="1" latinLnBrk="0" hangingPunct="1">
-              <a:lnSpc>
-                <a:spcPct val="90000"/>
-              </a:lnSpc>
-              <a:spcBef>
-                <a:spcPts val="500"/>
-              </a:spcBef>
-              <a:buFont typeface="Arial" panose="020B0604020202020204" pitchFamily="34" charset="0"/>
-              <a:buChar char="•"/>
-              <a:defRPr sz="1800" kern="1200">
-                <a:solidFill>
-                  <a:schemeClr val="tx1"/>
-                </a:solidFill>
-                <a:latin typeface="+mn-lt"/>
-                <a:ea typeface="+mn-ea"/>
-                <a:cs typeface="+mn-cs"/>
-              </a:defRPr>
-            </a:lvl8pPr>
-            <a:lvl9pPr marL="3886200" indent="-228600" algn="l" defTabSz="914400" rtl="0" eaLnBrk="1" latinLnBrk="0" hangingPunct="1">
-              <a:lnSpc>
-                <a:spcPct val="90000"/>
-              </a:lnSpc>
-              <a:spcBef>
-                <a:spcPts val="500"/>
-              </a:spcBef>
-              <a:buFont typeface="Arial" panose="020B0604020202020204" pitchFamily="34" charset="0"/>
-              <a:buChar char="•"/>
-              <a:defRPr sz="1800" kern="1200">
-                <a:solidFill>
-                  <a:schemeClr val="tx1"/>
-                </a:solidFill>
-                <a:latin typeface="+mn-lt"/>
-                <a:ea typeface="+mn-ea"/>
-                <a:cs typeface="+mn-cs"/>
-              </a:defRPr>
-            </a:lvl9pPr>
-          </a:lstStyle>
-          <a:p>
-            <a:endParaRPr lang="ru-RU" sz="3600" dirty="0"/>
-          </a:p>
-          <a:p>
-            <a:pPr marL="0" indent="0">
-              <a:buFont typeface="Arial" panose="020B0604020202020204" pitchFamily="34" charset="0"/>
-              <a:buNone/>
-            </a:pPr>
-            <a:endParaRPr lang="ru-RU" sz="3600" dirty="0"/>
-          </a:p>
-        </p:txBody>
-      </p:sp>
-      <p:sp>
-        <p:nvSpPr>
-          <p:cNvPr id="4" name="TextBox 3"/>
-          <p:cNvSpPr txBox="1"/>
-          <p:nvPr/>
-        </p:nvSpPr>
-        <p:spPr>
-          <a:xfrm>
-            <a:off x="838200" y="1326777"/>
-            <a:ext cx="8050306" cy="646331"/>
-          </a:xfrm>
-          <a:prstGeom prst="rect">
-            <a:avLst/>
-          </a:prstGeom>
-          <a:noFill/>
-        </p:spPr>
-        <p:txBody>
-          <a:bodyPr wrap="square" rtlCol="0">
-            <a:spAutoFit/>
-          </a:bodyPr>
-          <a:lstStyle/>
-          <a:p>
-            <a:r>
-              <a:rPr lang="ru-RU" dirty="0"/>
-              <a:t>По умолчанию используется </a:t>
-            </a:r>
-            <a:r>
-              <a:rPr lang="ru-RU" dirty="0" err="1"/>
-              <a:t>гауссиана</a:t>
-            </a:r>
-            <a:r>
-              <a:rPr lang="ru-RU" dirty="0"/>
-              <a:t> (стандартная линейна регрессия). Заменим её</a:t>
-            </a:r>
-          </a:p>
-        </p:txBody>
-      </p:sp>
-      <p:pic>
-        <p:nvPicPr>
-          <p:cNvPr id="3" name="Рисунок 2"/>
-          <p:cNvPicPr>
-            <a:picLocks noChangeAspect="1"/>
-          </p:cNvPicPr>
-          <p:nvPr/>
-        </p:nvPicPr>
-        <p:blipFill>
-          <a:blip r:embed="rId3"/>
-          <a:stretch>
-            <a:fillRect/>
-          </a:stretch>
-        </p:blipFill>
-        <p:spPr>
-          <a:xfrm>
-            <a:off x="838200" y="1973108"/>
-            <a:ext cx="8029575" cy="514350"/>
-          </a:xfrm>
-          <a:prstGeom prst="rect">
-            <a:avLst/>
-          </a:prstGeom>
-        </p:spPr>
-      </p:pic>
-      <p:pic>
-        <p:nvPicPr>
-          <p:cNvPr id="7" name="Рисунок 6"/>
-          <p:cNvPicPr>
-            <a:picLocks noChangeAspect="1"/>
-          </p:cNvPicPr>
-          <p:nvPr/>
-        </p:nvPicPr>
-        <p:blipFill>
-          <a:blip r:embed="rId4"/>
-          <a:stretch>
-            <a:fillRect/>
-          </a:stretch>
-        </p:blipFill>
-        <p:spPr>
-          <a:xfrm>
-            <a:off x="4701708" y="2230283"/>
-            <a:ext cx="7324725" cy="4533900"/>
-          </a:xfrm>
-          <a:prstGeom prst="rect">
-            <a:avLst/>
-          </a:prstGeom>
-        </p:spPr>
-      </p:pic>
-      <p:pic>
-        <p:nvPicPr>
-          <p:cNvPr id="10" name="Рисунок 9"/>
-          <p:cNvPicPr>
-            <a:picLocks noChangeAspect="1"/>
-          </p:cNvPicPr>
-          <p:nvPr/>
-        </p:nvPicPr>
-        <p:blipFill rotWithShape="1">
-          <a:blip r:embed="rId5"/>
-          <a:srcRect l="2036"/>
-          <a:stretch/>
-        </p:blipFill>
-        <p:spPr>
-          <a:xfrm>
-            <a:off x="448235" y="2523547"/>
-            <a:ext cx="4805503" cy="3752850"/>
-          </a:xfrm>
-          <a:prstGeom prst="rect">
-            <a:avLst/>
-          </a:prstGeom>
-        </p:spPr>
-      </p:pic>
-    </p:spTree>
-    <p:extLst>
-      <p:ext uri="{BB962C8B-B14F-4D97-AF65-F5344CB8AC3E}">
-        <p14:creationId xmlns:p14="http://schemas.microsoft.com/office/powerpoint/2010/main" val="2139470248"/>
+        <p14:creationId xmlns:p14="http://schemas.microsoft.com/office/powerpoint/2010/main" val="2915561100"/>
       </p:ext>
     </p:extLst>
   </p:cSld>
@@ -11990,810 +7662,6 @@
     <p:extLst>
       <p:ext uri="{BB962C8B-B14F-4D97-AF65-F5344CB8AC3E}">
         <p14:creationId xmlns:p14="http://schemas.microsoft.com/office/powerpoint/2010/main" val="1172099967"/>
-      </p:ext>
-    </p:extLst>
-  </p:cSld>
-  <p:clrMapOvr>
-    <a:masterClrMapping/>
-  </p:clrMapOvr>
-</p:sld>
-</file>
-
-<file path=ppt/slides/slide30.xml><?xml version="1.0" encoding="utf-8"?>
-<p:sld xmlns:a="http://schemas.openxmlformats.org/drawingml/2006/main" xmlns:r="http://schemas.openxmlformats.org/officeDocument/2006/relationships" xmlns:p="http://schemas.openxmlformats.org/presentationml/2006/main">
-  <p:cSld>
-    <p:spTree>
-      <p:nvGrpSpPr>
-        <p:cNvPr id="1" name=""/>
-        <p:cNvGrpSpPr/>
-        <p:nvPr/>
-      </p:nvGrpSpPr>
-      <p:grpSpPr>
-        <a:xfrm>
-          <a:off x="0" y="0"/>
-          <a:ext cx="0" cy="0"/>
-          <a:chOff x="0" y="0"/>
-          <a:chExt cx="0" cy="0"/>
-        </a:xfrm>
-      </p:grpSpPr>
-      <p:sp>
-        <p:nvSpPr>
-          <p:cNvPr id="2" name="Заголовок 1"/>
-          <p:cNvSpPr>
-            <a:spLocks noGrp="1"/>
-          </p:cNvSpPr>
-          <p:nvPr>
-            <p:ph type="title"/>
-          </p:nvPr>
-        </p:nvSpPr>
-        <p:spPr>
-          <a:xfrm>
-            <a:off x="838200" y="246548"/>
-            <a:ext cx="10515600" cy="1196770"/>
-          </a:xfrm>
-        </p:spPr>
-        <p:txBody>
-          <a:bodyPr>
-            <a:normAutofit/>
-          </a:bodyPr>
-          <a:lstStyle/>
-          <a:p>
-            <a:r>
-              <a:rPr lang="ru-RU" dirty="0"/>
-              <a:t>Ну и для чего мы всё это делали?</a:t>
-            </a:r>
-          </a:p>
-        </p:txBody>
-      </p:sp>
-      <p:sp>
-        <p:nvSpPr>
-          <p:cNvPr id="6" name="Объект 2"/>
-          <p:cNvSpPr txBox="1">
-            <a:spLocks/>
-          </p:cNvSpPr>
-          <p:nvPr/>
-        </p:nvSpPr>
-        <p:spPr>
-          <a:xfrm>
-            <a:off x="838200" y="3529275"/>
-            <a:ext cx="10515600" cy="2740822"/>
-          </a:xfrm>
-          <a:prstGeom prst="rect">
-            <a:avLst/>
-          </a:prstGeom>
-        </p:spPr>
-        <p:txBody>
-          <a:bodyPr vert="horz" lIns="91440" tIns="45720" rIns="91440" bIns="45720" rtlCol="0">
-            <a:normAutofit/>
-          </a:bodyPr>
-          <a:lstStyle>
-            <a:lvl1pPr marL="228600" indent="-228600" algn="l" defTabSz="914400" rtl="0" eaLnBrk="1" latinLnBrk="0" hangingPunct="1">
-              <a:lnSpc>
-                <a:spcPct val="90000"/>
-              </a:lnSpc>
-              <a:spcBef>
-                <a:spcPts val="1000"/>
-              </a:spcBef>
-              <a:buFont typeface="Arial" panose="020B0604020202020204" pitchFamily="34" charset="0"/>
-              <a:buChar char="•"/>
-              <a:defRPr sz="2800" kern="1200">
-                <a:solidFill>
-                  <a:schemeClr val="tx1"/>
-                </a:solidFill>
-                <a:latin typeface="+mn-lt"/>
-                <a:ea typeface="+mn-ea"/>
-                <a:cs typeface="+mn-cs"/>
-              </a:defRPr>
-            </a:lvl1pPr>
-            <a:lvl2pPr marL="685800" indent="-228600" algn="l" defTabSz="914400" rtl="0" eaLnBrk="1" latinLnBrk="0" hangingPunct="1">
-              <a:lnSpc>
-                <a:spcPct val="90000"/>
-              </a:lnSpc>
-              <a:spcBef>
-                <a:spcPts val="500"/>
-              </a:spcBef>
-              <a:buFont typeface="Arial" panose="020B0604020202020204" pitchFamily="34" charset="0"/>
-              <a:buChar char="•"/>
-              <a:defRPr sz="2400" kern="1200">
-                <a:solidFill>
-                  <a:schemeClr val="tx1"/>
-                </a:solidFill>
-                <a:latin typeface="+mn-lt"/>
-                <a:ea typeface="+mn-ea"/>
-                <a:cs typeface="+mn-cs"/>
-              </a:defRPr>
-            </a:lvl2pPr>
-            <a:lvl3pPr marL="1143000" indent="-228600" algn="l" defTabSz="914400" rtl="0" eaLnBrk="1" latinLnBrk="0" hangingPunct="1">
-              <a:lnSpc>
-                <a:spcPct val="90000"/>
-              </a:lnSpc>
-              <a:spcBef>
-                <a:spcPts val="500"/>
-              </a:spcBef>
-              <a:buFont typeface="Arial" panose="020B0604020202020204" pitchFamily="34" charset="0"/>
-              <a:buChar char="•"/>
-              <a:defRPr sz="2000" kern="1200">
-                <a:solidFill>
-                  <a:schemeClr val="tx1"/>
-                </a:solidFill>
-                <a:latin typeface="+mn-lt"/>
-                <a:ea typeface="+mn-ea"/>
-                <a:cs typeface="+mn-cs"/>
-              </a:defRPr>
-            </a:lvl3pPr>
-            <a:lvl4pPr marL="1600200" indent="-228600" algn="l" defTabSz="914400" rtl="0" eaLnBrk="1" latinLnBrk="0" hangingPunct="1">
-              <a:lnSpc>
-                <a:spcPct val="90000"/>
-              </a:lnSpc>
-              <a:spcBef>
-                <a:spcPts val="500"/>
-              </a:spcBef>
-              <a:buFont typeface="Arial" panose="020B0604020202020204" pitchFamily="34" charset="0"/>
-              <a:buChar char="•"/>
-              <a:defRPr sz="1800" kern="1200">
-                <a:solidFill>
-                  <a:schemeClr val="tx1"/>
-                </a:solidFill>
-                <a:latin typeface="+mn-lt"/>
-                <a:ea typeface="+mn-ea"/>
-                <a:cs typeface="+mn-cs"/>
-              </a:defRPr>
-            </a:lvl4pPr>
-            <a:lvl5pPr marL="2057400" indent="-228600" algn="l" defTabSz="914400" rtl="0" eaLnBrk="1" latinLnBrk="0" hangingPunct="1">
-              <a:lnSpc>
-                <a:spcPct val="90000"/>
-              </a:lnSpc>
-              <a:spcBef>
-                <a:spcPts val="500"/>
-              </a:spcBef>
-              <a:buFont typeface="Arial" panose="020B0604020202020204" pitchFamily="34" charset="0"/>
-              <a:buChar char="•"/>
-              <a:defRPr sz="1800" kern="1200">
-                <a:solidFill>
-                  <a:schemeClr val="tx1"/>
-                </a:solidFill>
-                <a:latin typeface="+mn-lt"/>
-                <a:ea typeface="+mn-ea"/>
-                <a:cs typeface="+mn-cs"/>
-              </a:defRPr>
-            </a:lvl5pPr>
-            <a:lvl6pPr marL="2514600" indent="-228600" algn="l" defTabSz="914400" rtl="0" eaLnBrk="1" latinLnBrk="0" hangingPunct="1">
-              <a:lnSpc>
-                <a:spcPct val="90000"/>
-              </a:lnSpc>
-              <a:spcBef>
-                <a:spcPts val="500"/>
-              </a:spcBef>
-              <a:buFont typeface="Arial" panose="020B0604020202020204" pitchFamily="34" charset="0"/>
-              <a:buChar char="•"/>
-              <a:defRPr sz="1800" kern="1200">
-                <a:solidFill>
-                  <a:schemeClr val="tx1"/>
-                </a:solidFill>
-                <a:latin typeface="+mn-lt"/>
-                <a:ea typeface="+mn-ea"/>
-                <a:cs typeface="+mn-cs"/>
-              </a:defRPr>
-            </a:lvl6pPr>
-            <a:lvl7pPr marL="2971800" indent="-228600" algn="l" defTabSz="914400" rtl="0" eaLnBrk="1" latinLnBrk="0" hangingPunct="1">
-              <a:lnSpc>
-                <a:spcPct val="90000"/>
-              </a:lnSpc>
-              <a:spcBef>
-                <a:spcPts val="500"/>
-              </a:spcBef>
-              <a:buFont typeface="Arial" panose="020B0604020202020204" pitchFamily="34" charset="0"/>
-              <a:buChar char="•"/>
-              <a:defRPr sz="1800" kern="1200">
-                <a:solidFill>
-                  <a:schemeClr val="tx1"/>
-                </a:solidFill>
-                <a:latin typeface="+mn-lt"/>
-                <a:ea typeface="+mn-ea"/>
-                <a:cs typeface="+mn-cs"/>
-              </a:defRPr>
-            </a:lvl7pPr>
-            <a:lvl8pPr marL="3429000" indent="-228600" algn="l" defTabSz="914400" rtl="0" eaLnBrk="1" latinLnBrk="0" hangingPunct="1">
-              <a:lnSpc>
-                <a:spcPct val="90000"/>
-              </a:lnSpc>
-              <a:spcBef>
-                <a:spcPts val="500"/>
-              </a:spcBef>
-              <a:buFont typeface="Arial" panose="020B0604020202020204" pitchFamily="34" charset="0"/>
-              <a:buChar char="•"/>
-              <a:defRPr sz="1800" kern="1200">
-                <a:solidFill>
-                  <a:schemeClr val="tx1"/>
-                </a:solidFill>
-                <a:latin typeface="+mn-lt"/>
-                <a:ea typeface="+mn-ea"/>
-                <a:cs typeface="+mn-cs"/>
-              </a:defRPr>
-            </a:lvl8pPr>
-            <a:lvl9pPr marL="3886200" indent="-228600" algn="l" defTabSz="914400" rtl="0" eaLnBrk="1" latinLnBrk="0" hangingPunct="1">
-              <a:lnSpc>
-                <a:spcPct val="90000"/>
-              </a:lnSpc>
-              <a:spcBef>
-                <a:spcPts val="500"/>
-              </a:spcBef>
-              <a:buFont typeface="Arial" panose="020B0604020202020204" pitchFamily="34" charset="0"/>
-              <a:buChar char="•"/>
-              <a:defRPr sz="1800" kern="1200">
-                <a:solidFill>
-                  <a:schemeClr val="tx1"/>
-                </a:solidFill>
-                <a:latin typeface="+mn-lt"/>
-                <a:ea typeface="+mn-ea"/>
-                <a:cs typeface="+mn-cs"/>
-              </a:defRPr>
-            </a:lvl9pPr>
-          </a:lstStyle>
-          <a:p>
-            <a:endParaRPr lang="ru-RU" sz="3600" dirty="0"/>
-          </a:p>
-          <a:p>
-            <a:pPr marL="0" indent="0">
-              <a:buFont typeface="Arial" panose="020B0604020202020204" pitchFamily="34" charset="0"/>
-              <a:buNone/>
-            </a:pPr>
-            <a:endParaRPr lang="ru-RU" sz="3600" dirty="0"/>
-          </a:p>
-        </p:txBody>
-      </p:sp>
-      <p:sp>
-        <p:nvSpPr>
-          <p:cNvPr id="4" name="TextBox 3"/>
-          <p:cNvSpPr txBox="1"/>
-          <p:nvPr/>
-        </p:nvSpPr>
-        <p:spPr>
-          <a:xfrm>
-            <a:off x="838200" y="1326777"/>
-            <a:ext cx="8050306" cy="369332"/>
-          </a:xfrm>
-          <a:prstGeom prst="rect">
-            <a:avLst/>
-          </a:prstGeom>
-          <a:noFill/>
-        </p:spPr>
-        <p:txBody>
-          <a:bodyPr wrap="square" rtlCol="0">
-            <a:spAutoFit/>
-          </a:bodyPr>
-          <a:lstStyle/>
-          <a:p>
-            <a:r>
-              <a:rPr lang="ru-RU" dirty="0"/>
-              <a:t>Разделим массив данных и попробуем предсказать значения</a:t>
-            </a:r>
-          </a:p>
-        </p:txBody>
-      </p:sp>
-      <p:pic>
-        <p:nvPicPr>
-          <p:cNvPr id="11" name="Рисунок 10"/>
-          <p:cNvPicPr>
-            <a:picLocks noChangeAspect="1"/>
-          </p:cNvPicPr>
-          <p:nvPr/>
-        </p:nvPicPr>
-        <p:blipFill>
-          <a:blip r:embed="rId3"/>
-          <a:stretch>
-            <a:fillRect/>
-          </a:stretch>
-        </p:blipFill>
-        <p:spPr>
-          <a:xfrm>
-            <a:off x="838200" y="1916988"/>
-            <a:ext cx="6229350" cy="885825"/>
-          </a:xfrm>
-          <a:prstGeom prst="rect">
-            <a:avLst/>
-          </a:prstGeom>
-        </p:spPr>
-      </p:pic>
-      <p:pic>
-        <p:nvPicPr>
-          <p:cNvPr id="13" name="Рисунок 12"/>
-          <p:cNvPicPr>
-            <a:picLocks noChangeAspect="1"/>
-          </p:cNvPicPr>
-          <p:nvPr/>
-        </p:nvPicPr>
-        <p:blipFill>
-          <a:blip r:embed="rId4"/>
-          <a:stretch>
-            <a:fillRect/>
-          </a:stretch>
-        </p:blipFill>
-        <p:spPr>
-          <a:xfrm>
-            <a:off x="8286750" y="1357401"/>
-            <a:ext cx="3695700" cy="485775"/>
-          </a:xfrm>
-          <a:prstGeom prst="rect">
-            <a:avLst/>
-          </a:prstGeom>
-        </p:spPr>
-      </p:pic>
-      <p:pic>
-        <p:nvPicPr>
-          <p:cNvPr id="14" name="Рисунок 13"/>
-          <p:cNvPicPr>
-            <a:picLocks noChangeAspect="1"/>
-          </p:cNvPicPr>
-          <p:nvPr/>
-        </p:nvPicPr>
-        <p:blipFill>
-          <a:blip r:embed="rId5"/>
-          <a:stretch>
-            <a:fillRect/>
-          </a:stretch>
-        </p:blipFill>
-        <p:spPr>
-          <a:xfrm>
-            <a:off x="8286750" y="1991092"/>
-            <a:ext cx="3771900" cy="295275"/>
-          </a:xfrm>
-          <a:prstGeom prst="rect">
-            <a:avLst/>
-          </a:prstGeom>
-        </p:spPr>
-      </p:pic>
-      <p:pic>
-        <p:nvPicPr>
-          <p:cNvPr id="15" name="Рисунок 14"/>
-          <p:cNvPicPr>
-            <a:picLocks noChangeAspect="1"/>
-          </p:cNvPicPr>
-          <p:nvPr/>
-        </p:nvPicPr>
-        <p:blipFill>
-          <a:blip r:embed="rId6"/>
-          <a:stretch>
-            <a:fillRect/>
-          </a:stretch>
-        </p:blipFill>
-        <p:spPr>
-          <a:xfrm>
-            <a:off x="5695950" y="2734301"/>
-            <a:ext cx="6383693" cy="3899766"/>
-          </a:xfrm>
-          <a:prstGeom prst="rect">
-            <a:avLst/>
-          </a:prstGeom>
-        </p:spPr>
-      </p:pic>
-      <p:pic>
-        <p:nvPicPr>
-          <p:cNvPr id="12" name="Рисунок 11"/>
-          <p:cNvPicPr>
-            <a:picLocks noChangeAspect="1"/>
-          </p:cNvPicPr>
-          <p:nvPr/>
-        </p:nvPicPr>
-        <p:blipFill>
-          <a:blip r:embed="rId7"/>
-          <a:stretch>
-            <a:fillRect/>
-          </a:stretch>
-        </p:blipFill>
-        <p:spPr>
-          <a:xfrm>
-            <a:off x="838200" y="3098272"/>
-            <a:ext cx="4857750" cy="3171825"/>
-          </a:xfrm>
-          <a:prstGeom prst="rect">
-            <a:avLst/>
-          </a:prstGeom>
-        </p:spPr>
-      </p:pic>
-    </p:spTree>
-    <p:extLst>
-      <p:ext uri="{BB962C8B-B14F-4D97-AF65-F5344CB8AC3E}">
-        <p14:creationId xmlns:p14="http://schemas.microsoft.com/office/powerpoint/2010/main" val="3433313568"/>
-      </p:ext>
-    </p:extLst>
-  </p:cSld>
-  <p:clrMapOvr>
-    <a:masterClrMapping/>
-  </p:clrMapOvr>
-</p:sld>
-</file>
-
-<file path=ppt/slides/slide31.xml><?xml version="1.0" encoding="utf-8"?>
-<p:sld xmlns:a="http://schemas.openxmlformats.org/drawingml/2006/main" xmlns:r="http://schemas.openxmlformats.org/officeDocument/2006/relationships" xmlns:p="http://schemas.openxmlformats.org/presentationml/2006/main">
-  <p:cSld>
-    <p:spTree>
-      <p:nvGrpSpPr>
-        <p:cNvPr id="1" name=""/>
-        <p:cNvGrpSpPr/>
-        <p:nvPr/>
-      </p:nvGrpSpPr>
-      <p:grpSpPr>
-        <a:xfrm>
-          <a:off x="0" y="0"/>
-          <a:ext cx="0" cy="0"/>
-          <a:chOff x="0" y="0"/>
-          <a:chExt cx="0" cy="0"/>
-        </a:xfrm>
-      </p:grpSpPr>
-      <p:sp>
-        <p:nvSpPr>
-          <p:cNvPr id="2" name="Заголовок 1"/>
-          <p:cNvSpPr>
-            <a:spLocks noGrp="1"/>
-          </p:cNvSpPr>
-          <p:nvPr>
-            <p:ph type="title"/>
-          </p:nvPr>
-        </p:nvSpPr>
-        <p:spPr>
-          <a:xfrm>
-            <a:off x="838200" y="246548"/>
-            <a:ext cx="10515600" cy="1196770"/>
-          </a:xfrm>
-        </p:spPr>
-        <p:txBody>
-          <a:bodyPr>
-            <a:normAutofit/>
-          </a:bodyPr>
-          <a:lstStyle/>
-          <a:p>
-            <a:r>
-              <a:rPr lang="ru-RU" dirty="0"/>
-              <a:t>Ну и для чего мы всё это делали?</a:t>
-            </a:r>
-          </a:p>
-        </p:txBody>
-      </p:sp>
-      <p:sp>
-        <p:nvSpPr>
-          <p:cNvPr id="6" name="Объект 2"/>
-          <p:cNvSpPr txBox="1">
-            <a:spLocks/>
-          </p:cNvSpPr>
-          <p:nvPr/>
-        </p:nvSpPr>
-        <p:spPr>
-          <a:xfrm>
-            <a:off x="838200" y="3529275"/>
-            <a:ext cx="10515600" cy="2740822"/>
-          </a:xfrm>
-          <a:prstGeom prst="rect">
-            <a:avLst/>
-          </a:prstGeom>
-        </p:spPr>
-        <p:txBody>
-          <a:bodyPr vert="horz" lIns="91440" tIns="45720" rIns="91440" bIns="45720" rtlCol="0">
-            <a:normAutofit/>
-          </a:bodyPr>
-          <a:lstStyle>
-            <a:lvl1pPr marL="228600" indent="-228600" algn="l" defTabSz="914400" rtl="0" eaLnBrk="1" latinLnBrk="0" hangingPunct="1">
-              <a:lnSpc>
-                <a:spcPct val="90000"/>
-              </a:lnSpc>
-              <a:spcBef>
-                <a:spcPts val="1000"/>
-              </a:spcBef>
-              <a:buFont typeface="Arial" panose="020B0604020202020204" pitchFamily="34" charset="0"/>
-              <a:buChar char="•"/>
-              <a:defRPr sz="2800" kern="1200">
-                <a:solidFill>
-                  <a:schemeClr val="tx1"/>
-                </a:solidFill>
-                <a:latin typeface="+mn-lt"/>
-                <a:ea typeface="+mn-ea"/>
-                <a:cs typeface="+mn-cs"/>
-              </a:defRPr>
-            </a:lvl1pPr>
-            <a:lvl2pPr marL="685800" indent="-228600" algn="l" defTabSz="914400" rtl="0" eaLnBrk="1" latinLnBrk="0" hangingPunct="1">
-              <a:lnSpc>
-                <a:spcPct val="90000"/>
-              </a:lnSpc>
-              <a:spcBef>
-                <a:spcPts val="500"/>
-              </a:spcBef>
-              <a:buFont typeface="Arial" panose="020B0604020202020204" pitchFamily="34" charset="0"/>
-              <a:buChar char="•"/>
-              <a:defRPr sz="2400" kern="1200">
-                <a:solidFill>
-                  <a:schemeClr val="tx1"/>
-                </a:solidFill>
-                <a:latin typeface="+mn-lt"/>
-                <a:ea typeface="+mn-ea"/>
-                <a:cs typeface="+mn-cs"/>
-              </a:defRPr>
-            </a:lvl2pPr>
-            <a:lvl3pPr marL="1143000" indent="-228600" algn="l" defTabSz="914400" rtl="0" eaLnBrk="1" latinLnBrk="0" hangingPunct="1">
-              <a:lnSpc>
-                <a:spcPct val="90000"/>
-              </a:lnSpc>
-              <a:spcBef>
-                <a:spcPts val="500"/>
-              </a:spcBef>
-              <a:buFont typeface="Arial" panose="020B0604020202020204" pitchFamily="34" charset="0"/>
-              <a:buChar char="•"/>
-              <a:defRPr sz="2000" kern="1200">
-                <a:solidFill>
-                  <a:schemeClr val="tx1"/>
-                </a:solidFill>
-                <a:latin typeface="+mn-lt"/>
-                <a:ea typeface="+mn-ea"/>
-                <a:cs typeface="+mn-cs"/>
-              </a:defRPr>
-            </a:lvl3pPr>
-            <a:lvl4pPr marL="1600200" indent="-228600" algn="l" defTabSz="914400" rtl="0" eaLnBrk="1" latinLnBrk="0" hangingPunct="1">
-              <a:lnSpc>
-                <a:spcPct val="90000"/>
-              </a:lnSpc>
-              <a:spcBef>
-                <a:spcPts val="500"/>
-              </a:spcBef>
-              <a:buFont typeface="Arial" panose="020B0604020202020204" pitchFamily="34" charset="0"/>
-              <a:buChar char="•"/>
-              <a:defRPr sz="1800" kern="1200">
-                <a:solidFill>
-                  <a:schemeClr val="tx1"/>
-                </a:solidFill>
-                <a:latin typeface="+mn-lt"/>
-                <a:ea typeface="+mn-ea"/>
-                <a:cs typeface="+mn-cs"/>
-              </a:defRPr>
-            </a:lvl4pPr>
-            <a:lvl5pPr marL="2057400" indent="-228600" algn="l" defTabSz="914400" rtl="0" eaLnBrk="1" latinLnBrk="0" hangingPunct="1">
-              <a:lnSpc>
-                <a:spcPct val="90000"/>
-              </a:lnSpc>
-              <a:spcBef>
-                <a:spcPts val="500"/>
-              </a:spcBef>
-              <a:buFont typeface="Arial" panose="020B0604020202020204" pitchFamily="34" charset="0"/>
-              <a:buChar char="•"/>
-              <a:defRPr sz="1800" kern="1200">
-                <a:solidFill>
-                  <a:schemeClr val="tx1"/>
-                </a:solidFill>
-                <a:latin typeface="+mn-lt"/>
-                <a:ea typeface="+mn-ea"/>
-                <a:cs typeface="+mn-cs"/>
-              </a:defRPr>
-            </a:lvl5pPr>
-            <a:lvl6pPr marL="2514600" indent="-228600" algn="l" defTabSz="914400" rtl="0" eaLnBrk="1" latinLnBrk="0" hangingPunct="1">
-              <a:lnSpc>
-                <a:spcPct val="90000"/>
-              </a:lnSpc>
-              <a:spcBef>
-                <a:spcPts val="500"/>
-              </a:spcBef>
-              <a:buFont typeface="Arial" panose="020B0604020202020204" pitchFamily="34" charset="0"/>
-              <a:buChar char="•"/>
-              <a:defRPr sz="1800" kern="1200">
-                <a:solidFill>
-                  <a:schemeClr val="tx1"/>
-                </a:solidFill>
-                <a:latin typeface="+mn-lt"/>
-                <a:ea typeface="+mn-ea"/>
-                <a:cs typeface="+mn-cs"/>
-              </a:defRPr>
-            </a:lvl6pPr>
-            <a:lvl7pPr marL="2971800" indent="-228600" algn="l" defTabSz="914400" rtl="0" eaLnBrk="1" latinLnBrk="0" hangingPunct="1">
-              <a:lnSpc>
-                <a:spcPct val="90000"/>
-              </a:lnSpc>
-              <a:spcBef>
-                <a:spcPts val="500"/>
-              </a:spcBef>
-              <a:buFont typeface="Arial" panose="020B0604020202020204" pitchFamily="34" charset="0"/>
-              <a:buChar char="•"/>
-              <a:defRPr sz="1800" kern="1200">
-                <a:solidFill>
-                  <a:schemeClr val="tx1"/>
-                </a:solidFill>
-                <a:latin typeface="+mn-lt"/>
-                <a:ea typeface="+mn-ea"/>
-                <a:cs typeface="+mn-cs"/>
-              </a:defRPr>
-            </a:lvl7pPr>
-            <a:lvl8pPr marL="3429000" indent="-228600" algn="l" defTabSz="914400" rtl="0" eaLnBrk="1" latinLnBrk="0" hangingPunct="1">
-              <a:lnSpc>
-                <a:spcPct val="90000"/>
-              </a:lnSpc>
-              <a:spcBef>
-                <a:spcPts val="500"/>
-              </a:spcBef>
-              <a:buFont typeface="Arial" panose="020B0604020202020204" pitchFamily="34" charset="0"/>
-              <a:buChar char="•"/>
-              <a:defRPr sz="1800" kern="1200">
-                <a:solidFill>
-                  <a:schemeClr val="tx1"/>
-                </a:solidFill>
-                <a:latin typeface="+mn-lt"/>
-                <a:ea typeface="+mn-ea"/>
-                <a:cs typeface="+mn-cs"/>
-              </a:defRPr>
-            </a:lvl8pPr>
-            <a:lvl9pPr marL="3886200" indent="-228600" algn="l" defTabSz="914400" rtl="0" eaLnBrk="1" latinLnBrk="0" hangingPunct="1">
-              <a:lnSpc>
-                <a:spcPct val="90000"/>
-              </a:lnSpc>
-              <a:spcBef>
-                <a:spcPts val="500"/>
-              </a:spcBef>
-              <a:buFont typeface="Arial" panose="020B0604020202020204" pitchFamily="34" charset="0"/>
-              <a:buChar char="•"/>
-              <a:defRPr sz="1800" kern="1200">
-                <a:solidFill>
-                  <a:schemeClr val="tx1"/>
-                </a:solidFill>
-                <a:latin typeface="+mn-lt"/>
-                <a:ea typeface="+mn-ea"/>
-                <a:cs typeface="+mn-cs"/>
-              </a:defRPr>
-            </a:lvl9pPr>
-          </a:lstStyle>
-          <a:p>
-            <a:endParaRPr lang="ru-RU" sz="3600" dirty="0"/>
-          </a:p>
-          <a:p>
-            <a:pPr marL="0" indent="0">
-              <a:buFont typeface="Arial" panose="020B0604020202020204" pitchFamily="34" charset="0"/>
-              <a:buNone/>
-            </a:pPr>
-            <a:endParaRPr lang="ru-RU" sz="3600" dirty="0"/>
-          </a:p>
-        </p:txBody>
-      </p:sp>
-      <p:pic>
-        <p:nvPicPr>
-          <p:cNvPr id="3" name="Рисунок 2"/>
-          <p:cNvPicPr>
-            <a:picLocks noChangeAspect="1"/>
-          </p:cNvPicPr>
-          <p:nvPr/>
-        </p:nvPicPr>
-        <p:blipFill>
-          <a:blip r:embed="rId3"/>
-          <a:stretch>
-            <a:fillRect/>
-          </a:stretch>
-        </p:blipFill>
-        <p:spPr>
-          <a:xfrm>
-            <a:off x="838200" y="1443318"/>
-            <a:ext cx="4895850" cy="390525"/>
-          </a:xfrm>
-          <a:prstGeom prst="rect">
-            <a:avLst/>
-          </a:prstGeom>
-        </p:spPr>
-      </p:pic>
-      <p:pic>
-        <p:nvPicPr>
-          <p:cNvPr id="5" name="Рисунок 4"/>
-          <p:cNvPicPr>
-            <a:picLocks noChangeAspect="1"/>
-          </p:cNvPicPr>
-          <p:nvPr/>
-        </p:nvPicPr>
-        <p:blipFill>
-          <a:blip r:embed="rId4"/>
-          <a:stretch>
-            <a:fillRect/>
-          </a:stretch>
-        </p:blipFill>
-        <p:spPr>
-          <a:xfrm>
-            <a:off x="838200" y="2129109"/>
-            <a:ext cx="4572000" cy="323850"/>
-          </a:xfrm>
-          <a:prstGeom prst="rect">
-            <a:avLst/>
-          </a:prstGeom>
-        </p:spPr>
-      </p:pic>
-      <p:pic>
-        <p:nvPicPr>
-          <p:cNvPr id="7" name="Рисунок 6"/>
-          <p:cNvPicPr>
-            <a:picLocks noChangeAspect="1"/>
-          </p:cNvPicPr>
-          <p:nvPr/>
-        </p:nvPicPr>
-        <p:blipFill>
-          <a:blip r:embed="rId5"/>
-          <a:stretch>
-            <a:fillRect/>
-          </a:stretch>
-        </p:blipFill>
-        <p:spPr>
-          <a:xfrm>
-            <a:off x="4436969" y="2291034"/>
-            <a:ext cx="7334250" cy="4133850"/>
-          </a:xfrm>
-          <a:prstGeom prst="rect">
-            <a:avLst/>
-          </a:prstGeom>
-        </p:spPr>
-      </p:pic>
-    </p:spTree>
-    <p:extLst>
-      <p:ext uri="{BB962C8B-B14F-4D97-AF65-F5344CB8AC3E}">
-        <p14:creationId xmlns:p14="http://schemas.microsoft.com/office/powerpoint/2010/main" val="1370796119"/>
-      </p:ext>
-    </p:extLst>
-  </p:cSld>
-  <p:clrMapOvr>
-    <a:masterClrMapping/>
-  </p:clrMapOvr>
-</p:sld>
-</file>
-
-<file path=ppt/slides/slide32.xml><?xml version="1.0" encoding="utf-8"?>
-<p:sld xmlns:a="http://schemas.openxmlformats.org/drawingml/2006/main" xmlns:r="http://schemas.openxmlformats.org/officeDocument/2006/relationships" xmlns:p="http://schemas.openxmlformats.org/presentationml/2006/main">
-  <p:cSld>
-    <p:spTree>
-      <p:nvGrpSpPr>
-        <p:cNvPr id="1" name=""/>
-        <p:cNvGrpSpPr/>
-        <p:nvPr/>
-      </p:nvGrpSpPr>
-      <p:grpSpPr>
-        <a:xfrm>
-          <a:off x="0" y="0"/>
-          <a:ext cx="0" cy="0"/>
-          <a:chOff x="0" y="0"/>
-          <a:chExt cx="0" cy="0"/>
-        </a:xfrm>
-      </p:grpSpPr>
-      <p:sp>
-        <p:nvSpPr>
-          <p:cNvPr id="2" name="Заголовок 1"/>
-          <p:cNvSpPr>
-            <a:spLocks noGrp="1"/>
-          </p:cNvSpPr>
-          <p:nvPr>
-            <p:ph type="title"/>
-          </p:nvPr>
-        </p:nvSpPr>
-        <p:spPr/>
-        <p:txBody>
-          <a:bodyPr/>
-          <a:lstStyle/>
-          <a:p>
-            <a:r>
-              <a:rPr lang="ru-RU" dirty="0"/>
-              <a:t>Домашнее задание</a:t>
-            </a:r>
-          </a:p>
-        </p:txBody>
-      </p:sp>
-      <p:sp>
-        <p:nvSpPr>
-          <p:cNvPr id="3" name="Объект 2"/>
-          <p:cNvSpPr>
-            <a:spLocks noGrp="1"/>
-          </p:cNvSpPr>
-          <p:nvPr>
-            <p:ph idx="1"/>
-          </p:nvPr>
-        </p:nvSpPr>
-        <p:spPr/>
-        <p:txBody>
-          <a:bodyPr/>
-          <a:lstStyle/>
-          <a:p>
-            <a:endParaRPr lang="ru-RU" i="1" dirty="0"/>
-          </a:p>
-        </p:txBody>
-      </p:sp>
-    </p:spTree>
-    <p:extLst>
-      <p:ext uri="{BB962C8B-B14F-4D97-AF65-F5344CB8AC3E}">
-        <p14:creationId xmlns:p14="http://schemas.microsoft.com/office/powerpoint/2010/main" val="2915561100"/>
       </p:ext>
     </p:extLst>
   </p:cSld>
